--- a/Presentaties/Week4/Lectures & Lesroosters toestandsruimte en grenzen.pptx
+++ b/Presentaties/Week4/Lectures & Lesroosters toestandsruimte en grenzen.pptx
@@ -9,6 +9,7 @@
     <p:sldId id="262" r:id="rId3"/>
     <p:sldId id="260" r:id="rId4"/>
     <p:sldId id="261" r:id="rId5"/>
+    <p:sldId id="264" r:id="rId6"/>
   </p:sldIdLst>
   <p:sldSz cx="12192000" cy="6858000"/>
   <p:notesSz cx="6858000" cy="9144000"/>
@@ -286,7 +287,7 @@
           <a:p>
             <a:fld id="{B2E4F3CE-5921-4ADD-9964-2DE7A47474AF}" type="datetimeFigureOut">
               <a:rPr lang="nl-NL" smtClean="0"/>
-              <a:t>1-5-2018</a:t>
+              <a:t>3-5-2018</a:t>
             </a:fld>
             <a:endParaRPr lang="nl-NL"/>
           </a:p>
@@ -354,7 +355,7 @@
           <a:p>
             <a:fld id="{F9A998D0-4466-47BE-85E2-8C9E3531AFF1}" type="slidenum">
               <a:rPr lang="nl-NL" smtClean="0"/>
-              <a:t>‹nr.›</a:t>
+              <a:t>‹#›</a:t>
             </a:fld>
             <a:endParaRPr lang="nl-NL"/>
           </a:p>
@@ -494,7 +495,7 @@
           <p:cNvPr id="10" name="Picture 9" descr="A group of people in a room&#10;&#10;Description generated with very high confidence">
             <a:extLst>
               <a:ext uri="{FF2B5EF4-FFF2-40B4-BE49-F238E27FC236}">
-                <a16:creationId xmlns="" xmlns:a16="http://schemas.microsoft.com/office/drawing/2014/main" id="{8A636BD5-65AA-4211-BE9A-C3728CA22021}"/>
+                <a16:creationId xmlns:a16="http://schemas.microsoft.com/office/drawing/2014/main" id="{8A636BD5-65AA-4211-BE9A-C3728CA22021}"/>
               </a:ext>
             </a:extLst>
           </p:cNvPr>
@@ -535,7 +536,7 @@
           <p:cNvPr id="12" name="Picture 11" descr="A group of people in a room&#10;&#10;Description generated with very high confidence">
             <a:extLst>
               <a:ext uri="{FF2B5EF4-FFF2-40B4-BE49-F238E27FC236}">
-                <a16:creationId xmlns="" xmlns:a16="http://schemas.microsoft.com/office/drawing/2014/main" id="{FCCAA0F4-9C7B-4984-8F70-FA270D007429}"/>
+                <a16:creationId xmlns:a16="http://schemas.microsoft.com/office/drawing/2014/main" id="{FCCAA0F4-9C7B-4984-8F70-FA270D007429}"/>
               </a:ext>
             </a:extLst>
           </p:cNvPr>
@@ -606,7 +607,7 @@
           <p:cNvPr id="2" name="Title 1">
             <a:extLst>
               <a:ext uri="{FF2B5EF4-FFF2-40B4-BE49-F238E27FC236}">
-                <a16:creationId xmlns="" xmlns:a16="http://schemas.microsoft.com/office/drawing/2014/main" id="{6FC13C6F-2E16-4E4C-84CC-D4DAFCB2700D}"/>
+                <a16:creationId xmlns:a16="http://schemas.microsoft.com/office/drawing/2014/main" id="{6FC13C6F-2E16-4E4C-84CC-D4DAFCB2700D}"/>
               </a:ext>
             </a:extLst>
           </p:cNvPr>
@@ -644,7 +645,7 @@
           <p:cNvPr id="3" name="Subtitle 2">
             <a:extLst>
               <a:ext uri="{FF2B5EF4-FFF2-40B4-BE49-F238E27FC236}">
-                <a16:creationId xmlns="" xmlns:a16="http://schemas.microsoft.com/office/drawing/2014/main" id="{453CFFDF-F98C-4C73-86C1-B63C7BFD4C39}"/>
+                <a16:creationId xmlns:a16="http://schemas.microsoft.com/office/drawing/2014/main" id="{453CFFDF-F98C-4C73-86C1-B63C7BFD4C39}"/>
               </a:ext>
             </a:extLst>
           </p:cNvPr>
@@ -715,7 +716,7 @@
           <p:cNvPr id="4" name="Date Placeholder 3">
             <a:extLst>
               <a:ext uri="{FF2B5EF4-FFF2-40B4-BE49-F238E27FC236}">
-                <a16:creationId xmlns="" xmlns:a16="http://schemas.microsoft.com/office/drawing/2014/main" id="{CFA081B8-BD76-443C-93F5-08182166D8D0}"/>
+                <a16:creationId xmlns:a16="http://schemas.microsoft.com/office/drawing/2014/main" id="{CFA081B8-BD76-443C-93F5-08182166D8D0}"/>
               </a:ext>
             </a:extLst>
           </p:cNvPr>
@@ -733,7 +734,7 @@
           <a:p>
             <a:fld id="{B2E4F3CE-5921-4ADD-9964-2DE7A47474AF}" type="datetimeFigureOut">
               <a:rPr lang="nl-NL" smtClean="0"/>
-              <a:t>1-5-2018</a:t>
+              <a:t>3-5-2018</a:t>
             </a:fld>
             <a:endParaRPr lang="nl-NL"/>
           </a:p>
@@ -744,7 +745,7 @@
           <p:cNvPr id="5" name="Footer Placeholder 4">
             <a:extLst>
               <a:ext uri="{FF2B5EF4-FFF2-40B4-BE49-F238E27FC236}">
-                <a16:creationId xmlns="" xmlns:a16="http://schemas.microsoft.com/office/drawing/2014/main" id="{B372371A-431A-4C4A-B2D5-5DB4CE736915}"/>
+                <a16:creationId xmlns:a16="http://schemas.microsoft.com/office/drawing/2014/main" id="{B372371A-431A-4C4A-B2D5-5DB4CE736915}"/>
               </a:ext>
             </a:extLst>
           </p:cNvPr>
@@ -769,7 +770,7 @@
           <p:cNvPr id="6" name="Slide Number Placeholder 5">
             <a:extLst>
               <a:ext uri="{FF2B5EF4-FFF2-40B4-BE49-F238E27FC236}">
-                <a16:creationId xmlns="" xmlns:a16="http://schemas.microsoft.com/office/drawing/2014/main" id="{4440A448-9C23-42D3-B380-8BFAE71DF757}"/>
+                <a16:creationId xmlns:a16="http://schemas.microsoft.com/office/drawing/2014/main" id="{4440A448-9C23-42D3-B380-8BFAE71DF757}"/>
               </a:ext>
             </a:extLst>
           </p:cNvPr>
@@ -787,7 +788,7 @@
           <a:p>
             <a:fld id="{F9A998D0-4466-47BE-85E2-8C9E3531AFF1}" type="slidenum">
               <a:rPr lang="nl-NL" smtClean="0"/>
-              <a:t>‹nr.›</a:t>
+              <a:t>‹#›</a:t>
             </a:fld>
             <a:endParaRPr lang="nl-NL"/>
           </a:p>
@@ -932,7 +933,7 @@
           <a:p>
             <a:fld id="{B2E4F3CE-5921-4ADD-9964-2DE7A47474AF}" type="datetimeFigureOut">
               <a:rPr lang="nl-NL" smtClean="0"/>
-              <a:t>1-5-2018</a:t>
+              <a:t>3-5-2018</a:t>
             </a:fld>
             <a:endParaRPr lang="nl-NL"/>
           </a:p>
@@ -974,7 +975,7 @@
           <a:p>
             <a:fld id="{F9A998D0-4466-47BE-85E2-8C9E3531AFF1}" type="slidenum">
               <a:rPr lang="nl-NL" smtClean="0"/>
-              <a:t>‹nr.›</a:t>
+              <a:t>‹#›</a:t>
             </a:fld>
             <a:endParaRPr lang="nl-NL"/>
           </a:p>
@@ -1203,7 +1204,7 @@
           <a:p>
             <a:fld id="{B2E4F3CE-5921-4ADD-9964-2DE7A47474AF}" type="datetimeFigureOut">
               <a:rPr lang="nl-NL" smtClean="0"/>
-              <a:t>1-5-2018</a:t>
+              <a:t>3-5-2018</a:t>
             </a:fld>
             <a:endParaRPr lang="nl-NL"/>
           </a:p>
@@ -1271,7 +1272,7 @@
           <a:p>
             <a:fld id="{F9A998D0-4466-47BE-85E2-8C9E3531AFF1}" type="slidenum">
               <a:rPr lang="nl-NL" smtClean="0"/>
-              <a:t>‹nr.›</a:t>
+              <a:t>‹#›</a:t>
             </a:fld>
             <a:endParaRPr lang="nl-NL"/>
           </a:p>
@@ -1338,7 +1339,7 @@
           <p:cNvPr id="9" name="Picture 8" descr="A group of people in a room&#10;&#10;Description generated with very high confidence">
             <a:extLst>
               <a:ext uri="{FF2B5EF4-FFF2-40B4-BE49-F238E27FC236}">
-                <a16:creationId xmlns="" xmlns:a16="http://schemas.microsoft.com/office/drawing/2014/main" id="{1100C0BB-10D3-488D-AF46-8E80E778FCC2}"/>
+                <a16:creationId xmlns:a16="http://schemas.microsoft.com/office/drawing/2014/main" id="{1100C0BB-10D3-488D-AF46-8E80E778FCC2}"/>
               </a:ext>
             </a:extLst>
           </p:cNvPr>
@@ -1638,7 +1639,7 @@
           <a:p>
             <a:fld id="{B2E4F3CE-5921-4ADD-9964-2DE7A47474AF}" type="datetimeFigureOut">
               <a:rPr lang="nl-NL" smtClean="0"/>
-              <a:t>1-5-2018</a:t>
+              <a:t>3-5-2018</a:t>
             </a:fld>
             <a:endParaRPr lang="nl-NL"/>
           </a:p>
@@ -1680,7 +1681,7 @@
           <a:p>
             <a:fld id="{F9A998D0-4466-47BE-85E2-8C9E3531AFF1}" type="slidenum">
               <a:rPr lang="nl-NL" smtClean="0"/>
-              <a:t>‹nr.›</a:t>
+              <a:t>‹#›</a:t>
             </a:fld>
             <a:endParaRPr lang="nl-NL"/>
           </a:p>
@@ -2115,7 +2116,7 @@
           <a:p>
             <a:fld id="{B2E4F3CE-5921-4ADD-9964-2DE7A47474AF}" type="datetimeFigureOut">
               <a:rPr lang="nl-NL" smtClean="0"/>
-              <a:t>1-5-2018</a:t>
+              <a:t>3-5-2018</a:t>
             </a:fld>
             <a:endParaRPr lang="nl-NL"/>
           </a:p>
@@ -2157,7 +2158,7 @@
           <a:p>
             <a:fld id="{F9A998D0-4466-47BE-85E2-8C9E3531AFF1}" type="slidenum">
               <a:rPr lang="nl-NL" smtClean="0"/>
-              <a:t>‹nr.›</a:t>
+              <a:t>‹#›</a:t>
             </a:fld>
             <a:endParaRPr lang="nl-NL"/>
           </a:p>
@@ -2233,7 +2234,7 @@
           <a:p>
             <a:fld id="{B2E4F3CE-5921-4ADD-9964-2DE7A47474AF}" type="datetimeFigureOut">
               <a:rPr lang="nl-NL" smtClean="0"/>
-              <a:t>1-5-2018</a:t>
+              <a:t>3-5-2018</a:t>
             </a:fld>
             <a:endParaRPr lang="nl-NL"/>
           </a:p>
@@ -2275,7 +2276,7 @@
           <a:p>
             <a:fld id="{F9A998D0-4466-47BE-85E2-8C9E3531AFF1}" type="slidenum">
               <a:rPr lang="nl-NL" smtClean="0"/>
-              <a:t>‹nr.›</a:t>
+              <a:t>‹#›</a:t>
             </a:fld>
             <a:endParaRPr lang="nl-NL"/>
           </a:p>
@@ -2328,7 +2329,7 @@
           <a:p>
             <a:fld id="{B2E4F3CE-5921-4ADD-9964-2DE7A47474AF}" type="datetimeFigureOut">
               <a:rPr lang="nl-NL" smtClean="0"/>
-              <a:t>1-5-2018</a:t>
+              <a:t>3-5-2018</a:t>
             </a:fld>
             <a:endParaRPr lang="nl-NL"/>
           </a:p>
@@ -2370,7 +2371,7 @@
           <a:p>
             <a:fld id="{F9A998D0-4466-47BE-85E2-8C9E3531AFF1}" type="slidenum">
               <a:rPr lang="nl-NL" smtClean="0"/>
-              <a:t>‹nr.›</a:t>
+              <a:t>‹#›</a:t>
             </a:fld>
             <a:endParaRPr lang="nl-NL"/>
           </a:p>
@@ -2503,7 +2504,7 @@
           <a:p>
             <a:fld id="{B2E4F3CE-5921-4ADD-9964-2DE7A47474AF}" type="datetimeFigureOut">
               <a:rPr lang="nl-NL" smtClean="0"/>
-              <a:t>1-5-2018</a:t>
+              <a:t>3-5-2018</a:t>
             </a:fld>
             <a:endParaRPr lang="nl-NL"/>
           </a:p>
@@ -2545,7 +2546,7 @@
           <a:p>
             <a:fld id="{F9A998D0-4466-47BE-85E2-8C9E3531AFF1}" type="slidenum">
               <a:rPr lang="nl-NL" smtClean="0"/>
-              <a:t>‹nr.›</a:t>
+              <a:t>‹#›</a:t>
             </a:fld>
             <a:endParaRPr lang="nl-NL"/>
           </a:p>
@@ -2683,7 +2684,7 @@
           <a:p>
             <a:fld id="{B2E4F3CE-5921-4ADD-9964-2DE7A47474AF}" type="datetimeFigureOut">
               <a:rPr lang="nl-NL" smtClean="0"/>
-              <a:t>1-5-2018</a:t>
+              <a:t>3-5-2018</a:t>
             </a:fld>
             <a:endParaRPr lang="nl-NL"/>
           </a:p>
@@ -2725,7 +2726,7 @@
           <a:p>
             <a:fld id="{F9A998D0-4466-47BE-85E2-8C9E3531AFF1}" type="slidenum">
               <a:rPr lang="nl-NL" smtClean="0"/>
-              <a:t>‹nr.›</a:t>
+              <a:t>‹#›</a:t>
             </a:fld>
             <a:endParaRPr lang="nl-NL"/>
           </a:p>
@@ -2893,7 +2894,7 @@
           <a:p>
             <a:fld id="{B2E4F3CE-5921-4ADD-9964-2DE7A47474AF}" type="datetimeFigureOut">
               <a:rPr lang="nl-NL" smtClean="0"/>
-              <a:t>1-5-2018</a:t>
+              <a:t>3-5-2018</a:t>
             </a:fld>
             <a:endParaRPr lang="nl-NL"/>
           </a:p>
@@ -2967,7 +2968,7 @@
           <a:p>
             <a:fld id="{F9A998D0-4466-47BE-85E2-8C9E3531AFF1}" type="slidenum">
               <a:rPr lang="nl-NL" smtClean="0"/>
-              <a:t>‹nr.›</a:t>
+              <a:t>‹#›</a:t>
             </a:fld>
             <a:endParaRPr lang="nl-NL" dirty="0"/>
           </a:p>
@@ -3016,7 +3017,7 @@
           <p:cNvPr id="8" name="Picture 7" descr="A group of people in a room&#10;&#10;Description generated with very high confidence">
             <a:extLst>
               <a:ext uri="{FF2B5EF4-FFF2-40B4-BE49-F238E27FC236}">
-                <a16:creationId xmlns="" xmlns:a16="http://schemas.microsoft.com/office/drawing/2014/main" id="{E8DF0BB6-DCAB-4E9C-8305-3C25099E8419}"/>
+                <a16:creationId xmlns:a16="http://schemas.microsoft.com/office/drawing/2014/main" id="{E8DF0BB6-DCAB-4E9C-8305-3C25099E8419}"/>
               </a:ext>
             </a:extLst>
           </p:cNvPr>
@@ -3450,7 +3451,7 @@
           <p:cNvPr id="2" name="Title 1">
             <a:extLst>
               <a:ext uri="{FF2B5EF4-FFF2-40B4-BE49-F238E27FC236}">
-                <a16:creationId xmlns="" xmlns:a16="http://schemas.microsoft.com/office/drawing/2014/main" id="{DFB35624-C45A-4417-8484-F487F43C3428}"/>
+                <a16:creationId xmlns:a16="http://schemas.microsoft.com/office/drawing/2014/main" id="{DFB35624-C45A-4417-8484-F487F43C3428}"/>
               </a:ext>
             </a:extLst>
           </p:cNvPr>
@@ -3478,7 +3479,7 @@
           <p:cNvPr id="3" name="Text Placeholder 2">
             <a:extLst>
               <a:ext uri="{FF2B5EF4-FFF2-40B4-BE49-F238E27FC236}">
-                <a16:creationId xmlns="" xmlns:a16="http://schemas.microsoft.com/office/drawing/2014/main" id="{F477C6E4-8C06-4C8A-8A0C-C1EDED58155D}"/>
+                <a16:creationId xmlns:a16="http://schemas.microsoft.com/office/drawing/2014/main" id="{F477C6E4-8C06-4C8A-8A0C-C1EDED58155D}"/>
               </a:ext>
             </a:extLst>
           </p:cNvPr>
@@ -3511,13 +3512,6 @@
   <p:clrMapOvr>
     <a:masterClrMapping/>
   </p:clrMapOvr>
-  <p:timing>
-    <p:tnLst>
-      <p:par>
-        <p:cTn id="1" dur="indefinite" restart="never" nodeType="tmRoot"/>
-      </p:par>
-    </p:tnLst>
-  </p:timing>
 </p:sld>
 </file>
 
@@ -3554,10 +3548,9 @@
           <a:lstStyle/>
           <a:p>
             <a:r>
-              <a:rPr lang="nl-NL" dirty="0" smtClean="0"/>
+              <a:rPr lang="nl-NL" dirty="0"/>
               <a:t>Toestandsruimte</a:t>
             </a:r>
-            <a:endParaRPr lang="nl-NL" dirty="0"/>
           </a:p>
         </p:txBody>
       </p:sp>
@@ -3579,13 +3572,13 @@
               <a:lstStyle/>
               <a:p>
                 <a:r>
-                  <a:rPr lang="nl-NL" dirty="0" smtClean="0"/>
-                  <a:t>145 = 5 (dagen) * 4 (tijdsloten) * 7 (zalen) + 5 (avondsloten) </a:t>
+                  <a:rPr lang="nl-NL" dirty="0"/>
+                  <a:t>145 zaalsloten: 5 (dagen) * 4 (tijdsloten) * 7 (zalen) + 5 (avondsloten) </a:t>
                 </a:r>
               </a:p>
               <a:p>
                 <a:r>
-                  <a:rPr lang="nl-NL" dirty="0" smtClean="0"/>
+                  <a:rPr lang="nl-NL" dirty="0"/>
                   <a:t>129 activiteiten</a:t>
                 </a:r>
               </a:p>
@@ -3629,7 +3622,7 @@
                   </m:oMath>
                 </a14:m>
                 <a:r>
-                  <a:rPr lang="nl-NL" dirty="0" smtClean="0"/>
+                  <a:rPr lang="nl-NL" dirty="0"/>
                   <a:t> = </a:t>
                 </a:r>
                 <a14:m>
@@ -3674,22 +3667,14 @@
                   </m:oMath>
                 </a14:m>
                 <a:r>
-                  <a:rPr lang="nl-NL" dirty="0" smtClean="0"/>
-                  <a:t> </a:t>
+                  <a:rPr lang="nl-NL" dirty="0"/>
+                  <a:t> = 7.7324047672×10</a:t>
                 </a:r>
                 <a:r>
-                  <a:rPr lang="nl-NL" smtClean="0"/>
-                  <a:t>= </a:t>
-                </a:r>
-                <a:r>
-                  <a:rPr lang="nl-NL"/>
-                  <a:t>7.7324047672×10</a:t>
-                </a:r>
-                <a:r>
-                  <a:rPr lang="nl-NL" baseline="30000"/>
+                  <a:rPr lang="nl-NL" baseline="30000" dirty="0"/>
                   <a:t>20</a:t>
                 </a:r>
-                <a:endParaRPr lang="nl-NL" dirty="0" smtClean="0"/>
+                <a:endParaRPr lang="nl-NL" dirty="0"/>
               </a:p>
               <a:p>
                 <a:endParaRPr lang="nl-NL" dirty="0"/>
@@ -3709,10 +3694,10 @@
               </p:nvPr>
             </p:nvSpPr>
             <p:spPr>
-              <a:blipFill rotWithShape="0">
+              <a:blipFill>
                 <a:blip r:embed="rId2"/>
                 <a:stretch>
-                  <a:fillRect l="-825" t="-1840"/>
+                  <a:fillRect l="-889" t="-1840"/>
                 </a:stretch>
               </a:blipFill>
             </p:spPr>
@@ -3777,10 +3762,9 @@
           <a:lstStyle/>
           <a:p>
             <a:r>
-              <a:rPr lang="nl-NL" dirty="0" smtClean="0"/>
+              <a:rPr lang="nl-NL" dirty="0"/>
               <a:t>Grenzen</a:t>
             </a:r>
-            <a:endParaRPr lang="nl-NL" dirty="0"/>
           </a:p>
         </p:txBody>
       </p:sp>
@@ -3805,7 +3789,7 @@
           <a:lstStyle/>
           <a:p>
             <a:r>
-              <a:rPr lang="nl-NL" dirty="0" smtClean="0"/>
+              <a:rPr lang="nl-NL" dirty="0"/>
               <a:t>Bovengrens</a:t>
             </a:r>
           </a:p>
@@ -3818,9 +3802,41 @@
               <a:t>	</a:t>
             </a:r>
             <a:r>
-              <a:rPr lang="nl-NL" u="sng" dirty="0" smtClean="0"/>
+              <a:rPr lang="nl-NL" u="sng" dirty="0"/>
               <a:t>theoretische bovengrens</a:t>
             </a:r>
+          </a:p>
+          <a:p>
+            <a:pPr marL="0" indent="0">
+              <a:buNone/>
+            </a:pPr>
+            <a:r>
+              <a:rPr lang="nl-NL" dirty="0"/>
+              <a:t>		</a:t>
+            </a:r>
+            <a:r>
+              <a:rPr lang="nl-NL" b="1" dirty="0"/>
+              <a:t>1580</a:t>
+            </a:r>
+            <a:r>
+              <a:rPr lang="nl-NL" dirty="0"/>
+              <a:t> = 1000 (geldig rooster)</a:t>
+            </a:r>
+          </a:p>
+          <a:p>
+            <a:pPr marL="0" indent="0">
+              <a:buNone/>
+            </a:pPr>
+            <a:r>
+              <a:rPr lang="nl-NL" dirty="0"/>
+              <a:t>			+ 20 * 29 ( alle vakken die optimaal zijn verdeeld)</a:t>
+            </a:r>
+          </a:p>
+          <a:p>
+            <a:pPr marL="0" indent="0">
+              <a:buNone/>
+            </a:pPr>
+            <a:endParaRPr lang="nl-NL" dirty="0"/>
           </a:p>
           <a:p>
             <a:pPr marL="0" indent="0">
@@ -3831,82 +3847,38 @@
               <a:t>	</a:t>
             </a:r>
             <a:r>
-              <a:rPr lang="nl-NL" dirty="0" smtClean="0"/>
-              <a:t>	</a:t>
-            </a:r>
-            <a:r>
-              <a:rPr lang="nl-NL" b="1" dirty="0" smtClean="0"/>
-              <a:t>1580</a:t>
-            </a:r>
-            <a:r>
-              <a:rPr lang="nl-NL" dirty="0" smtClean="0"/>
-              <a:t> = 1000 (geldig rooster)</a:t>
-            </a:r>
-          </a:p>
-          <a:p>
-            <a:pPr marL="0" indent="0">
-              <a:buNone/>
-            </a:pPr>
+              <a:rPr lang="nl-NL" u="sng" dirty="0"/>
+              <a:t>aangepaste bovengrens</a:t>
+            </a:r>
             <a:r>
               <a:rPr lang="nl-NL" dirty="0"/>
               <a:t>	</a:t>
             </a:r>
-            <a:r>
-              <a:rPr lang="nl-NL" dirty="0" smtClean="0"/>
-              <a:t>		+ 20 * 29 ( alle vakken die optimaal zijn verdeeld)</a:t>
-            </a:r>
           </a:p>
           <a:p>
             <a:pPr marL="0" indent="0">
               <a:buNone/>
             </a:pPr>
-            <a:endParaRPr lang="nl-NL" dirty="0" smtClean="0"/>
+            <a:r>
+              <a:rPr lang="nl-NL" dirty="0"/>
+              <a:t>		</a:t>
+            </a:r>
+            <a:r>
+              <a:rPr lang="nl-NL" b="1" dirty="0"/>
+              <a:t>1400</a:t>
+            </a:r>
+            <a:r>
+              <a:rPr lang="nl-NL" dirty="0"/>
+              <a:t> = 1000 (geldig rooster)</a:t>
+            </a:r>
           </a:p>
           <a:p>
             <a:pPr marL="0" indent="0">
               <a:buNone/>
             </a:pPr>
             <a:r>
-              <a:rPr lang="nl-NL" dirty="0" smtClean="0"/>
-              <a:t>	</a:t>
-            </a:r>
-            <a:r>
-              <a:rPr lang="nl-NL" u="sng" dirty="0" smtClean="0"/>
-              <a:t>aangepaste ondergrens</a:t>
-            </a:r>
-            <a:r>
-              <a:rPr lang="nl-NL" dirty="0" smtClean="0"/>
-              <a:t>	</a:t>
-            </a:r>
-          </a:p>
-          <a:p>
-            <a:pPr marL="0" indent="0">
-              <a:buNone/>
-            </a:pPr>
-            <a:r>
-              <a:rPr lang="nl-NL" dirty="0" smtClean="0"/>
-              <a:t>		</a:t>
-            </a:r>
-            <a:r>
-              <a:rPr lang="nl-NL" b="1" dirty="0" smtClean="0"/>
-              <a:t>1400</a:t>
-            </a:r>
-            <a:r>
-              <a:rPr lang="nl-NL" dirty="0" smtClean="0"/>
-              <a:t> = 1000 (geldig rooster)</a:t>
-            </a:r>
-          </a:p>
-          <a:p>
-            <a:pPr marL="0" indent="0">
-              <a:buNone/>
-            </a:pPr>
-            <a:r>
               <a:rPr lang="nl-NL" dirty="0"/>
-              <a:t>	</a:t>
-            </a:r>
-            <a:r>
-              <a:rPr lang="nl-NL" dirty="0" smtClean="0"/>
-              <a:t>		+ 20 * 20 (optimale verdeling van vakken met 2, 3 of 4 					     activiteiten)</a:t>
+              <a:t>			+ 20 * 20 (optimale verdeling van vakken met 2, 3 of 4 					     activiteiten)</a:t>
             </a:r>
           </a:p>
           <a:p>
@@ -3963,10 +3935,9 @@
           <a:lstStyle/>
           <a:p>
             <a:r>
-              <a:rPr lang="nl-NL" dirty="0" smtClean="0"/>
+              <a:rPr lang="nl-NL" dirty="0"/>
               <a:t>Grenzen</a:t>
             </a:r>
-            <a:endParaRPr lang="nl-NL" dirty="0"/>
           </a:p>
         </p:txBody>
       </p:sp>
@@ -4022,11 +3993,7 @@
             </a:r>
             <a:r>
               <a:rPr lang="nl-NL" dirty="0"/>
-              <a:t>= 1000 </a:t>
-            </a:r>
-            <a:r>
-              <a:rPr lang="nl-NL" dirty="0" smtClean="0"/>
-              <a:t>(geldig rooster)</a:t>
+              <a:t>= 1000 (geldig rooster)</a:t>
             </a:r>
           </a:p>
           <a:p>
@@ -4035,22 +4002,14 @@
             </a:pPr>
             <a:r>
               <a:rPr lang="nl-NL" dirty="0"/>
-              <a:t>	</a:t>
-            </a:r>
-            <a:r>
-              <a:rPr lang="nl-NL" dirty="0" smtClean="0"/>
-              <a:t>		– </a:t>
+              <a:t>			– 1000 (</a:t>
+            </a:r>
+            <a:r>
+              <a:rPr lang="nl-NL" dirty="0" err="1"/>
+              <a:t>vakspreiding</a:t>
             </a:r>
             <a:r>
               <a:rPr lang="nl-NL" dirty="0"/>
-              <a:t>1000 (</a:t>
-            </a:r>
-            <a:r>
-              <a:rPr lang="nl-NL" dirty="0" err="1" smtClean="0"/>
-              <a:t>vakspreiding</a:t>
-            </a:r>
-            <a:r>
-              <a:rPr lang="nl-NL" dirty="0" smtClean="0"/>
               <a:t>; alle activiteiten tijdens 1 tijdslot) </a:t>
             </a:r>
           </a:p>
@@ -4060,42 +4019,17 @@
             </a:pPr>
             <a:r>
               <a:rPr lang="nl-NL" dirty="0"/>
-              <a:t>	</a:t>
-            </a:r>
-            <a:r>
-              <a:rPr lang="nl-NL" dirty="0" smtClean="0"/>
-              <a:t>		– </a:t>
-            </a:r>
+              <a:t>			– (6 – 1) * 609 (roosterconflicten; alle activiteiten tijden 1 						tijdslot)</a:t>
+            </a:r>
+          </a:p>
+          <a:p>
+            <a:pPr marL="0" indent="0">
+              <a:buNone/>
+            </a:pPr>
             <a:r>
               <a:rPr lang="nl-NL" dirty="0"/>
-              <a:t>(6 – 1) * 609 (</a:t>
-            </a:r>
-            <a:r>
-              <a:rPr lang="nl-NL" dirty="0" smtClean="0"/>
-              <a:t>roosterconflicten; alle activiteiten tijden 1 						tijdslot)</a:t>
-            </a:r>
-          </a:p>
-          <a:p>
-            <a:pPr marL="0" indent="0">
-              <a:buNone/>
-            </a:pPr>
-            <a:r>
-              <a:rPr lang="nl-NL" dirty="0"/>
-              <a:t>	</a:t>
-            </a:r>
-            <a:r>
-              <a:rPr lang="nl-NL" dirty="0" smtClean="0"/>
-              <a:t>		– 1901 </a:t>
-            </a:r>
-            <a:r>
-              <a:rPr lang="nl-NL" dirty="0"/>
-              <a:t>(</a:t>
-            </a:r>
-            <a:r>
-              <a:rPr lang="nl-NL" dirty="0" smtClean="0"/>
-              <a:t>zaalconflict; alle activiteiten in kleinste zaal)</a:t>
-            </a:r>
-            <a:endParaRPr lang="nl-NL" dirty="0"/>
+              <a:t>			– 1901 (zaalconflict; alle activiteiten in kleinste zaal)</a:t>
+            </a:r>
           </a:p>
         </p:txBody>
       </p:sp>
@@ -4103,6 +4037,192 @@
     <p:extLst>
       <p:ext uri="{BB962C8B-B14F-4D97-AF65-F5344CB8AC3E}">
         <p14:creationId xmlns:p14="http://schemas.microsoft.com/office/powerpoint/2010/main" val="2900776467"/>
+      </p:ext>
+    </p:extLst>
+  </p:cSld>
+  <p:clrMapOvr>
+    <a:masterClrMapping/>
+  </p:clrMapOvr>
+</p:sld>
+</file>
+
+<file path=ppt/slides/slide5.xml><?xml version="1.0" encoding="utf-8"?>
+<p:sld xmlns:a="http://schemas.openxmlformats.org/drawingml/2006/main" xmlns:r="http://schemas.openxmlformats.org/officeDocument/2006/relationships" xmlns:p="http://schemas.openxmlformats.org/presentationml/2006/main">
+  <p:cSld>
+    <p:spTree>
+      <p:nvGrpSpPr>
+        <p:cNvPr id="1" name=""/>
+        <p:cNvGrpSpPr/>
+        <p:nvPr/>
+      </p:nvGrpSpPr>
+      <p:grpSpPr>
+        <a:xfrm>
+          <a:off x="0" y="0"/>
+          <a:ext cx="0" cy="0"/>
+          <a:chOff x="0" y="0"/>
+          <a:chExt cx="0" cy="0"/>
+        </a:xfrm>
+      </p:grpSpPr>
+      <p:sp>
+        <p:nvSpPr>
+          <p:cNvPr id="2" name="Title 1">
+            <a:extLst>
+              <a:ext uri="{FF2B5EF4-FFF2-40B4-BE49-F238E27FC236}">
+                <a16:creationId xmlns:a16="http://schemas.microsoft.com/office/drawing/2014/main" id="{0BF62A4E-B23F-4F14-A7B1-9B6EA711C2D0}"/>
+              </a:ext>
+            </a:extLst>
+          </p:cNvPr>
+          <p:cNvSpPr>
+            <a:spLocks noGrp="1"/>
+          </p:cNvSpPr>
+          <p:nvPr>
+            <p:ph type="title"/>
+          </p:nvPr>
+        </p:nvSpPr>
+        <p:spPr>
+          <a:xfrm>
+            <a:off x="1371600" y="685800"/>
+            <a:ext cx="3286897" cy="1014214"/>
+          </a:xfrm>
+        </p:spPr>
+        <p:txBody>
+          <a:bodyPr>
+            <a:normAutofit fontScale="90000"/>
+          </a:bodyPr>
+          <a:lstStyle/>
+          <a:p>
+            <a:r>
+              <a:rPr lang="nl-NL" dirty="0">
+                <a:solidFill>
+                  <a:srgbClr val="335B74"/>
+                </a:solidFill>
+              </a:rPr>
+              <a:t>Random</a:t>
+            </a:r>
+            <a:r>
+              <a:rPr lang="nl-NL" dirty="0"/>
+              <a:t> sampling</a:t>
+            </a:r>
+          </a:p>
+        </p:txBody>
+      </p:sp>
+      <p:sp>
+        <p:nvSpPr>
+          <p:cNvPr id="3" name="Content Placeholder 2">
+            <a:extLst>
+              <a:ext uri="{FF2B5EF4-FFF2-40B4-BE49-F238E27FC236}">
+                <a16:creationId xmlns:a16="http://schemas.microsoft.com/office/drawing/2014/main" id="{7B5F9899-C6DF-4605-B633-8CA4A52D1988}"/>
+              </a:ext>
+            </a:extLst>
+          </p:cNvPr>
+          <p:cNvSpPr>
+            <a:spLocks noGrp="1"/>
+          </p:cNvSpPr>
+          <p:nvPr>
+            <p:ph idx="1"/>
+          </p:nvPr>
+        </p:nvSpPr>
+        <p:spPr>
+          <a:xfrm>
+            <a:off x="1371600" y="1897039"/>
+            <a:ext cx="3286897" cy="3970361"/>
+          </a:xfrm>
+        </p:spPr>
+        <p:txBody>
+          <a:bodyPr>
+            <a:normAutofit fontScale="92500" lnSpcReduction="20000"/>
+          </a:bodyPr>
+          <a:lstStyle/>
+          <a:p>
+            <a:r>
+              <a:rPr lang="nl-NL" dirty="0"/>
+              <a:t>Geen bonuspunten</a:t>
+            </a:r>
+          </a:p>
+          <a:p>
+            <a:r>
+              <a:rPr lang="nl-NL" dirty="0"/>
+              <a:t>10.000 iteraties</a:t>
+            </a:r>
+          </a:p>
+          <a:p>
+            <a:r>
+              <a:rPr lang="nl-NL" dirty="0"/>
+              <a:t>Bins met breedte van 10</a:t>
+            </a:r>
+          </a:p>
+          <a:p>
+            <a:r>
+              <a:rPr lang="nl-NL" dirty="0"/>
+              <a:t>Gemiddelde: -388.62</a:t>
+            </a:r>
+          </a:p>
+          <a:p>
+            <a:r>
+              <a:rPr lang="nl-NL" dirty="0"/>
+              <a:t>Standaardafwijking: 94.66</a:t>
+            </a:r>
+          </a:p>
+          <a:p>
+            <a:r>
+              <a:rPr lang="nl-NL" dirty="0"/>
+              <a:t>Mediaan: -388</a:t>
+            </a:r>
+          </a:p>
+          <a:p>
+            <a:r>
+              <a:rPr lang="nl-NL" dirty="0"/>
+              <a:t>Maximum: -51</a:t>
+            </a:r>
+          </a:p>
+          <a:p>
+            <a:r>
+              <a:rPr lang="nl-NL" dirty="0"/>
+              <a:t>Minimum: -764</a:t>
+            </a:r>
+          </a:p>
+        </p:txBody>
+      </p:sp>
+      <p:pic>
+        <p:nvPicPr>
+          <p:cNvPr id="6" name="Picture 5">
+            <a:extLst>
+              <a:ext uri="{FF2B5EF4-FFF2-40B4-BE49-F238E27FC236}">
+                <a16:creationId xmlns:a16="http://schemas.microsoft.com/office/drawing/2014/main" id="{9A9C98F5-A81B-4CA9-92E7-3FCED1BDAD6B}"/>
+              </a:ext>
+            </a:extLst>
+          </p:cNvPr>
+          <p:cNvPicPr>
+            <a:picLocks noChangeAspect="1"/>
+          </p:cNvPicPr>
+          <p:nvPr/>
+        </p:nvPicPr>
+        <p:blipFill>
+          <a:blip r:embed="rId2">
+            <a:extLst>
+              <a:ext uri="{28A0092B-C50C-407E-A947-70E740481C1C}">
+                <a14:useLocalDpi xmlns:a14="http://schemas.microsoft.com/office/drawing/2010/main" val="0"/>
+              </a:ext>
+            </a:extLst>
+          </a:blip>
+          <a:stretch>
+            <a:fillRect/>
+          </a:stretch>
+        </p:blipFill>
+        <p:spPr>
+          <a:xfrm>
+            <a:off x="4760097" y="826615"/>
+            <a:ext cx="7286677" cy="5204769"/>
+          </a:xfrm>
+          <a:prstGeom prst="rect">
+            <a:avLst/>
+          </a:prstGeom>
+        </p:spPr>
+      </p:pic>
+    </p:spTree>
+    <p:extLst>
+      <p:ext uri="{BB962C8B-B14F-4D97-AF65-F5344CB8AC3E}">
+        <p14:creationId xmlns:p14="http://schemas.microsoft.com/office/powerpoint/2010/main" val="814962819"/>
       </p:ext>
     </p:extLst>
   </p:cSld>

--- a/Presentaties/Week4/Lectures & Lesroosters toestandsruimte en grenzen.pptx
+++ b/Presentaties/Week4/Lectures & Lesroosters toestandsruimte en grenzen.pptx
@@ -10,6 +10,10 @@
     <p:sldId id="260" r:id="rId4"/>
     <p:sldId id="261" r:id="rId5"/>
     <p:sldId id="264" r:id="rId6"/>
+    <p:sldId id="265" r:id="rId7"/>
+    <p:sldId id="266" r:id="rId8"/>
+    <p:sldId id="267" r:id="rId9"/>
+    <p:sldId id="268" r:id="rId10"/>
   </p:sldIdLst>
   <p:sldSz cx="12192000" cy="6858000"/>
   <p:notesSz cx="6858000" cy="9144000"/>
@@ -110,7 +114,7 @@
   </p:defaultTextStyle>
   <p:extLst>
     <p:ext uri="{EFAFB233-063F-42B5-8137-9DF3F51BA10A}">
-      <p15:sldGuideLst xmlns:p15="http://schemas.microsoft.com/office/powerpoint/2012/main">
+      <p15:sldGuideLst xmlns:p15="http://schemas.microsoft.com/office/powerpoint/2012/main" xmlns="">
         <p15:guide id="1" orient="horz" pos="2160">
           <p15:clr>
             <a:srgbClr val="A4A3A4"/>
@@ -287,7 +291,7 @@
           <a:p>
             <a:fld id="{B2E4F3CE-5921-4ADD-9964-2DE7A47474AF}" type="datetimeFigureOut">
               <a:rPr lang="nl-NL" smtClean="0"/>
-              <a:t>3-5-2018</a:t>
+              <a:t>03/05/18</a:t>
             </a:fld>
             <a:endParaRPr lang="nl-NL"/>
           </a:p>
@@ -495,7 +499,7 @@
           <p:cNvPr id="10" name="Picture 9" descr="A group of people in a room&#10;&#10;Description generated with very high confidence">
             <a:extLst>
               <a:ext uri="{FF2B5EF4-FFF2-40B4-BE49-F238E27FC236}">
-                <a16:creationId xmlns:a16="http://schemas.microsoft.com/office/drawing/2014/main" id="{8A636BD5-65AA-4211-BE9A-C3728CA22021}"/>
+                <a16:creationId xmlns:a16="http://schemas.microsoft.com/office/drawing/2014/main" xmlns="" id="{8A636BD5-65AA-4211-BE9A-C3728CA22021}"/>
               </a:ext>
             </a:extLst>
           </p:cNvPr>
@@ -536,7 +540,7 @@
           <p:cNvPr id="12" name="Picture 11" descr="A group of people in a room&#10;&#10;Description generated with very high confidence">
             <a:extLst>
               <a:ext uri="{FF2B5EF4-FFF2-40B4-BE49-F238E27FC236}">
-                <a16:creationId xmlns:a16="http://schemas.microsoft.com/office/drawing/2014/main" id="{FCCAA0F4-9C7B-4984-8F70-FA270D007429}"/>
+                <a16:creationId xmlns:a16="http://schemas.microsoft.com/office/drawing/2014/main" xmlns="" id="{FCCAA0F4-9C7B-4984-8F70-FA270D007429}"/>
               </a:ext>
             </a:extLst>
           </p:cNvPr>
@@ -607,7 +611,7 @@
           <p:cNvPr id="2" name="Title 1">
             <a:extLst>
               <a:ext uri="{FF2B5EF4-FFF2-40B4-BE49-F238E27FC236}">
-                <a16:creationId xmlns:a16="http://schemas.microsoft.com/office/drawing/2014/main" id="{6FC13C6F-2E16-4E4C-84CC-D4DAFCB2700D}"/>
+                <a16:creationId xmlns:a16="http://schemas.microsoft.com/office/drawing/2014/main" xmlns="" id="{6FC13C6F-2E16-4E4C-84CC-D4DAFCB2700D}"/>
               </a:ext>
             </a:extLst>
           </p:cNvPr>
@@ -645,7 +649,7 @@
           <p:cNvPr id="3" name="Subtitle 2">
             <a:extLst>
               <a:ext uri="{FF2B5EF4-FFF2-40B4-BE49-F238E27FC236}">
-                <a16:creationId xmlns:a16="http://schemas.microsoft.com/office/drawing/2014/main" id="{453CFFDF-F98C-4C73-86C1-B63C7BFD4C39}"/>
+                <a16:creationId xmlns:a16="http://schemas.microsoft.com/office/drawing/2014/main" xmlns="" id="{453CFFDF-F98C-4C73-86C1-B63C7BFD4C39}"/>
               </a:ext>
             </a:extLst>
           </p:cNvPr>
@@ -716,7 +720,7 @@
           <p:cNvPr id="4" name="Date Placeholder 3">
             <a:extLst>
               <a:ext uri="{FF2B5EF4-FFF2-40B4-BE49-F238E27FC236}">
-                <a16:creationId xmlns:a16="http://schemas.microsoft.com/office/drawing/2014/main" id="{CFA081B8-BD76-443C-93F5-08182166D8D0}"/>
+                <a16:creationId xmlns:a16="http://schemas.microsoft.com/office/drawing/2014/main" xmlns="" id="{CFA081B8-BD76-443C-93F5-08182166D8D0}"/>
               </a:ext>
             </a:extLst>
           </p:cNvPr>
@@ -734,7 +738,7 @@
           <a:p>
             <a:fld id="{B2E4F3CE-5921-4ADD-9964-2DE7A47474AF}" type="datetimeFigureOut">
               <a:rPr lang="nl-NL" smtClean="0"/>
-              <a:t>3-5-2018</a:t>
+              <a:t>03/05/18</a:t>
             </a:fld>
             <a:endParaRPr lang="nl-NL"/>
           </a:p>
@@ -745,7 +749,7 @@
           <p:cNvPr id="5" name="Footer Placeholder 4">
             <a:extLst>
               <a:ext uri="{FF2B5EF4-FFF2-40B4-BE49-F238E27FC236}">
-                <a16:creationId xmlns:a16="http://schemas.microsoft.com/office/drawing/2014/main" id="{B372371A-431A-4C4A-B2D5-5DB4CE736915}"/>
+                <a16:creationId xmlns:a16="http://schemas.microsoft.com/office/drawing/2014/main" xmlns="" id="{B372371A-431A-4C4A-B2D5-5DB4CE736915}"/>
               </a:ext>
             </a:extLst>
           </p:cNvPr>
@@ -770,7 +774,7 @@
           <p:cNvPr id="6" name="Slide Number Placeholder 5">
             <a:extLst>
               <a:ext uri="{FF2B5EF4-FFF2-40B4-BE49-F238E27FC236}">
-                <a16:creationId xmlns:a16="http://schemas.microsoft.com/office/drawing/2014/main" id="{4440A448-9C23-42D3-B380-8BFAE71DF757}"/>
+                <a16:creationId xmlns:a16="http://schemas.microsoft.com/office/drawing/2014/main" xmlns="" id="{4440A448-9C23-42D3-B380-8BFAE71DF757}"/>
               </a:ext>
             </a:extLst>
           </p:cNvPr>
@@ -933,7 +937,7 @@
           <a:p>
             <a:fld id="{B2E4F3CE-5921-4ADD-9964-2DE7A47474AF}" type="datetimeFigureOut">
               <a:rPr lang="nl-NL" smtClean="0"/>
-              <a:t>3-5-2018</a:t>
+              <a:t>03/05/18</a:t>
             </a:fld>
             <a:endParaRPr lang="nl-NL"/>
           </a:p>
@@ -1204,7 +1208,7 @@
           <a:p>
             <a:fld id="{B2E4F3CE-5921-4ADD-9964-2DE7A47474AF}" type="datetimeFigureOut">
               <a:rPr lang="nl-NL" smtClean="0"/>
-              <a:t>3-5-2018</a:t>
+              <a:t>03/05/18</a:t>
             </a:fld>
             <a:endParaRPr lang="nl-NL"/>
           </a:p>
@@ -1339,7 +1343,7 @@
           <p:cNvPr id="9" name="Picture 8" descr="A group of people in a room&#10;&#10;Description generated with very high confidence">
             <a:extLst>
               <a:ext uri="{FF2B5EF4-FFF2-40B4-BE49-F238E27FC236}">
-                <a16:creationId xmlns:a16="http://schemas.microsoft.com/office/drawing/2014/main" id="{1100C0BB-10D3-488D-AF46-8E80E778FCC2}"/>
+                <a16:creationId xmlns:a16="http://schemas.microsoft.com/office/drawing/2014/main" xmlns="" id="{1100C0BB-10D3-488D-AF46-8E80E778FCC2}"/>
               </a:ext>
             </a:extLst>
           </p:cNvPr>
@@ -1639,7 +1643,7 @@
           <a:p>
             <a:fld id="{B2E4F3CE-5921-4ADD-9964-2DE7A47474AF}" type="datetimeFigureOut">
               <a:rPr lang="nl-NL" smtClean="0"/>
-              <a:t>3-5-2018</a:t>
+              <a:t>03/05/18</a:t>
             </a:fld>
             <a:endParaRPr lang="nl-NL"/>
           </a:p>
@@ -2116,7 +2120,7 @@
           <a:p>
             <a:fld id="{B2E4F3CE-5921-4ADD-9964-2DE7A47474AF}" type="datetimeFigureOut">
               <a:rPr lang="nl-NL" smtClean="0"/>
-              <a:t>3-5-2018</a:t>
+              <a:t>03/05/18</a:t>
             </a:fld>
             <a:endParaRPr lang="nl-NL"/>
           </a:p>
@@ -2234,7 +2238,7 @@
           <a:p>
             <a:fld id="{B2E4F3CE-5921-4ADD-9964-2DE7A47474AF}" type="datetimeFigureOut">
               <a:rPr lang="nl-NL" smtClean="0"/>
-              <a:t>3-5-2018</a:t>
+              <a:t>03/05/18</a:t>
             </a:fld>
             <a:endParaRPr lang="nl-NL"/>
           </a:p>
@@ -2329,7 +2333,7 @@
           <a:p>
             <a:fld id="{B2E4F3CE-5921-4ADD-9964-2DE7A47474AF}" type="datetimeFigureOut">
               <a:rPr lang="nl-NL" smtClean="0"/>
-              <a:t>3-5-2018</a:t>
+              <a:t>03/05/18</a:t>
             </a:fld>
             <a:endParaRPr lang="nl-NL"/>
           </a:p>
@@ -2504,7 +2508,7 @@
           <a:p>
             <a:fld id="{B2E4F3CE-5921-4ADD-9964-2DE7A47474AF}" type="datetimeFigureOut">
               <a:rPr lang="nl-NL" smtClean="0"/>
-              <a:t>3-5-2018</a:t>
+              <a:t>03/05/18</a:t>
             </a:fld>
             <a:endParaRPr lang="nl-NL"/>
           </a:p>
@@ -2684,7 +2688,7 @@
           <a:p>
             <a:fld id="{B2E4F3CE-5921-4ADD-9964-2DE7A47474AF}" type="datetimeFigureOut">
               <a:rPr lang="nl-NL" smtClean="0"/>
-              <a:t>3-5-2018</a:t>
+              <a:t>03/05/18</a:t>
             </a:fld>
             <a:endParaRPr lang="nl-NL"/>
           </a:p>
@@ -2894,7 +2898,7 @@
           <a:p>
             <a:fld id="{B2E4F3CE-5921-4ADD-9964-2DE7A47474AF}" type="datetimeFigureOut">
               <a:rPr lang="nl-NL" smtClean="0"/>
-              <a:t>3-5-2018</a:t>
+              <a:t>03/05/18</a:t>
             </a:fld>
             <a:endParaRPr lang="nl-NL"/>
           </a:p>
@@ -3017,7 +3021,7 @@
           <p:cNvPr id="8" name="Picture 7" descr="A group of people in a room&#10;&#10;Description generated with very high confidence">
             <a:extLst>
               <a:ext uri="{FF2B5EF4-FFF2-40B4-BE49-F238E27FC236}">
-                <a16:creationId xmlns:a16="http://schemas.microsoft.com/office/drawing/2014/main" id="{E8DF0BB6-DCAB-4E9C-8305-3C25099E8419}"/>
+                <a16:creationId xmlns:a16="http://schemas.microsoft.com/office/drawing/2014/main" xmlns="" id="{E8DF0BB6-DCAB-4E9C-8305-3C25099E8419}"/>
               </a:ext>
             </a:extLst>
           </p:cNvPr>
@@ -3382,7 +3386,7 @@
   </p:txStyles>
   <p:extLst mod="1">
     <p:ext uri="{27BBF7A9-308A-43DC-89C8-2F10F3537804}">
-      <p15:sldGuideLst xmlns:p15="http://schemas.microsoft.com/office/powerpoint/2012/main">
+      <p15:sldGuideLst xmlns:p15="http://schemas.microsoft.com/office/powerpoint/2012/main" xmlns="">
         <p15:guide id="3" orient="horz" pos="1368">
           <p15:clr>
             <a:srgbClr val="F26B43"/>
@@ -3451,7 +3455,7 @@
           <p:cNvPr id="2" name="Title 1">
             <a:extLst>
               <a:ext uri="{FF2B5EF4-FFF2-40B4-BE49-F238E27FC236}">
-                <a16:creationId xmlns:a16="http://schemas.microsoft.com/office/drawing/2014/main" id="{DFB35624-C45A-4417-8484-F487F43C3428}"/>
+                <a16:creationId xmlns:a16="http://schemas.microsoft.com/office/drawing/2014/main" xmlns="" id="{DFB35624-C45A-4417-8484-F487F43C3428}"/>
               </a:ext>
             </a:extLst>
           </p:cNvPr>
@@ -3479,7 +3483,7 @@
           <p:cNvPr id="3" name="Text Placeholder 2">
             <a:extLst>
               <a:ext uri="{FF2B5EF4-FFF2-40B4-BE49-F238E27FC236}">
-                <a16:creationId xmlns:a16="http://schemas.microsoft.com/office/drawing/2014/main" id="{F477C6E4-8C06-4C8A-8A0C-C1EDED58155D}"/>
+                <a16:creationId xmlns:a16="http://schemas.microsoft.com/office/drawing/2014/main" xmlns="" id="{F477C6E4-8C06-4C8A-8A0C-C1EDED58155D}"/>
               </a:ext>
             </a:extLst>
           </p:cNvPr>
@@ -3554,8 +3558,8 @@
           </a:p>
         </p:txBody>
       </p:sp>
-      <mc:AlternateContent xmlns:mc="http://schemas.openxmlformats.org/markup-compatibility/2006">
-        <mc:Choice xmlns:a14="http://schemas.microsoft.com/office/drawing/2010/main" Requires="a14">
+      <mc:AlternateContent xmlns:mc="http://schemas.openxmlformats.org/markup-compatibility/2006" xmlns:a14="http://schemas.microsoft.com/office/drawing/2010/main">
+        <mc:Choice Requires="a14">
           <p:sp>
             <p:nvSpPr>
               <p:cNvPr id="3" name="Tijdelijke aanduiding voor inhoud 2"/>
@@ -3587,7 +3591,7 @@
               </a:p>
               <a:p>
                 <a14:m>
-                  <m:oMath xmlns:m="http://schemas.openxmlformats.org/officeDocument/2006/math">
+                  <m:oMath xmlns:m="http://schemas.openxmlformats.org/officeDocument/2006/math" xmlns="">
                     <m:f>
                       <m:fPr>
                         <m:ctrlPr>
@@ -3626,7 +3630,7 @@
                   <a:t> = </a:t>
                 </a:r>
                 <a14:m>
-                  <m:oMath xmlns:m="http://schemas.openxmlformats.org/officeDocument/2006/math">
+                  <m:oMath xmlns:m="http://schemas.openxmlformats.org/officeDocument/2006/math" xmlns="">
                     <m:d>
                       <m:dPr>
                         <m:ctrlPr>
@@ -3682,7 +3686,7 @@
             </p:txBody>
           </p:sp>
         </mc:Choice>
-        <mc:Fallback>
+        <mc:Fallback xmlns="">
           <p:sp>
             <p:nvSpPr>
               <p:cNvPr id="3" name="Tijdelijke aanduiding voor inhoud 2"/>
@@ -4068,7 +4072,7 @@
           <p:cNvPr id="2" name="Title 1">
             <a:extLst>
               <a:ext uri="{FF2B5EF4-FFF2-40B4-BE49-F238E27FC236}">
-                <a16:creationId xmlns:a16="http://schemas.microsoft.com/office/drawing/2014/main" id="{0BF62A4E-B23F-4F14-A7B1-9B6EA711C2D0}"/>
+                <a16:creationId xmlns:a16="http://schemas.microsoft.com/office/drawing/2014/main" xmlns="" id="{0BF62A4E-B23F-4F14-A7B1-9B6EA711C2D0}"/>
               </a:ext>
             </a:extLst>
           </p:cNvPr>
@@ -4111,7 +4115,7 @@
           <p:cNvPr id="3" name="Content Placeholder 2">
             <a:extLst>
               <a:ext uri="{FF2B5EF4-FFF2-40B4-BE49-F238E27FC236}">
-                <a16:creationId xmlns:a16="http://schemas.microsoft.com/office/drawing/2014/main" id="{7B5F9899-C6DF-4605-B633-8CA4A52D1988}"/>
+                <a16:creationId xmlns:a16="http://schemas.microsoft.com/office/drawing/2014/main" xmlns="" id="{7B5F9899-C6DF-4605-B633-8CA4A52D1988}"/>
               </a:ext>
             </a:extLst>
           </p:cNvPr>
@@ -4188,7 +4192,7 @@
           <p:cNvPr id="6" name="Picture 5">
             <a:extLst>
               <a:ext uri="{FF2B5EF4-FFF2-40B4-BE49-F238E27FC236}">
-                <a16:creationId xmlns:a16="http://schemas.microsoft.com/office/drawing/2014/main" id="{9A9C98F5-A81B-4CA9-92E7-3FCED1BDAD6B}"/>
+                <a16:creationId xmlns:a16="http://schemas.microsoft.com/office/drawing/2014/main" xmlns="" id="{9A9C98F5-A81B-4CA9-92E7-3FCED1BDAD6B}"/>
               </a:ext>
             </a:extLst>
           </p:cNvPr>
@@ -4223,6 +4227,943 @@
     <p:extLst>
       <p:ext uri="{BB962C8B-B14F-4D97-AF65-F5344CB8AC3E}">
         <p14:creationId xmlns:p14="http://schemas.microsoft.com/office/powerpoint/2010/main" val="814962819"/>
+      </p:ext>
+    </p:extLst>
+  </p:cSld>
+  <p:clrMapOvr>
+    <a:masterClrMapping/>
+  </p:clrMapOvr>
+</p:sld>
+</file>
+
+<file path=ppt/slides/slide6.xml><?xml version="1.0" encoding="utf-8"?>
+<p:sld xmlns:a="http://schemas.openxmlformats.org/drawingml/2006/main" xmlns:r="http://schemas.openxmlformats.org/officeDocument/2006/relationships" xmlns:p="http://schemas.openxmlformats.org/presentationml/2006/main">
+  <p:cSld>
+    <p:spTree>
+      <p:nvGrpSpPr>
+        <p:cNvPr id="1" name=""/>
+        <p:cNvGrpSpPr/>
+        <p:nvPr/>
+      </p:nvGrpSpPr>
+      <p:grpSpPr>
+        <a:xfrm>
+          <a:off x="0" y="0"/>
+          <a:ext cx="0" cy="0"/>
+          <a:chOff x="0" y="0"/>
+          <a:chExt cx="0" cy="0"/>
+        </a:xfrm>
+      </p:grpSpPr>
+      <p:sp>
+        <p:nvSpPr>
+          <p:cNvPr id="2" name="Title 1"/>
+          <p:cNvSpPr>
+            <a:spLocks noGrp="1"/>
+          </p:cNvSpPr>
+          <p:nvPr>
+            <p:ph type="title"/>
+          </p:nvPr>
+        </p:nvSpPr>
+        <p:spPr/>
+        <p:txBody>
+          <a:bodyPr>
+            <a:normAutofit fontScale="90000"/>
+          </a:bodyPr>
+          <a:lstStyle/>
+          <a:p>
+            <a:r>
+              <a:rPr lang="en-US" dirty="0" smtClean="0"/>
+              <a:t>Genetic algorithm - </a:t>
+            </a:r>
+            <a:r>
+              <a:rPr lang="en-US" dirty="0"/>
+              <a:t>Principe</a:t>
+            </a:r>
+            <a:br>
+              <a:rPr lang="en-US" dirty="0"/>
+            </a:br>
+            <a:endParaRPr lang="en-US" dirty="0"/>
+          </a:p>
+        </p:txBody>
+      </p:sp>
+      <p:sp>
+        <p:nvSpPr>
+          <p:cNvPr id="3" name="Content Placeholder 2"/>
+          <p:cNvSpPr>
+            <a:spLocks noGrp="1"/>
+          </p:cNvSpPr>
+          <p:nvPr>
+            <p:ph idx="1"/>
+          </p:nvPr>
+        </p:nvSpPr>
+        <p:spPr/>
+        <p:txBody>
+          <a:bodyPr/>
+          <a:lstStyle/>
+          <a:p>
+            <a:r>
+              <a:rPr lang="en-US" dirty="0" err="1" smtClean="0"/>
+              <a:t>Neem</a:t>
+            </a:r>
+            <a:r>
+              <a:rPr lang="en-US" dirty="0" smtClean="0"/>
+              <a:t> 2 </a:t>
+            </a:r>
+            <a:r>
+              <a:rPr lang="en-US" dirty="0" err="1" smtClean="0"/>
+              <a:t>ouders</a:t>
+            </a:r>
+            <a:endParaRPr lang="en-US" dirty="0" smtClean="0"/>
+          </a:p>
+          <a:p>
+            <a:r>
+              <a:rPr lang="en-US" dirty="0" smtClean="0"/>
+              <a:t>Random </a:t>
+            </a:r>
+            <a:r>
+              <a:rPr lang="en-US" dirty="0" err="1" smtClean="0"/>
+              <a:t>keuze</a:t>
+            </a:r>
+            <a:r>
+              <a:rPr lang="en-US" dirty="0" smtClean="0"/>
+              <a:t> </a:t>
+            </a:r>
+            <a:r>
+              <a:rPr lang="en-US" dirty="0" err="1" smtClean="0"/>
+              <a:t>tussen</a:t>
+            </a:r>
+            <a:r>
+              <a:rPr lang="en-US" dirty="0" smtClean="0"/>
+              <a:t> </a:t>
+            </a:r>
+            <a:r>
+              <a:rPr lang="en-US" dirty="0" err="1" smtClean="0"/>
+              <a:t>recombinatie</a:t>
+            </a:r>
+            <a:r>
+              <a:rPr lang="en-US" dirty="0" smtClean="0"/>
+              <a:t> of </a:t>
+            </a:r>
+            <a:r>
+              <a:rPr lang="en-US" dirty="0" err="1" smtClean="0"/>
+              <a:t>mutatie</a:t>
+            </a:r>
+            <a:endParaRPr lang="en-US" dirty="0" smtClean="0"/>
+          </a:p>
+          <a:p>
+            <a:r>
+              <a:rPr lang="en-US" dirty="0" err="1" smtClean="0"/>
+              <a:t>Oudesr</a:t>
+            </a:r>
+            <a:r>
+              <a:rPr lang="en-US" dirty="0" smtClean="0"/>
+              <a:t> </a:t>
+            </a:r>
+            <a:r>
+              <a:rPr lang="en-US" dirty="0" err="1" smtClean="0"/>
+              <a:t>krijgen</a:t>
+            </a:r>
+            <a:r>
+              <a:rPr lang="en-US" dirty="0" smtClean="0"/>
+              <a:t> </a:t>
+            </a:r>
+            <a:r>
+              <a:rPr lang="en-US" dirty="0" err="1" smtClean="0"/>
+              <a:t>zo</a:t>
+            </a:r>
+            <a:r>
+              <a:rPr lang="en-US" dirty="0" smtClean="0"/>
+              <a:t> twee </a:t>
+            </a:r>
+            <a:r>
+              <a:rPr lang="en-US" dirty="0" err="1" smtClean="0"/>
+              <a:t>kinderen</a:t>
+            </a:r>
+            <a:endParaRPr lang="en-US" dirty="0" smtClean="0"/>
+          </a:p>
+          <a:p>
+            <a:r>
+              <a:rPr lang="en-US" dirty="0" smtClean="0"/>
+              <a:t>2 </a:t>
+            </a:r>
+            <a:r>
+              <a:rPr lang="en-US" dirty="0" err="1" smtClean="0"/>
+              <a:t>kinderen</a:t>
+            </a:r>
+            <a:r>
+              <a:rPr lang="en-US" dirty="0" smtClean="0"/>
+              <a:t> en 2 </a:t>
+            </a:r>
+            <a:r>
+              <a:rPr lang="en-US" dirty="0" err="1" smtClean="0"/>
+              <a:t>ouders</a:t>
+            </a:r>
+            <a:endParaRPr lang="en-US" dirty="0" smtClean="0"/>
+          </a:p>
+          <a:p>
+            <a:r>
+              <a:rPr lang="en-US" dirty="0" err="1" smtClean="0"/>
+              <a:t>Kies</a:t>
+            </a:r>
+            <a:r>
+              <a:rPr lang="en-US" dirty="0" smtClean="0"/>
+              <a:t> de </a:t>
+            </a:r>
+            <a:r>
+              <a:rPr lang="en-US" dirty="0" err="1" smtClean="0"/>
+              <a:t>beste</a:t>
+            </a:r>
+            <a:r>
+              <a:rPr lang="en-US" dirty="0" smtClean="0"/>
+              <a:t> </a:t>
+            </a:r>
+            <a:r>
+              <a:rPr lang="en-US" dirty="0" err="1" smtClean="0"/>
+              <a:t>om</a:t>
+            </a:r>
+            <a:r>
+              <a:rPr lang="en-US" dirty="0" smtClean="0"/>
+              <a:t> 2 </a:t>
+            </a:r>
+            <a:r>
+              <a:rPr lang="en-US" dirty="0" err="1" smtClean="0"/>
+              <a:t>om</a:t>
+            </a:r>
+            <a:r>
+              <a:rPr lang="en-US" dirty="0" smtClean="0"/>
+              <a:t> </a:t>
+            </a:r>
+            <a:r>
+              <a:rPr lang="en-US" dirty="0" err="1" smtClean="0"/>
+              <a:t>als</a:t>
+            </a:r>
+            <a:r>
+              <a:rPr lang="en-US" dirty="0" smtClean="0"/>
+              <a:t> </a:t>
+            </a:r>
+            <a:r>
+              <a:rPr lang="en-US" dirty="0" err="1" smtClean="0"/>
+              <a:t>ouder</a:t>
+            </a:r>
+            <a:r>
+              <a:rPr lang="en-US" dirty="0" smtClean="0"/>
+              <a:t> </a:t>
+            </a:r>
+            <a:r>
+              <a:rPr lang="en-US" dirty="0" err="1" smtClean="0"/>
+              <a:t>te</a:t>
+            </a:r>
+            <a:r>
+              <a:rPr lang="en-US" dirty="0" smtClean="0"/>
+              <a:t> </a:t>
+            </a:r>
+            <a:r>
+              <a:rPr lang="en-US" dirty="0" err="1" smtClean="0"/>
+              <a:t>dienen</a:t>
+            </a:r>
+            <a:r>
+              <a:rPr lang="en-US" dirty="0" smtClean="0"/>
+              <a:t> </a:t>
+            </a:r>
+            <a:r>
+              <a:rPr lang="en-US" dirty="0" err="1" smtClean="0"/>
+              <a:t>voor</a:t>
+            </a:r>
+            <a:r>
+              <a:rPr lang="en-US" dirty="0" smtClean="0"/>
+              <a:t> de </a:t>
+            </a:r>
+            <a:r>
+              <a:rPr lang="en-US" dirty="0" err="1" smtClean="0"/>
+              <a:t>volgende</a:t>
+            </a:r>
+            <a:r>
+              <a:rPr lang="en-US" dirty="0" smtClean="0"/>
+              <a:t> </a:t>
+            </a:r>
+            <a:r>
+              <a:rPr lang="en-US" dirty="0" err="1" smtClean="0"/>
+              <a:t>interatie</a:t>
+            </a:r>
+            <a:endParaRPr lang="en-US" dirty="0" smtClean="0"/>
+          </a:p>
+          <a:p>
+            <a:r>
+              <a:rPr lang="en-US" dirty="0" err="1" smtClean="0"/>
+              <a:t>Herhaal</a:t>
+            </a:r>
+            <a:r>
+              <a:rPr lang="en-US" dirty="0" smtClean="0"/>
+              <a:t> </a:t>
+            </a:r>
+            <a:r>
+              <a:rPr lang="en-US" dirty="0" err="1" smtClean="0"/>
+              <a:t>dit</a:t>
+            </a:r>
+            <a:r>
+              <a:rPr lang="en-US" dirty="0" smtClean="0"/>
+              <a:t> </a:t>
+            </a:r>
+            <a:r>
+              <a:rPr lang="en-US" dirty="0" err="1" smtClean="0"/>
+              <a:t>totdat</a:t>
+            </a:r>
+            <a:r>
+              <a:rPr lang="en-US" dirty="0" smtClean="0"/>
+              <a:t> stop </a:t>
+            </a:r>
+            <a:r>
+              <a:rPr lang="en-US" dirty="0" err="1" smtClean="0"/>
+              <a:t>conditie</a:t>
+            </a:r>
+            <a:r>
+              <a:rPr lang="en-US" dirty="0" smtClean="0"/>
+              <a:t> is </a:t>
+            </a:r>
+            <a:r>
+              <a:rPr lang="en-US" dirty="0" err="1" smtClean="0"/>
+              <a:t>bereikt</a:t>
+            </a:r>
+            <a:endParaRPr lang="en-US" dirty="0" smtClean="0"/>
+          </a:p>
+          <a:p>
+            <a:pPr lvl="1"/>
+            <a:endParaRPr lang="en-US" dirty="0"/>
+          </a:p>
+        </p:txBody>
+      </p:sp>
+    </p:spTree>
+    <p:extLst>
+      <p:ext uri="{BB962C8B-B14F-4D97-AF65-F5344CB8AC3E}">
+        <p14:creationId xmlns:p14="http://schemas.microsoft.com/office/powerpoint/2010/main" val="4126143302"/>
+      </p:ext>
+    </p:extLst>
+  </p:cSld>
+  <p:clrMapOvr>
+    <a:masterClrMapping/>
+  </p:clrMapOvr>
+</p:sld>
+</file>
+
+<file path=ppt/slides/slide7.xml><?xml version="1.0" encoding="utf-8"?>
+<p:sld xmlns:a="http://schemas.openxmlformats.org/drawingml/2006/main" xmlns:r="http://schemas.openxmlformats.org/officeDocument/2006/relationships" xmlns:p="http://schemas.openxmlformats.org/presentationml/2006/main">
+  <p:cSld>
+    <p:spTree>
+      <p:nvGrpSpPr>
+        <p:cNvPr id="1" name=""/>
+        <p:cNvGrpSpPr/>
+        <p:nvPr/>
+      </p:nvGrpSpPr>
+      <p:grpSpPr>
+        <a:xfrm>
+          <a:off x="0" y="0"/>
+          <a:ext cx="0" cy="0"/>
+          <a:chOff x="0" y="0"/>
+          <a:chExt cx="0" cy="0"/>
+        </a:xfrm>
+      </p:grpSpPr>
+      <p:sp>
+        <p:nvSpPr>
+          <p:cNvPr id="2" name="Title 1"/>
+          <p:cNvSpPr>
+            <a:spLocks noGrp="1"/>
+          </p:cNvSpPr>
+          <p:nvPr>
+            <p:ph type="title"/>
+          </p:nvPr>
+        </p:nvSpPr>
+        <p:spPr/>
+        <p:txBody>
+          <a:bodyPr>
+            <a:normAutofit fontScale="90000"/>
+          </a:bodyPr>
+          <a:lstStyle/>
+          <a:p>
+            <a:r>
+              <a:rPr lang="en-US" dirty="0" smtClean="0"/>
+              <a:t>Genetic algorithm - </a:t>
+            </a:r>
+            <a:r>
+              <a:rPr lang="en-US" dirty="0" err="1"/>
+              <a:t>Mutatie</a:t>
+            </a:r>
+            <a:r>
+              <a:rPr lang="en-US" dirty="0"/>
+              <a:t/>
+            </a:r>
+            <a:br>
+              <a:rPr lang="en-US" dirty="0"/>
+            </a:br>
+            <a:endParaRPr lang="en-US" dirty="0"/>
+          </a:p>
+        </p:txBody>
+      </p:sp>
+      <p:sp>
+        <p:nvSpPr>
+          <p:cNvPr id="3" name="Content Placeholder 2"/>
+          <p:cNvSpPr>
+            <a:spLocks noGrp="1"/>
+          </p:cNvSpPr>
+          <p:nvPr>
+            <p:ph idx="1"/>
+          </p:nvPr>
+        </p:nvSpPr>
+        <p:spPr/>
+        <p:txBody>
+          <a:bodyPr/>
+          <a:lstStyle/>
+          <a:p>
+            <a:r>
+              <a:rPr lang="en-US" dirty="0" err="1" smtClean="0"/>
+              <a:t>Mutatie</a:t>
+            </a:r>
+            <a:r>
+              <a:rPr lang="en-US" dirty="0" smtClean="0"/>
+              <a:t> </a:t>
+            </a:r>
+            <a:r>
+              <a:rPr lang="en-US" dirty="0" err="1" smtClean="0"/>
+              <a:t>binnen</a:t>
+            </a:r>
+            <a:r>
+              <a:rPr lang="en-US" dirty="0" smtClean="0"/>
+              <a:t> de </a:t>
+            </a:r>
+            <a:r>
+              <a:rPr lang="en-US" dirty="0" err="1" smtClean="0"/>
+              <a:t>ouder</a:t>
+            </a:r>
+            <a:endParaRPr lang="en-US" dirty="0" smtClean="0"/>
+          </a:p>
+          <a:p>
+            <a:r>
+              <a:rPr lang="en-US" dirty="0" err="1" smtClean="0"/>
+              <a:t>Neem</a:t>
+            </a:r>
+            <a:r>
+              <a:rPr lang="en-US" dirty="0" smtClean="0"/>
+              <a:t> </a:t>
+            </a:r>
+            <a:r>
+              <a:rPr lang="en-US" dirty="0" err="1" smtClean="0"/>
+              <a:t>een</a:t>
+            </a:r>
+            <a:r>
+              <a:rPr lang="en-US" dirty="0" smtClean="0"/>
+              <a:t> rooster</a:t>
+            </a:r>
+          </a:p>
+          <a:p>
+            <a:r>
+              <a:rPr lang="en-US" dirty="0" err="1" smtClean="0"/>
+              <a:t>Wissel</a:t>
+            </a:r>
+            <a:r>
+              <a:rPr lang="en-US" dirty="0" smtClean="0"/>
+              <a:t> twee </a:t>
+            </a:r>
+            <a:r>
+              <a:rPr lang="en-US" dirty="0" err="1" smtClean="0"/>
+              <a:t>vakken</a:t>
+            </a:r>
+            <a:r>
+              <a:rPr lang="en-US" dirty="0" smtClean="0"/>
+              <a:t> </a:t>
+            </a:r>
+            <a:r>
+              <a:rPr lang="en-US" dirty="0" err="1" smtClean="0"/>
+              <a:t>willekeurig</a:t>
+            </a:r>
+            <a:r>
+              <a:rPr lang="en-US" dirty="0" smtClean="0"/>
+              <a:t> </a:t>
+            </a:r>
+            <a:r>
+              <a:rPr lang="en-US" dirty="0" err="1" smtClean="0"/>
+              <a:t>om</a:t>
+            </a:r>
+            <a:endParaRPr lang="en-US" dirty="0" smtClean="0"/>
+          </a:p>
+          <a:p>
+            <a:pPr marL="530352" lvl="1" indent="0">
+              <a:buNone/>
+            </a:pPr>
+            <a:r>
+              <a:rPr lang="en-US" dirty="0" smtClean="0"/>
+              <a:t> </a:t>
+            </a:r>
+            <a:endParaRPr lang="en-US" dirty="0"/>
+          </a:p>
+        </p:txBody>
+      </p:sp>
+      <p:pic>
+        <p:nvPicPr>
+          <p:cNvPr id="4" name="Picture 3"/>
+          <p:cNvPicPr>
+            <a:picLocks noChangeAspect="1"/>
+          </p:cNvPicPr>
+          <p:nvPr/>
+        </p:nvPicPr>
+        <p:blipFill>
+          <a:blip r:embed="rId2"/>
+          <a:stretch>
+            <a:fillRect/>
+          </a:stretch>
+        </p:blipFill>
+        <p:spPr>
+          <a:xfrm>
+            <a:off x="1358705" y="3804606"/>
+            <a:ext cx="4394200" cy="1663700"/>
+          </a:xfrm>
+          <a:prstGeom prst="rect">
+            <a:avLst/>
+          </a:prstGeom>
+        </p:spPr>
+      </p:pic>
+    </p:spTree>
+    <p:extLst>
+      <p:ext uri="{BB962C8B-B14F-4D97-AF65-F5344CB8AC3E}">
+        <p14:creationId xmlns:p14="http://schemas.microsoft.com/office/powerpoint/2010/main" val="1576132068"/>
+      </p:ext>
+    </p:extLst>
+  </p:cSld>
+  <p:clrMapOvr>
+    <a:masterClrMapping/>
+  </p:clrMapOvr>
+</p:sld>
+</file>
+
+<file path=ppt/slides/slide8.xml><?xml version="1.0" encoding="utf-8"?>
+<p:sld xmlns:a="http://schemas.openxmlformats.org/drawingml/2006/main" xmlns:r="http://schemas.openxmlformats.org/officeDocument/2006/relationships" xmlns:p="http://schemas.openxmlformats.org/presentationml/2006/main">
+  <p:cSld>
+    <p:spTree>
+      <p:nvGrpSpPr>
+        <p:cNvPr id="1" name=""/>
+        <p:cNvGrpSpPr/>
+        <p:nvPr/>
+      </p:nvGrpSpPr>
+      <p:grpSpPr>
+        <a:xfrm>
+          <a:off x="0" y="0"/>
+          <a:ext cx="0" cy="0"/>
+          <a:chOff x="0" y="0"/>
+          <a:chExt cx="0" cy="0"/>
+        </a:xfrm>
+      </p:grpSpPr>
+      <p:sp>
+        <p:nvSpPr>
+          <p:cNvPr id="2" name="Title 1"/>
+          <p:cNvSpPr>
+            <a:spLocks noGrp="1"/>
+          </p:cNvSpPr>
+          <p:nvPr>
+            <p:ph type="title"/>
+          </p:nvPr>
+        </p:nvSpPr>
+        <p:spPr/>
+        <p:txBody>
+          <a:bodyPr>
+            <a:normAutofit fontScale="90000"/>
+          </a:bodyPr>
+          <a:lstStyle/>
+          <a:p>
+            <a:r>
+              <a:rPr lang="en-US" dirty="0" smtClean="0"/>
+              <a:t>Genetic algorithm - </a:t>
+            </a:r>
+            <a:r>
+              <a:rPr lang="en-US" dirty="0" err="1"/>
+              <a:t>Recombinatie</a:t>
+            </a:r>
+            <a:r>
+              <a:rPr lang="en-US" dirty="0"/>
+              <a:t/>
+            </a:r>
+            <a:br>
+              <a:rPr lang="en-US" dirty="0"/>
+            </a:br>
+            <a:endParaRPr lang="en-US" dirty="0"/>
+          </a:p>
+        </p:txBody>
+      </p:sp>
+      <p:sp>
+        <p:nvSpPr>
+          <p:cNvPr id="3" name="Content Placeholder 2"/>
+          <p:cNvSpPr>
+            <a:spLocks noGrp="1"/>
+          </p:cNvSpPr>
+          <p:nvPr>
+            <p:ph idx="1"/>
+          </p:nvPr>
+        </p:nvSpPr>
+        <p:spPr>
+          <a:xfrm>
+            <a:off x="1371600" y="1897039"/>
+            <a:ext cx="6136916" cy="3970361"/>
+          </a:xfrm>
+        </p:spPr>
+        <p:txBody>
+          <a:bodyPr>
+            <a:normAutofit fontScale="85000" lnSpcReduction="10000"/>
+          </a:bodyPr>
+          <a:lstStyle/>
+          <a:p>
+            <a:r>
+              <a:rPr lang="nl-NL" dirty="0" smtClean="0"/>
+              <a:t>selecteer </a:t>
+            </a:r>
+            <a:r>
+              <a:rPr lang="nl-NL" dirty="0"/>
+              <a:t>een random aantal </a:t>
+            </a:r>
+            <a:r>
+              <a:rPr lang="nl-NL" dirty="0" smtClean="0"/>
+              <a:t>activiteiten van ouder-1</a:t>
+            </a:r>
+          </a:p>
+          <a:p>
+            <a:pPr lvl="0"/>
+            <a:r>
+              <a:rPr lang="nl-NL" dirty="0" smtClean="0"/>
+              <a:t>Kopieer </a:t>
+            </a:r>
+            <a:r>
+              <a:rPr lang="nl-NL" dirty="0"/>
+              <a:t>deze random </a:t>
+            </a:r>
+            <a:r>
+              <a:rPr lang="nl-NL" dirty="0" smtClean="0"/>
+              <a:t>activiteiten naar </a:t>
+            </a:r>
+            <a:r>
+              <a:rPr lang="nl-NL" dirty="0"/>
+              <a:t>een nieuw kind-</a:t>
+            </a:r>
+            <a:r>
+              <a:rPr lang="nl-NL" dirty="0" smtClean="0"/>
+              <a:t>rooster op precies hetzelfde </a:t>
+            </a:r>
+            <a:r>
+              <a:rPr lang="nl-NL" dirty="0" err="1" smtClean="0"/>
+              <a:t>zaalslot</a:t>
+            </a:r>
+            <a:r>
+              <a:rPr lang="nl-NL" dirty="0" smtClean="0"/>
+              <a:t> (tijd en zaal)</a:t>
+            </a:r>
+            <a:endParaRPr lang="en-US" dirty="0"/>
+          </a:p>
+          <a:p>
+            <a:pPr lvl="0"/>
+            <a:r>
+              <a:rPr lang="nl-NL" dirty="0"/>
+              <a:t>Bij ouder</a:t>
+            </a:r>
+            <a:r>
+              <a:rPr lang="nl-NL" dirty="0" smtClean="0"/>
+              <a:t>-2 </a:t>
+            </a:r>
+            <a:r>
+              <a:rPr lang="nl-NL" dirty="0"/>
+              <a:t>verwijder alle </a:t>
+            </a:r>
+            <a:r>
+              <a:rPr lang="nl-NL" dirty="0" smtClean="0"/>
+              <a:t>activiteiten die </a:t>
+            </a:r>
+            <a:r>
+              <a:rPr lang="nl-NL" dirty="0"/>
+              <a:t>al zijn geplaatst door </a:t>
+            </a:r>
+            <a:r>
+              <a:rPr lang="nl-NL" dirty="0" smtClean="0"/>
+              <a:t>ouder-</a:t>
+            </a:r>
+            <a:r>
+              <a:rPr lang="nl-NL" dirty="0"/>
+              <a:t>1</a:t>
+            </a:r>
+            <a:endParaRPr lang="en-US" dirty="0"/>
+          </a:p>
+          <a:p>
+            <a:pPr lvl="0"/>
+            <a:r>
+              <a:rPr lang="nl-NL" dirty="0"/>
+              <a:t>Plaats de overgebleven </a:t>
+            </a:r>
+            <a:r>
+              <a:rPr lang="nl-NL" dirty="0" smtClean="0"/>
+              <a:t>activiteiten van rooster-2 </a:t>
+            </a:r>
+            <a:r>
+              <a:rPr lang="nl-NL" dirty="0"/>
+              <a:t>in het kind-rooster, als er </a:t>
+            </a:r>
+            <a:r>
+              <a:rPr lang="nl-NL" dirty="0" err="1"/>
+              <a:t>conflicts</a:t>
+            </a:r>
+            <a:r>
+              <a:rPr lang="nl-NL" dirty="0"/>
+              <a:t> zijn(er is al in activiteit geroosterd in het </a:t>
+            </a:r>
+            <a:r>
+              <a:rPr lang="nl-NL" dirty="0" err="1"/>
+              <a:t>zaalslot</a:t>
+            </a:r>
+            <a:r>
+              <a:rPr lang="nl-NL" dirty="0"/>
+              <a:t>) pak dan het dichtstbijzijnde vrije </a:t>
+            </a:r>
+            <a:r>
+              <a:rPr lang="nl-NL" dirty="0" err="1"/>
+              <a:t>zaalslot</a:t>
+            </a:r>
+            <a:r>
+              <a:rPr lang="nl-NL" dirty="0"/>
+              <a:t>. </a:t>
+            </a:r>
+            <a:endParaRPr lang="en-US" dirty="0"/>
+          </a:p>
+          <a:p>
+            <a:pPr lvl="0"/>
+            <a:r>
+              <a:rPr lang="nl-NL" dirty="0"/>
+              <a:t>Herhaal de stappen, maar begin dan met ouder</a:t>
+            </a:r>
+            <a:r>
+              <a:rPr lang="nl-NL" dirty="0" smtClean="0"/>
+              <a:t>-r2 in plaats </a:t>
+            </a:r>
+            <a:r>
+              <a:rPr lang="nl-NL" dirty="0"/>
+              <a:t>van ouder</a:t>
+            </a:r>
+            <a:r>
+              <a:rPr lang="nl-NL" dirty="0" smtClean="0"/>
+              <a:t>-1</a:t>
+            </a:r>
+            <a:endParaRPr lang="en-US" dirty="0"/>
+          </a:p>
+          <a:p>
+            <a:pPr lvl="1"/>
+            <a:endParaRPr lang="en-US" dirty="0"/>
+          </a:p>
+        </p:txBody>
+      </p:sp>
+      <p:pic>
+        <p:nvPicPr>
+          <p:cNvPr id="5" name="Picture 4"/>
+          <p:cNvPicPr>
+            <a:picLocks noChangeAspect="1"/>
+          </p:cNvPicPr>
+          <p:nvPr/>
+        </p:nvPicPr>
+        <p:blipFill>
+          <a:blip r:embed="rId2"/>
+          <a:stretch>
+            <a:fillRect/>
+          </a:stretch>
+        </p:blipFill>
+        <p:spPr>
+          <a:xfrm>
+            <a:off x="7832612" y="2128827"/>
+            <a:ext cx="4013009" cy="2373743"/>
+          </a:xfrm>
+          <a:prstGeom prst="rect">
+            <a:avLst/>
+          </a:prstGeom>
+        </p:spPr>
+      </p:pic>
+    </p:spTree>
+    <p:extLst>
+      <p:ext uri="{BB962C8B-B14F-4D97-AF65-F5344CB8AC3E}">
+        <p14:creationId xmlns:p14="http://schemas.microsoft.com/office/powerpoint/2010/main" val="3954526477"/>
+      </p:ext>
+    </p:extLst>
+  </p:cSld>
+  <p:clrMapOvr>
+    <a:masterClrMapping/>
+  </p:clrMapOvr>
+</p:sld>
+</file>
+
+<file path=ppt/slides/slide9.xml><?xml version="1.0" encoding="utf-8"?>
+<p:sld xmlns:a="http://schemas.openxmlformats.org/drawingml/2006/main" xmlns:r="http://schemas.openxmlformats.org/officeDocument/2006/relationships" xmlns:p="http://schemas.openxmlformats.org/presentationml/2006/main">
+  <p:cSld>
+    <p:spTree>
+      <p:nvGrpSpPr>
+        <p:cNvPr id="1" name=""/>
+        <p:cNvGrpSpPr/>
+        <p:nvPr/>
+      </p:nvGrpSpPr>
+      <p:grpSpPr>
+        <a:xfrm>
+          <a:off x="0" y="0"/>
+          <a:ext cx="0" cy="0"/>
+          <a:chOff x="0" y="0"/>
+          <a:chExt cx="0" cy="0"/>
+        </a:xfrm>
+      </p:grpSpPr>
+      <p:sp>
+        <p:nvSpPr>
+          <p:cNvPr id="2" name="Title 1"/>
+          <p:cNvSpPr>
+            <a:spLocks noGrp="1"/>
+          </p:cNvSpPr>
+          <p:nvPr>
+            <p:ph type="title"/>
+          </p:nvPr>
+        </p:nvSpPr>
+        <p:spPr/>
+        <p:txBody>
+          <a:bodyPr>
+            <a:normAutofit fontScale="90000"/>
+          </a:bodyPr>
+          <a:lstStyle/>
+          <a:p>
+            <a:r>
+              <a:rPr lang="en-US" dirty="0" smtClean="0"/>
+              <a:t>Genetic algorithm – </a:t>
+            </a:r>
+            <a:r>
+              <a:rPr lang="en-US" dirty="0" err="1" smtClean="0"/>
+              <a:t>Mogelijke</a:t>
+            </a:r>
+            <a:r>
+              <a:rPr lang="en-US" dirty="0" smtClean="0"/>
+              <a:t> parameters</a:t>
+            </a:r>
+            <a:r>
+              <a:rPr lang="en-US" dirty="0"/>
+              <a:t/>
+            </a:r>
+            <a:br>
+              <a:rPr lang="en-US" dirty="0"/>
+            </a:br>
+            <a:endParaRPr lang="en-US" dirty="0"/>
+          </a:p>
+        </p:txBody>
+      </p:sp>
+      <p:sp>
+        <p:nvSpPr>
+          <p:cNvPr id="3" name="Content Placeholder 2"/>
+          <p:cNvSpPr>
+            <a:spLocks noGrp="1"/>
+          </p:cNvSpPr>
+          <p:nvPr>
+            <p:ph idx="1"/>
+          </p:nvPr>
+        </p:nvSpPr>
+        <p:spPr/>
+        <p:txBody>
+          <a:bodyPr>
+            <a:normAutofit/>
+          </a:bodyPr>
+          <a:lstStyle/>
+          <a:p>
+            <a:r>
+              <a:rPr lang="en-US" dirty="0" smtClean="0"/>
+              <a:t>Stop </a:t>
+            </a:r>
+            <a:r>
+              <a:rPr lang="en-US" dirty="0" err="1" smtClean="0"/>
+              <a:t>conditie</a:t>
+            </a:r>
+            <a:r>
+              <a:rPr lang="en-US" dirty="0" smtClean="0"/>
+              <a:t>: </a:t>
+            </a:r>
+            <a:r>
+              <a:rPr lang="en-US" dirty="0" err="1" smtClean="0"/>
+              <a:t>hoeveel</a:t>
+            </a:r>
+            <a:r>
+              <a:rPr lang="en-US" dirty="0" smtClean="0"/>
+              <a:t> </a:t>
+            </a:r>
+            <a:r>
+              <a:rPr lang="en-US" dirty="0" err="1" smtClean="0"/>
+              <a:t>iteraties</a:t>
+            </a:r>
+            <a:endParaRPr lang="en-US" dirty="0" smtClean="0"/>
+          </a:p>
+          <a:p>
+            <a:r>
+              <a:rPr lang="en-US" dirty="0" err="1" smtClean="0"/>
+              <a:t>Kans</a:t>
+            </a:r>
+            <a:r>
+              <a:rPr lang="en-US" dirty="0" smtClean="0"/>
+              <a:t> op </a:t>
+            </a:r>
+            <a:r>
+              <a:rPr lang="en-US" dirty="0" err="1" smtClean="0"/>
+              <a:t>mutatie</a:t>
+            </a:r>
+            <a:r>
+              <a:rPr lang="en-US" dirty="0" smtClean="0"/>
+              <a:t> of </a:t>
+            </a:r>
+            <a:r>
+              <a:rPr lang="en-US" dirty="0" err="1" smtClean="0"/>
+              <a:t>recombinatie</a:t>
+            </a:r>
+            <a:endParaRPr lang="en-US" dirty="0" smtClean="0"/>
+          </a:p>
+          <a:p>
+            <a:r>
+              <a:rPr lang="en-US" dirty="0" err="1" smtClean="0"/>
+              <a:t>Mutatie</a:t>
+            </a:r>
+            <a:r>
+              <a:rPr lang="en-US" dirty="0" smtClean="0"/>
+              <a:t>: </a:t>
+            </a:r>
+            <a:r>
+              <a:rPr lang="en-US" dirty="0" err="1" smtClean="0"/>
+              <a:t>hoeveel</a:t>
+            </a:r>
+            <a:r>
+              <a:rPr lang="en-US" dirty="0" smtClean="0"/>
+              <a:t> </a:t>
+            </a:r>
+            <a:r>
+              <a:rPr lang="en-US" dirty="0" err="1" smtClean="0"/>
+              <a:t>activiteiten</a:t>
+            </a:r>
+            <a:r>
+              <a:rPr lang="en-US" dirty="0" smtClean="0"/>
+              <a:t> </a:t>
+            </a:r>
+            <a:r>
+              <a:rPr lang="en-US" dirty="0" err="1" smtClean="0"/>
+              <a:t>wissel</a:t>
+            </a:r>
+            <a:r>
+              <a:rPr lang="en-US" dirty="0" smtClean="0"/>
+              <a:t> je van </a:t>
+            </a:r>
+            <a:r>
+              <a:rPr lang="en-US" dirty="0" err="1" smtClean="0"/>
+              <a:t>plaats</a:t>
+            </a:r>
+            <a:endParaRPr lang="en-US" dirty="0" smtClean="0"/>
+          </a:p>
+          <a:p>
+            <a:pPr marL="0" indent="0">
+              <a:buNone/>
+            </a:pPr>
+            <a:endParaRPr lang="en-US" dirty="0" smtClean="0"/>
+          </a:p>
+          <a:p>
+            <a:endParaRPr lang="en-US" dirty="0" smtClean="0"/>
+          </a:p>
+        </p:txBody>
+      </p:sp>
+    </p:spTree>
+    <p:extLst>
+      <p:ext uri="{BB962C8B-B14F-4D97-AF65-F5344CB8AC3E}">
+        <p14:creationId xmlns:p14="http://schemas.microsoft.com/office/powerpoint/2010/main" val="2885184303"/>
       </p:ext>
     </p:extLst>
   </p:cSld>
@@ -4506,7 +5447,7 @@
   <a:extraClrSchemeLst/>
   <a:extLst>
     <a:ext uri="{05A4C25C-085E-4340-85A3-A5531E510DB2}">
-      <thm15:themeFamily xmlns:thm15="http://schemas.microsoft.com/office/thememl/2012/main" name="Crop" id="{EC9488ED-E761-4D60-9AC4-764D1FE2C171}" vid="{CE19780C-D67D-4C13-9DE9-A52BC3BA51B4}"/>
+      <thm15:themeFamily xmlns:thm15="http://schemas.microsoft.com/office/thememl/2012/main" xmlns="" name="Crop" id="{EC9488ED-E761-4D60-9AC4-764D1FE2C171}" vid="{CE19780C-D67D-4C13-9DE9-A52BC3BA51B4}"/>
     </a:ext>
   </a:extLst>
 </a:theme>

--- a/Presentaties/Week4/Lectures & Lesroosters toestandsruimte en grenzen.pptx
+++ b/Presentaties/Week4/Lectures & Lesroosters toestandsruimte en grenzen.pptx
@@ -10,10 +10,11 @@
     <p:sldId id="260" r:id="rId4"/>
     <p:sldId id="261" r:id="rId5"/>
     <p:sldId id="264" r:id="rId6"/>
-    <p:sldId id="265" r:id="rId7"/>
-    <p:sldId id="266" r:id="rId8"/>
-    <p:sldId id="267" r:id="rId9"/>
-    <p:sldId id="268" r:id="rId10"/>
+    <p:sldId id="269" r:id="rId7"/>
+    <p:sldId id="265" r:id="rId8"/>
+    <p:sldId id="266" r:id="rId9"/>
+    <p:sldId id="267" r:id="rId10"/>
+    <p:sldId id="268" r:id="rId11"/>
   </p:sldIdLst>
   <p:sldSz cx="12192000" cy="6858000"/>
   <p:notesSz cx="6858000" cy="9144000"/>
@@ -114,7 +115,7 @@
   </p:defaultTextStyle>
   <p:extLst>
     <p:ext uri="{EFAFB233-063F-42B5-8137-9DF3F51BA10A}">
-      <p15:sldGuideLst xmlns:p15="http://schemas.microsoft.com/office/powerpoint/2012/main" xmlns="">
+      <p15:sldGuideLst xmlns:p15="http://schemas.microsoft.com/office/powerpoint/2012/main">
         <p15:guide id="1" orient="horz" pos="2160">
           <p15:clr>
             <a:srgbClr val="A4A3A4"/>
@@ -291,7 +292,7 @@
           <a:p>
             <a:fld id="{B2E4F3CE-5921-4ADD-9964-2DE7A47474AF}" type="datetimeFigureOut">
               <a:rPr lang="nl-NL" smtClean="0"/>
-              <a:t>03/05/18</a:t>
+              <a:t>4-5-2018</a:t>
             </a:fld>
             <a:endParaRPr lang="nl-NL"/>
           </a:p>
@@ -499,7 +500,7 @@
           <p:cNvPr id="10" name="Picture 9" descr="A group of people in a room&#10;&#10;Description generated with very high confidence">
             <a:extLst>
               <a:ext uri="{FF2B5EF4-FFF2-40B4-BE49-F238E27FC236}">
-                <a16:creationId xmlns:a16="http://schemas.microsoft.com/office/drawing/2014/main" xmlns="" id="{8A636BD5-65AA-4211-BE9A-C3728CA22021}"/>
+                <a16:creationId xmlns:a16="http://schemas.microsoft.com/office/drawing/2014/main" id="{8A636BD5-65AA-4211-BE9A-C3728CA22021}"/>
               </a:ext>
             </a:extLst>
           </p:cNvPr>
@@ -540,7 +541,7 @@
           <p:cNvPr id="12" name="Picture 11" descr="A group of people in a room&#10;&#10;Description generated with very high confidence">
             <a:extLst>
               <a:ext uri="{FF2B5EF4-FFF2-40B4-BE49-F238E27FC236}">
-                <a16:creationId xmlns:a16="http://schemas.microsoft.com/office/drawing/2014/main" xmlns="" id="{FCCAA0F4-9C7B-4984-8F70-FA270D007429}"/>
+                <a16:creationId xmlns:a16="http://schemas.microsoft.com/office/drawing/2014/main" id="{FCCAA0F4-9C7B-4984-8F70-FA270D007429}"/>
               </a:ext>
             </a:extLst>
           </p:cNvPr>
@@ -611,7 +612,7 @@
           <p:cNvPr id="2" name="Title 1">
             <a:extLst>
               <a:ext uri="{FF2B5EF4-FFF2-40B4-BE49-F238E27FC236}">
-                <a16:creationId xmlns:a16="http://schemas.microsoft.com/office/drawing/2014/main" xmlns="" id="{6FC13C6F-2E16-4E4C-84CC-D4DAFCB2700D}"/>
+                <a16:creationId xmlns:a16="http://schemas.microsoft.com/office/drawing/2014/main" id="{6FC13C6F-2E16-4E4C-84CC-D4DAFCB2700D}"/>
               </a:ext>
             </a:extLst>
           </p:cNvPr>
@@ -649,7 +650,7 @@
           <p:cNvPr id="3" name="Subtitle 2">
             <a:extLst>
               <a:ext uri="{FF2B5EF4-FFF2-40B4-BE49-F238E27FC236}">
-                <a16:creationId xmlns:a16="http://schemas.microsoft.com/office/drawing/2014/main" xmlns="" id="{453CFFDF-F98C-4C73-86C1-B63C7BFD4C39}"/>
+                <a16:creationId xmlns:a16="http://schemas.microsoft.com/office/drawing/2014/main" id="{453CFFDF-F98C-4C73-86C1-B63C7BFD4C39}"/>
               </a:ext>
             </a:extLst>
           </p:cNvPr>
@@ -720,7 +721,7 @@
           <p:cNvPr id="4" name="Date Placeholder 3">
             <a:extLst>
               <a:ext uri="{FF2B5EF4-FFF2-40B4-BE49-F238E27FC236}">
-                <a16:creationId xmlns:a16="http://schemas.microsoft.com/office/drawing/2014/main" xmlns="" id="{CFA081B8-BD76-443C-93F5-08182166D8D0}"/>
+                <a16:creationId xmlns:a16="http://schemas.microsoft.com/office/drawing/2014/main" id="{CFA081B8-BD76-443C-93F5-08182166D8D0}"/>
               </a:ext>
             </a:extLst>
           </p:cNvPr>
@@ -738,7 +739,7 @@
           <a:p>
             <a:fld id="{B2E4F3CE-5921-4ADD-9964-2DE7A47474AF}" type="datetimeFigureOut">
               <a:rPr lang="nl-NL" smtClean="0"/>
-              <a:t>03/05/18</a:t>
+              <a:t>4-5-2018</a:t>
             </a:fld>
             <a:endParaRPr lang="nl-NL"/>
           </a:p>
@@ -749,7 +750,7 @@
           <p:cNvPr id="5" name="Footer Placeholder 4">
             <a:extLst>
               <a:ext uri="{FF2B5EF4-FFF2-40B4-BE49-F238E27FC236}">
-                <a16:creationId xmlns:a16="http://schemas.microsoft.com/office/drawing/2014/main" xmlns="" id="{B372371A-431A-4C4A-B2D5-5DB4CE736915}"/>
+                <a16:creationId xmlns:a16="http://schemas.microsoft.com/office/drawing/2014/main" id="{B372371A-431A-4C4A-B2D5-5DB4CE736915}"/>
               </a:ext>
             </a:extLst>
           </p:cNvPr>
@@ -774,7 +775,7 @@
           <p:cNvPr id="6" name="Slide Number Placeholder 5">
             <a:extLst>
               <a:ext uri="{FF2B5EF4-FFF2-40B4-BE49-F238E27FC236}">
-                <a16:creationId xmlns:a16="http://schemas.microsoft.com/office/drawing/2014/main" xmlns="" id="{4440A448-9C23-42D3-B380-8BFAE71DF757}"/>
+                <a16:creationId xmlns:a16="http://schemas.microsoft.com/office/drawing/2014/main" id="{4440A448-9C23-42D3-B380-8BFAE71DF757}"/>
               </a:ext>
             </a:extLst>
           </p:cNvPr>
@@ -937,7 +938,7 @@
           <a:p>
             <a:fld id="{B2E4F3CE-5921-4ADD-9964-2DE7A47474AF}" type="datetimeFigureOut">
               <a:rPr lang="nl-NL" smtClean="0"/>
-              <a:t>03/05/18</a:t>
+              <a:t>4-5-2018</a:t>
             </a:fld>
             <a:endParaRPr lang="nl-NL"/>
           </a:p>
@@ -1208,7 +1209,7 @@
           <a:p>
             <a:fld id="{B2E4F3CE-5921-4ADD-9964-2DE7A47474AF}" type="datetimeFigureOut">
               <a:rPr lang="nl-NL" smtClean="0"/>
-              <a:t>03/05/18</a:t>
+              <a:t>4-5-2018</a:t>
             </a:fld>
             <a:endParaRPr lang="nl-NL"/>
           </a:p>
@@ -1343,7 +1344,7 @@
           <p:cNvPr id="9" name="Picture 8" descr="A group of people in a room&#10;&#10;Description generated with very high confidence">
             <a:extLst>
               <a:ext uri="{FF2B5EF4-FFF2-40B4-BE49-F238E27FC236}">
-                <a16:creationId xmlns:a16="http://schemas.microsoft.com/office/drawing/2014/main" xmlns="" id="{1100C0BB-10D3-488D-AF46-8E80E778FCC2}"/>
+                <a16:creationId xmlns:a16="http://schemas.microsoft.com/office/drawing/2014/main" id="{1100C0BB-10D3-488D-AF46-8E80E778FCC2}"/>
               </a:ext>
             </a:extLst>
           </p:cNvPr>
@@ -1643,7 +1644,7 @@
           <a:p>
             <a:fld id="{B2E4F3CE-5921-4ADD-9964-2DE7A47474AF}" type="datetimeFigureOut">
               <a:rPr lang="nl-NL" smtClean="0"/>
-              <a:t>03/05/18</a:t>
+              <a:t>4-5-2018</a:t>
             </a:fld>
             <a:endParaRPr lang="nl-NL"/>
           </a:p>
@@ -2120,7 +2121,7 @@
           <a:p>
             <a:fld id="{B2E4F3CE-5921-4ADD-9964-2DE7A47474AF}" type="datetimeFigureOut">
               <a:rPr lang="nl-NL" smtClean="0"/>
-              <a:t>03/05/18</a:t>
+              <a:t>4-5-2018</a:t>
             </a:fld>
             <a:endParaRPr lang="nl-NL"/>
           </a:p>
@@ -2238,7 +2239,7 @@
           <a:p>
             <a:fld id="{B2E4F3CE-5921-4ADD-9964-2DE7A47474AF}" type="datetimeFigureOut">
               <a:rPr lang="nl-NL" smtClean="0"/>
-              <a:t>03/05/18</a:t>
+              <a:t>4-5-2018</a:t>
             </a:fld>
             <a:endParaRPr lang="nl-NL"/>
           </a:p>
@@ -2333,7 +2334,7 @@
           <a:p>
             <a:fld id="{B2E4F3CE-5921-4ADD-9964-2DE7A47474AF}" type="datetimeFigureOut">
               <a:rPr lang="nl-NL" smtClean="0"/>
-              <a:t>03/05/18</a:t>
+              <a:t>4-5-2018</a:t>
             </a:fld>
             <a:endParaRPr lang="nl-NL"/>
           </a:p>
@@ -2508,7 +2509,7 @@
           <a:p>
             <a:fld id="{B2E4F3CE-5921-4ADD-9964-2DE7A47474AF}" type="datetimeFigureOut">
               <a:rPr lang="nl-NL" smtClean="0"/>
-              <a:t>03/05/18</a:t>
+              <a:t>4-5-2018</a:t>
             </a:fld>
             <a:endParaRPr lang="nl-NL"/>
           </a:p>
@@ -2688,7 +2689,7 @@
           <a:p>
             <a:fld id="{B2E4F3CE-5921-4ADD-9964-2DE7A47474AF}" type="datetimeFigureOut">
               <a:rPr lang="nl-NL" smtClean="0"/>
-              <a:t>03/05/18</a:t>
+              <a:t>4-5-2018</a:t>
             </a:fld>
             <a:endParaRPr lang="nl-NL"/>
           </a:p>
@@ -2898,7 +2899,7 @@
           <a:p>
             <a:fld id="{B2E4F3CE-5921-4ADD-9964-2DE7A47474AF}" type="datetimeFigureOut">
               <a:rPr lang="nl-NL" smtClean="0"/>
-              <a:t>03/05/18</a:t>
+              <a:t>4-5-2018</a:t>
             </a:fld>
             <a:endParaRPr lang="nl-NL"/>
           </a:p>
@@ -3021,7 +3022,7 @@
           <p:cNvPr id="8" name="Picture 7" descr="A group of people in a room&#10;&#10;Description generated with very high confidence">
             <a:extLst>
               <a:ext uri="{FF2B5EF4-FFF2-40B4-BE49-F238E27FC236}">
-                <a16:creationId xmlns:a16="http://schemas.microsoft.com/office/drawing/2014/main" xmlns="" id="{E8DF0BB6-DCAB-4E9C-8305-3C25099E8419}"/>
+                <a16:creationId xmlns:a16="http://schemas.microsoft.com/office/drawing/2014/main" id="{E8DF0BB6-DCAB-4E9C-8305-3C25099E8419}"/>
               </a:ext>
             </a:extLst>
           </p:cNvPr>
@@ -3386,7 +3387,7 @@
   </p:txStyles>
   <p:extLst mod="1">
     <p:ext uri="{27BBF7A9-308A-43DC-89C8-2F10F3537804}">
-      <p15:sldGuideLst xmlns:p15="http://schemas.microsoft.com/office/powerpoint/2012/main" xmlns="">
+      <p15:sldGuideLst xmlns:p15="http://schemas.microsoft.com/office/powerpoint/2012/main">
         <p15:guide id="3" orient="horz" pos="1368">
           <p15:clr>
             <a:srgbClr val="F26B43"/>
@@ -3455,7 +3456,7 @@
           <p:cNvPr id="2" name="Title 1">
             <a:extLst>
               <a:ext uri="{FF2B5EF4-FFF2-40B4-BE49-F238E27FC236}">
-                <a16:creationId xmlns:a16="http://schemas.microsoft.com/office/drawing/2014/main" xmlns="" id="{DFB35624-C45A-4417-8484-F487F43C3428}"/>
+                <a16:creationId xmlns:a16="http://schemas.microsoft.com/office/drawing/2014/main" id="{DFB35624-C45A-4417-8484-F487F43C3428}"/>
               </a:ext>
             </a:extLst>
           </p:cNvPr>
@@ -3483,7 +3484,7 @@
           <p:cNvPr id="3" name="Text Placeholder 2">
             <a:extLst>
               <a:ext uri="{FF2B5EF4-FFF2-40B4-BE49-F238E27FC236}">
-                <a16:creationId xmlns:a16="http://schemas.microsoft.com/office/drawing/2014/main" xmlns="" id="{F477C6E4-8C06-4C8A-8A0C-C1EDED58155D}"/>
+                <a16:creationId xmlns:a16="http://schemas.microsoft.com/office/drawing/2014/main" id="{F477C6E4-8C06-4C8A-8A0C-C1EDED58155D}"/>
               </a:ext>
             </a:extLst>
           </p:cNvPr>
@@ -3510,6 +3511,188 @@
     <p:extLst>
       <p:ext uri="{BB962C8B-B14F-4D97-AF65-F5344CB8AC3E}">
         <p14:creationId xmlns:p14="http://schemas.microsoft.com/office/powerpoint/2010/main" val="3557933096"/>
+      </p:ext>
+    </p:extLst>
+  </p:cSld>
+  <p:clrMapOvr>
+    <a:masterClrMapping/>
+  </p:clrMapOvr>
+</p:sld>
+</file>
+
+<file path=ppt/slides/slide10.xml><?xml version="1.0" encoding="utf-8"?>
+<p:sld xmlns:a="http://schemas.openxmlformats.org/drawingml/2006/main" xmlns:r="http://schemas.openxmlformats.org/officeDocument/2006/relationships" xmlns:p="http://schemas.openxmlformats.org/presentationml/2006/main">
+  <p:cSld>
+    <p:spTree>
+      <p:nvGrpSpPr>
+        <p:cNvPr id="1" name=""/>
+        <p:cNvGrpSpPr/>
+        <p:nvPr/>
+      </p:nvGrpSpPr>
+      <p:grpSpPr>
+        <a:xfrm>
+          <a:off x="0" y="0"/>
+          <a:ext cx="0" cy="0"/>
+          <a:chOff x="0" y="0"/>
+          <a:chExt cx="0" cy="0"/>
+        </a:xfrm>
+      </p:grpSpPr>
+      <p:sp>
+        <p:nvSpPr>
+          <p:cNvPr id="2" name="Title 1"/>
+          <p:cNvSpPr>
+            <a:spLocks noGrp="1"/>
+          </p:cNvSpPr>
+          <p:nvPr>
+            <p:ph type="title"/>
+          </p:nvPr>
+        </p:nvSpPr>
+        <p:spPr/>
+        <p:txBody>
+          <a:bodyPr>
+            <a:normAutofit fontScale="90000"/>
+          </a:bodyPr>
+          <a:lstStyle/>
+          <a:p>
+            <a:r>
+              <a:rPr lang="en-US" dirty="0"/>
+              <a:t>Genetic algorithm – </a:t>
+            </a:r>
+            <a:r>
+              <a:rPr lang="en-US" dirty="0" err="1"/>
+              <a:t>Mogelijke</a:t>
+            </a:r>
+            <a:r>
+              <a:rPr lang="en-US" dirty="0"/>
+              <a:t> parameters</a:t>
+            </a:r>
+            <a:br>
+              <a:rPr lang="en-US" dirty="0"/>
+            </a:br>
+            <a:endParaRPr lang="en-US" dirty="0"/>
+          </a:p>
+        </p:txBody>
+      </p:sp>
+      <p:sp>
+        <p:nvSpPr>
+          <p:cNvPr id="3" name="Content Placeholder 2"/>
+          <p:cNvSpPr>
+            <a:spLocks noGrp="1"/>
+          </p:cNvSpPr>
+          <p:nvPr>
+            <p:ph idx="1"/>
+          </p:nvPr>
+        </p:nvSpPr>
+        <p:spPr/>
+        <p:txBody>
+          <a:bodyPr>
+            <a:normAutofit/>
+          </a:bodyPr>
+          <a:lstStyle/>
+          <a:p>
+            <a:r>
+              <a:rPr lang="en-US" dirty="0"/>
+              <a:t>Stop </a:t>
+            </a:r>
+            <a:r>
+              <a:rPr lang="en-US" dirty="0" err="1"/>
+              <a:t>conditie</a:t>
+            </a:r>
+            <a:r>
+              <a:rPr lang="en-US" dirty="0"/>
+              <a:t>: </a:t>
+            </a:r>
+            <a:r>
+              <a:rPr lang="en-US" dirty="0" err="1"/>
+              <a:t>hoeveel</a:t>
+            </a:r>
+            <a:r>
+              <a:rPr lang="en-US" dirty="0"/>
+              <a:t> </a:t>
+            </a:r>
+            <a:r>
+              <a:rPr lang="en-US" dirty="0" err="1"/>
+              <a:t>iteraties</a:t>
+            </a:r>
+            <a:endParaRPr lang="en-US" dirty="0"/>
+          </a:p>
+          <a:p>
+            <a:r>
+              <a:rPr lang="en-US" dirty="0" err="1"/>
+              <a:t>Kans</a:t>
+            </a:r>
+            <a:r>
+              <a:rPr lang="en-US" dirty="0"/>
+              <a:t> op </a:t>
+            </a:r>
+            <a:r>
+              <a:rPr lang="en-US" dirty="0" err="1"/>
+              <a:t>mutatie</a:t>
+            </a:r>
+            <a:r>
+              <a:rPr lang="en-US" dirty="0"/>
+              <a:t> of </a:t>
+            </a:r>
+            <a:r>
+              <a:rPr lang="en-US" dirty="0" err="1"/>
+              <a:t>recombinatie</a:t>
+            </a:r>
+            <a:endParaRPr lang="en-US" dirty="0"/>
+          </a:p>
+          <a:p>
+            <a:r>
+              <a:rPr lang="en-US" dirty="0" err="1"/>
+              <a:t>Mutatie</a:t>
+            </a:r>
+            <a:r>
+              <a:rPr lang="en-US" dirty="0"/>
+              <a:t>: </a:t>
+            </a:r>
+            <a:r>
+              <a:rPr lang="en-US" dirty="0" err="1"/>
+              <a:t>hoeveel</a:t>
+            </a:r>
+            <a:r>
+              <a:rPr lang="en-US" dirty="0"/>
+              <a:t> </a:t>
+            </a:r>
+            <a:r>
+              <a:rPr lang="en-US" dirty="0" err="1"/>
+              <a:t>activiteiten</a:t>
+            </a:r>
+            <a:r>
+              <a:rPr lang="en-US" dirty="0"/>
+              <a:t> </a:t>
+            </a:r>
+            <a:r>
+              <a:rPr lang="en-US" dirty="0" err="1"/>
+              <a:t>wissel</a:t>
+            </a:r>
+            <a:r>
+              <a:rPr lang="en-US" dirty="0"/>
+              <a:t> je van </a:t>
+            </a:r>
+            <a:r>
+              <a:rPr lang="en-US" dirty="0" err="1"/>
+              <a:t>plaats</a:t>
+            </a:r>
+            <a:endParaRPr lang="en-US" dirty="0"/>
+          </a:p>
+          <a:p>
+            <a:pPr marL="0" indent="0">
+              <a:buNone/>
+            </a:pPr>
+            <a:endParaRPr lang="en-US" dirty="0"/>
+          </a:p>
+          <a:p>
+            <a:endParaRPr lang="en-US" dirty="0"/>
+          </a:p>
+        </p:txBody>
+      </p:sp>
+    </p:spTree>
+    <p:extLst>
+      <p:ext uri="{BB962C8B-B14F-4D97-AF65-F5344CB8AC3E}">
+        <p14:creationId xmlns:p14="http://schemas.microsoft.com/office/powerpoint/2010/main" val="2885184303"/>
       </p:ext>
     </p:extLst>
   </p:cSld>
@@ -3591,7 +3774,7 @@
               </a:p>
               <a:p>
                 <a14:m>
-                  <m:oMath xmlns:m="http://schemas.openxmlformats.org/officeDocument/2006/math" xmlns="">
+                  <m:oMath xmlns:m="http://schemas.openxmlformats.org/officeDocument/2006/math">
                     <m:f>
                       <m:fPr>
                         <m:ctrlPr>
@@ -3630,7 +3813,7 @@
                   <a:t> = </a:t>
                 </a:r>
                 <a14:m>
-                  <m:oMath xmlns:m="http://schemas.openxmlformats.org/officeDocument/2006/math" xmlns="">
+                  <m:oMath xmlns:m="http://schemas.openxmlformats.org/officeDocument/2006/math">
                     <m:d>
                       <m:dPr>
                         <m:ctrlPr>
@@ -4072,7 +4255,7 @@
           <p:cNvPr id="2" name="Title 1">
             <a:extLst>
               <a:ext uri="{FF2B5EF4-FFF2-40B4-BE49-F238E27FC236}">
-                <a16:creationId xmlns:a16="http://schemas.microsoft.com/office/drawing/2014/main" xmlns="" id="{0BF62A4E-B23F-4F14-A7B1-9B6EA711C2D0}"/>
+                <a16:creationId xmlns:a16="http://schemas.microsoft.com/office/drawing/2014/main" id="{0BF62A4E-B23F-4F14-A7B1-9B6EA711C2D0}"/>
               </a:ext>
             </a:extLst>
           </p:cNvPr>
@@ -4115,7 +4298,7 @@
           <p:cNvPr id="3" name="Content Placeholder 2">
             <a:extLst>
               <a:ext uri="{FF2B5EF4-FFF2-40B4-BE49-F238E27FC236}">
-                <a16:creationId xmlns:a16="http://schemas.microsoft.com/office/drawing/2014/main" xmlns="" id="{7B5F9899-C6DF-4605-B633-8CA4A52D1988}"/>
+                <a16:creationId xmlns:a16="http://schemas.microsoft.com/office/drawing/2014/main" id="{7B5F9899-C6DF-4605-B633-8CA4A52D1988}"/>
               </a:ext>
             </a:extLst>
           </p:cNvPr>
@@ -4192,7 +4375,7 @@
           <p:cNvPr id="6" name="Picture 5">
             <a:extLst>
               <a:ext uri="{FF2B5EF4-FFF2-40B4-BE49-F238E27FC236}">
-                <a16:creationId xmlns:a16="http://schemas.microsoft.com/office/drawing/2014/main" xmlns="" id="{9A9C98F5-A81B-4CA9-92E7-3FCED1BDAD6B}"/>
+                <a16:creationId xmlns:a16="http://schemas.microsoft.com/office/drawing/2014/main" id="{9A9C98F5-A81B-4CA9-92E7-3FCED1BDAD6B}"/>
               </a:ext>
             </a:extLst>
           </p:cNvPr>
@@ -4255,7 +4438,13 @@
       </p:grpSpPr>
       <p:sp>
         <p:nvSpPr>
-          <p:cNvPr id="2" name="Title 1"/>
+          <p:cNvPr id="2" name="Title 1">
+            <a:extLst>
+              <a:ext uri="{FF2B5EF4-FFF2-40B4-BE49-F238E27FC236}">
+                <a16:creationId xmlns:a16="http://schemas.microsoft.com/office/drawing/2014/main" id="{6B46E3DE-CADE-49FE-B25F-A92F95E9DD0C}"/>
+              </a:ext>
+            </a:extLst>
+          </p:cNvPr>
           <p:cNvSpPr>
             <a:spLocks noGrp="1"/>
           </p:cNvSpPr>
@@ -4265,276 +4454,123 @@
         </p:nvSpPr>
         <p:spPr/>
         <p:txBody>
+          <a:bodyPr/>
+          <a:lstStyle/>
+          <a:p>
+            <a:r>
+              <a:rPr lang="nl-NL" dirty="0"/>
+              <a:t>Algoritmes</a:t>
+            </a:r>
+          </a:p>
+        </p:txBody>
+      </p:sp>
+      <p:sp>
+        <p:nvSpPr>
+          <p:cNvPr id="3" name="Content Placeholder 2">
+            <a:extLst>
+              <a:ext uri="{FF2B5EF4-FFF2-40B4-BE49-F238E27FC236}">
+                <a16:creationId xmlns:a16="http://schemas.microsoft.com/office/drawing/2014/main" id="{4AB8BA1E-F4A5-469C-BEAB-D8E634BB9024}"/>
+              </a:ext>
+            </a:extLst>
+          </p:cNvPr>
+          <p:cNvSpPr>
+            <a:spLocks noGrp="1"/>
+          </p:cNvSpPr>
+          <p:nvPr>
+            <p:ph idx="1"/>
+          </p:nvPr>
+        </p:nvSpPr>
+        <p:spPr/>
+        <p:txBody>
           <a:bodyPr>
-            <a:normAutofit fontScale="90000"/>
+            <a:normAutofit fontScale="92500" lnSpcReduction="20000"/>
           </a:bodyPr>
           <a:lstStyle/>
           <a:p>
             <a:r>
-              <a:rPr lang="en-US" dirty="0" smtClean="0"/>
-              <a:t>Genetic algorithm - </a:t>
-            </a:r>
-            <a:r>
-              <a:rPr lang="en-US" dirty="0"/>
-              <a:t>Principe</a:t>
-            </a:r>
-            <a:br>
-              <a:rPr lang="en-US" dirty="0"/>
-            </a:br>
-            <a:endParaRPr lang="en-US" dirty="0"/>
-          </a:p>
-        </p:txBody>
-      </p:sp>
-      <p:sp>
-        <p:nvSpPr>
-          <p:cNvPr id="3" name="Content Placeholder 2"/>
-          <p:cNvSpPr>
-            <a:spLocks noGrp="1"/>
-          </p:cNvSpPr>
-          <p:nvPr>
-            <p:ph idx="1"/>
-          </p:nvPr>
-        </p:nvSpPr>
-        <p:spPr/>
-        <p:txBody>
-          <a:bodyPr/>
-          <a:lstStyle/>
-          <a:p>
-            <a:r>
-              <a:rPr lang="en-US" dirty="0" err="1" smtClean="0"/>
-              <a:t>Neem</a:t>
-            </a:r>
-            <a:r>
-              <a:rPr lang="en-US" dirty="0" smtClean="0"/>
-              <a:t> 2 </a:t>
-            </a:r>
-            <a:r>
-              <a:rPr lang="en-US" dirty="0" err="1" smtClean="0"/>
-              <a:t>ouders</a:t>
-            </a:r>
-            <a:endParaRPr lang="en-US" dirty="0" smtClean="0"/>
-          </a:p>
-          <a:p>
-            <a:r>
-              <a:rPr lang="en-US" dirty="0" smtClean="0"/>
-              <a:t>Random </a:t>
-            </a:r>
-            <a:r>
-              <a:rPr lang="en-US" dirty="0" err="1" smtClean="0"/>
-              <a:t>keuze</a:t>
-            </a:r>
-            <a:r>
-              <a:rPr lang="en-US" dirty="0" smtClean="0"/>
-              <a:t> </a:t>
-            </a:r>
-            <a:r>
-              <a:rPr lang="en-US" dirty="0" err="1" smtClean="0"/>
-              <a:t>tussen</a:t>
-            </a:r>
-            <a:r>
-              <a:rPr lang="en-US" dirty="0" smtClean="0"/>
-              <a:t> </a:t>
-            </a:r>
-            <a:r>
-              <a:rPr lang="en-US" dirty="0" err="1" smtClean="0"/>
-              <a:t>recombinatie</a:t>
-            </a:r>
-            <a:r>
-              <a:rPr lang="en-US" dirty="0" smtClean="0"/>
-              <a:t> of </a:t>
-            </a:r>
-            <a:r>
-              <a:rPr lang="en-US" dirty="0" err="1" smtClean="0"/>
-              <a:t>mutatie</a:t>
-            </a:r>
-            <a:endParaRPr lang="en-US" dirty="0" smtClean="0"/>
-          </a:p>
-          <a:p>
-            <a:r>
-              <a:rPr lang="en-US" dirty="0" err="1" smtClean="0"/>
-              <a:t>Oudesr</a:t>
-            </a:r>
-            <a:r>
-              <a:rPr lang="en-US" dirty="0" smtClean="0"/>
-              <a:t> </a:t>
-            </a:r>
-            <a:r>
-              <a:rPr lang="en-US" dirty="0" err="1" smtClean="0"/>
-              <a:t>krijgen</a:t>
-            </a:r>
-            <a:r>
-              <a:rPr lang="en-US" dirty="0" smtClean="0"/>
-              <a:t> </a:t>
-            </a:r>
-            <a:r>
-              <a:rPr lang="en-US" dirty="0" err="1" smtClean="0"/>
-              <a:t>zo</a:t>
-            </a:r>
-            <a:r>
-              <a:rPr lang="en-US" dirty="0" smtClean="0"/>
-              <a:t> twee </a:t>
-            </a:r>
-            <a:r>
-              <a:rPr lang="en-US" dirty="0" err="1" smtClean="0"/>
-              <a:t>kinderen</a:t>
-            </a:r>
-            <a:endParaRPr lang="en-US" dirty="0" smtClean="0"/>
-          </a:p>
-          <a:p>
-            <a:r>
-              <a:rPr lang="en-US" dirty="0" smtClean="0"/>
-              <a:t>2 </a:t>
-            </a:r>
-            <a:r>
-              <a:rPr lang="en-US" dirty="0" err="1" smtClean="0"/>
-              <a:t>kinderen</a:t>
-            </a:r>
-            <a:r>
-              <a:rPr lang="en-US" dirty="0" smtClean="0"/>
-              <a:t> en 2 </a:t>
-            </a:r>
-            <a:r>
-              <a:rPr lang="en-US" dirty="0" err="1" smtClean="0"/>
-              <a:t>ouders</a:t>
-            </a:r>
-            <a:endParaRPr lang="en-US" dirty="0" smtClean="0"/>
-          </a:p>
-          <a:p>
-            <a:r>
-              <a:rPr lang="en-US" dirty="0" err="1" smtClean="0"/>
-              <a:t>Kies</a:t>
-            </a:r>
-            <a:r>
-              <a:rPr lang="en-US" dirty="0" smtClean="0"/>
-              <a:t> de </a:t>
-            </a:r>
-            <a:r>
-              <a:rPr lang="en-US" dirty="0" err="1" smtClean="0"/>
-              <a:t>beste</a:t>
-            </a:r>
-            <a:r>
-              <a:rPr lang="en-US" dirty="0" smtClean="0"/>
-              <a:t> </a:t>
-            </a:r>
-            <a:r>
-              <a:rPr lang="en-US" dirty="0" err="1" smtClean="0"/>
-              <a:t>om</a:t>
-            </a:r>
-            <a:r>
-              <a:rPr lang="en-US" dirty="0" smtClean="0"/>
-              <a:t> 2 </a:t>
-            </a:r>
-            <a:r>
-              <a:rPr lang="en-US" dirty="0" err="1" smtClean="0"/>
-              <a:t>om</a:t>
-            </a:r>
-            <a:r>
-              <a:rPr lang="en-US" dirty="0" smtClean="0"/>
-              <a:t> </a:t>
-            </a:r>
-            <a:r>
-              <a:rPr lang="en-US" dirty="0" err="1" smtClean="0"/>
-              <a:t>als</a:t>
-            </a:r>
-            <a:r>
-              <a:rPr lang="en-US" dirty="0" smtClean="0"/>
-              <a:t> </a:t>
-            </a:r>
-            <a:r>
-              <a:rPr lang="en-US" dirty="0" err="1" smtClean="0"/>
-              <a:t>ouder</a:t>
-            </a:r>
-            <a:r>
-              <a:rPr lang="en-US" dirty="0" smtClean="0"/>
-              <a:t> </a:t>
-            </a:r>
-            <a:r>
-              <a:rPr lang="en-US" dirty="0" err="1" smtClean="0"/>
-              <a:t>te</a:t>
-            </a:r>
-            <a:r>
-              <a:rPr lang="en-US" dirty="0" smtClean="0"/>
-              <a:t> </a:t>
-            </a:r>
-            <a:r>
-              <a:rPr lang="en-US" dirty="0" err="1" smtClean="0"/>
-              <a:t>dienen</a:t>
-            </a:r>
-            <a:r>
-              <a:rPr lang="en-US" dirty="0" smtClean="0"/>
-              <a:t> </a:t>
-            </a:r>
-            <a:r>
-              <a:rPr lang="en-US" dirty="0" err="1" smtClean="0"/>
-              <a:t>voor</a:t>
-            </a:r>
-            <a:r>
-              <a:rPr lang="en-US" dirty="0" smtClean="0"/>
-              <a:t> de </a:t>
-            </a:r>
-            <a:r>
-              <a:rPr lang="en-US" dirty="0" err="1" smtClean="0"/>
-              <a:t>volgende</a:t>
-            </a:r>
-            <a:r>
-              <a:rPr lang="en-US" dirty="0" smtClean="0"/>
-              <a:t> </a:t>
-            </a:r>
-            <a:r>
-              <a:rPr lang="en-US" dirty="0" err="1" smtClean="0"/>
-              <a:t>interatie</a:t>
-            </a:r>
-            <a:endParaRPr lang="en-US" dirty="0" smtClean="0"/>
-          </a:p>
-          <a:p>
-            <a:r>
-              <a:rPr lang="en-US" dirty="0" err="1" smtClean="0"/>
-              <a:t>Herhaal</a:t>
-            </a:r>
-            <a:r>
-              <a:rPr lang="en-US" dirty="0" smtClean="0"/>
-              <a:t> </a:t>
-            </a:r>
-            <a:r>
-              <a:rPr lang="en-US" dirty="0" err="1" smtClean="0"/>
-              <a:t>dit</a:t>
-            </a:r>
-            <a:r>
-              <a:rPr lang="en-US" dirty="0" smtClean="0"/>
-              <a:t> </a:t>
-            </a:r>
-            <a:r>
-              <a:rPr lang="en-US" dirty="0" err="1" smtClean="0"/>
-              <a:t>totdat</a:t>
-            </a:r>
-            <a:r>
-              <a:rPr lang="en-US" dirty="0" smtClean="0"/>
-              <a:t> stop </a:t>
-            </a:r>
-            <a:r>
-              <a:rPr lang="en-US" dirty="0" err="1" smtClean="0"/>
-              <a:t>conditie</a:t>
-            </a:r>
-            <a:r>
-              <a:rPr lang="en-US" dirty="0" smtClean="0"/>
-              <a:t> is </a:t>
-            </a:r>
-            <a:r>
-              <a:rPr lang="en-US" dirty="0" err="1" smtClean="0"/>
-              <a:t>bereikt</a:t>
-            </a:r>
-            <a:endParaRPr lang="en-US" dirty="0" smtClean="0"/>
+              <a:rPr lang="nl-NL" dirty="0"/>
+              <a:t>Constructive algoritme</a:t>
+            </a:r>
           </a:p>
           <a:p>
             <a:pPr lvl="1"/>
-            <a:endParaRPr lang="en-US" dirty="0"/>
+            <a:r>
+              <a:rPr lang="nl-NL" dirty="0"/>
+              <a:t>Depth-first:</a:t>
+            </a:r>
+          </a:p>
+          <a:p>
+            <a:pPr lvl="2"/>
+            <a:r>
+              <a:rPr lang="nl-NL" dirty="0"/>
+              <a:t>Nadeel: te grote toestandsruimte</a:t>
+            </a:r>
+          </a:p>
+          <a:p>
+            <a:pPr lvl="2"/>
+            <a:endParaRPr lang="nl-NL" dirty="0"/>
+          </a:p>
+          <a:p>
+            <a:r>
+              <a:rPr lang="nl-NL" dirty="0"/>
+              <a:t>Search algoritme</a:t>
+            </a:r>
+          </a:p>
+          <a:p>
+            <a:pPr lvl="1"/>
+            <a:r>
+              <a:rPr lang="nl-NL" dirty="0"/>
+              <a:t>Hill climbing:</a:t>
+            </a:r>
+          </a:p>
+          <a:p>
+            <a:pPr lvl="2"/>
+            <a:r>
+              <a:rPr lang="nl-NL" dirty="0"/>
+              <a:t>Nadeel: lokale optima</a:t>
+            </a:r>
+          </a:p>
+          <a:p>
+            <a:pPr lvl="1"/>
+            <a:r>
+              <a:rPr lang="nl-NL" dirty="0"/>
+              <a:t>Tabu search:</a:t>
+            </a:r>
+          </a:p>
+          <a:p>
+            <a:pPr lvl="2"/>
+            <a:r>
+              <a:rPr lang="nl-NL" dirty="0"/>
+              <a:t>Veel rekentijd en geheugengebruik</a:t>
+            </a:r>
+          </a:p>
+          <a:p>
+            <a:pPr lvl="1"/>
+            <a:r>
+              <a:rPr lang="nl-NL" dirty="0"/>
+              <a:t>Simulated annealing:</a:t>
+            </a:r>
+          </a:p>
+          <a:p>
+            <a:pPr lvl="2"/>
+            <a:r>
+              <a:rPr lang="nl-NL" dirty="0"/>
+              <a:t>Probabilistisch en goed voor grote toestandsruimte</a:t>
+            </a:r>
+          </a:p>
+          <a:p>
+            <a:pPr lvl="1"/>
+            <a:r>
+              <a:rPr lang="nl-NL" dirty="0"/>
+              <a:t>Genetic algorithm</a:t>
+            </a:r>
           </a:p>
         </p:txBody>
       </p:sp>
     </p:spTree>
     <p:extLst>
       <p:ext uri="{BB962C8B-B14F-4D97-AF65-F5344CB8AC3E}">
-        <p14:creationId xmlns:p14="http://schemas.microsoft.com/office/powerpoint/2010/main" val="4126143302"/>
+        <p14:creationId xmlns:p14="http://schemas.microsoft.com/office/powerpoint/2010/main" val="3723205344"/>
       </p:ext>
     </p:extLst>
   </p:cSld>
@@ -4579,17 +4615,317 @@
           <a:lstStyle/>
           <a:p>
             <a:r>
-              <a:rPr lang="en-US" dirty="0" smtClean="0"/>
+              <a:rPr lang="en-US" dirty="0"/>
+              <a:t>Genetic algorithm - Principe</a:t>
+            </a:r>
+            <a:br>
+              <a:rPr lang="en-US" dirty="0"/>
+            </a:br>
+            <a:endParaRPr lang="en-US" dirty="0"/>
+          </a:p>
+        </p:txBody>
+      </p:sp>
+      <p:sp>
+        <p:nvSpPr>
+          <p:cNvPr id="3" name="Content Placeholder 2"/>
+          <p:cNvSpPr>
+            <a:spLocks noGrp="1"/>
+          </p:cNvSpPr>
+          <p:nvPr>
+            <p:ph idx="1"/>
+          </p:nvPr>
+        </p:nvSpPr>
+        <p:spPr/>
+        <p:txBody>
+          <a:bodyPr/>
+          <a:lstStyle/>
+          <a:p>
+            <a:r>
+              <a:rPr lang="en-US" dirty="0" err="1"/>
+              <a:t>Neem</a:t>
+            </a:r>
+            <a:r>
+              <a:rPr lang="en-US" dirty="0"/>
+              <a:t> 2 </a:t>
+            </a:r>
+            <a:r>
+              <a:rPr lang="en-US" dirty="0" err="1"/>
+              <a:t>ouders</a:t>
+            </a:r>
+            <a:endParaRPr lang="en-US" dirty="0"/>
+          </a:p>
+          <a:p>
+            <a:r>
+              <a:rPr lang="en-US" dirty="0"/>
+              <a:t>Random </a:t>
+            </a:r>
+            <a:r>
+              <a:rPr lang="en-US" dirty="0" err="1"/>
+              <a:t>keuze</a:t>
+            </a:r>
+            <a:r>
+              <a:rPr lang="en-US" dirty="0"/>
+              <a:t> </a:t>
+            </a:r>
+            <a:r>
+              <a:rPr lang="en-US" dirty="0" err="1"/>
+              <a:t>tussen</a:t>
+            </a:r>
+            <a:r>
+              <a:rPr lang="en-US" dirty="0"/>
+              <a:t> </a:t>
+            </a:r>
+            <a:r>
+              <a:rPr lang="en-US" dirty="0" err="1"/>
+              <a:t>recombinatie</a:t>
+            </a:r>
+            <a:r>
+              <a:rPr lang="en-US" dirty="0"/>
+              <a:t> of </a:t>
+            </a:r>
+            <a:r>
+              <a:rPr lang="en-US" dirty="0" err="1"/>
+              <a:t>mutatie</a:t>
+            </a:r>
+            <a:endParaRPr lang="en-US" dirty="0"/>
+          </a:p>
+          <a:p>
+            <a:r>
+              <a:rPr lang="en-US" dirty="0" err="1"/>
+              <a:t>Oudesr</a:t>
+            </a:r>
+            <a:r>
+              <a:rPr lang="en-US" dirty="0"/>
+              <a:t> </a:t>
+            </a:r>
+            <a:r>
+              <a:rPr lang="en-US" dirty="0" err="1"/>
+              <a:t>krijgen</a:t>
+            </a:r>
+            <a:r>
+              <a:rPr lang="en-US" dirty="0"/>
+              <a:t> </a:t>
+            </a:r>
+            <a:r>
+              <a:rPr lang="en-US" dirty="0" err="1"/>
+              <a:t>zo</a:t>
+            </a:r>
+            <a:r>
+              <a:rPr lang="en-US" dirty="0"/>
+              <a:t> twee </a:t>
+            </a:r>
+            <a:r>
+              <a:rPr lang="en-US" dirty="0" err="1"/>
+              <a:t>kinderen</a:t>
+            </a:r>
+            <a:endParaRPr lang="en-US" dirty="0"/>
+          </a:p>
+          <a:p>
+            <a:r>
+              <a:rPr lang="en-US" dirty="0"/>
+              <a:t>2 </a:t>
+            </a:r>
+            <a:r>
+              <a:rPr lang="en-US" dirty="0" err="1"/>
+              <a:t>kinderen</a:t>
+            </a:r>
+            <a:r>
+              <a:rPr lang="en-US" dirty="0"/>
+              <a:t> en 2 </a:t>
+            </a:r>
+            <a:r>
+              <a:rPr lang="en-US" dirty="0" err="1"/>
+              <a:t>ouders</a:t>
+            </a:r>
+            <a:endParaRPr lang="en-US" dirty="0"/>
+          </a:p>
+          <a:p>
+            <a:r>
+              <a:rPr lang="en-US" dirty="0" err="1"/>
+              <a:t>Kies</a:t>
+            </a:r>
+            <a:r>
+              <a:rPr lang="en-US" dirty="0"/>
+              <a:t> de </a:t>
+            </a:r>
+            <a:r>
+              <a:rPr lang="en-US" dirty="0" err="1"/>
+              <a:t>beste</a:t>
+            </a:r>
+            <a:r>
+              <a:rPr lang="en-US" dirty="0"/>
+              <a:t> </a:t>
+            </a:r>
+            <a:r>
+              <a:rPr lang="en-US" dirty="0" err="1"/>
+              <a:t>om</a:t>
+            </a:r>
+            <a:r>
+              <a:rPr lang="en-US" dirty="0"/>
+              <a:t> 2 </a:t>
+            </a:r>
+            <a:r>
+              <a:rPr lang="en-US" dirty="0" err="1"/>
+              <a:t>om</a:t>
+            </a:r>
+            <a:r>
+              <a:rPr lang="en-US" dirty="0"/>
+              <a:t> </a:t>
+            </a:r>
+            <a:r>
+              <a:rPr lang="en-US" dirty="0" err="1"/>
+              <a:t>als</a:t>
+            </a:r>
+            <a:r>
+              <a:rPr lang="en-US" dirty="0"/>
+              <a:t> </a:t>
+            </a:r>
+            <a:r>
+              <a:rPr lang="en-US" dirty="0" err="1"/>
+              <a:t>ouder</a:t>
+            </a:r>
+            <a:r>
+              <a:rPr lang="en-US" dirty="0"/>
+              <a:t> </a:t>
+            </a:r>
+            <a:r>
+              <a:rPr lang="en-US" dirty="0" err="1"/>
+              <a:t>te</a:t>
+            </a:r>
+            <a:r>
+              <a:rPr lang="en-US" dirty="0"/>
+              <a:t> </a:t>
+            </a:r>
+            <a:r>
+              <a:rPr lang="en-US" dirty="0" err="1"/>
+              <a:t>dienen</a:t>
+            </a:r>
+            <a:r>
+              <a:rPr lang="en-US" dirty="0"/>
+              <a:t> </a:t>
+            </a:r>
+            <a:r>
+              <a:rPr lang="en-US" dirty="0" err="1"/>
+              <a:t>voor</a:t>
+            </a:r>
+            <a:r>
+              <a:rPr lang="en-US" dirty="0"/>
+              <a:t> de </a:t>
+            </a:r>
+            <a:r>
+              <a:rPr lang="en-US" dirty="0" err="1"/>
+              <a:t>volgende</a:t>
+            </a:r>
+            <a:r>
+              <a:rPr lang="en-US" dirty="0"/>
+              <a:t> </a:t>
+            </a:r>
+            <a:r>
+              <a:rPr lang="en-US" dirty="0" err="1"/>
+              <a:t>interatie</a:t>
+            </a:r>
+            <a:endParaRPr lang="en-US" dirty="0"/>
+          </a:p>
+          <a:p>
+            <a:r>
+              <a:rPr lang="en-US" dirty="0" err="1"/>
+              <a:t>Herhaal</a:t>
+            </a:r>
+            <a:r>
+              <a:rPr lang="en-US" dirty="0"/>
+              <a:t> </a:t>
+            </a:r>
+            <a:r>
+              <a:rPr lang="en-US" dirty="0" err="1"/>
+              <a:t>dit</a:t>
+            </a:r>
+            <a:r>
+              <a:rPr lang="en-US" dirty="0"/>
+              <a:t> </a:t>
+            </a:r>
+            <a:r>
+              <a:rPr lang="en-US" dirty="0" err="1"/>
+              <a:t>totdat</a:t>
+            </a:r>
+            <a:r>
+              <a:rPr lang="en-US" dirty="0"/>
+              <a:t> stop </a:t>
+            </a:r>
+            <a:r>
+              <a:rPr lang="en-US" dirty="0" err="1"/>
+              <a:t>conditie</a:t>
+            </a:r>
+            <a:r>
+              <a:rPr lang="en-US" dirty="0"/>
+              <a:t> is </a:t>
+            </a:r>
+            <a:r>
+              <a:rPr lang="en-US" dirty="0" err="1"/>
+              <a:t>bereikt</a:t>
+            </a:r>
+            <a:endParaRPr lang="en-US" dirty="0"/>
+          </a:p>
+          <a:p>
+            <a:pPr lvl="1"/>
+            <a:endParaRPr lang="en-US" dirty="0"/>
+          </a:p>
+        </p:txBody>
+      </p:sp>
+    </p:spTree>
+    <p:extLst>
+      <p:ext uri="{BB962C8B-B14F-4D97-AF65-F5344CB8AC3E}">
+        <p14:creationId xmlns:p14="http://schemas.microsoft.com/office/powerpoint/2010/main" val="4126143302"/>
+      </p:ext>
+    </p:extLst>
+  </p:cSld>
+  <p:clrMapOvr>
+    <a:masterClrMapping/>
+  </p:clrMapOvr>
+</p:sld>
+</file>
+
+<file path=ppt/slides/slide8.xml><?xml version="1.0" encoding="utf-8"?>
+<p:sld xmlns:a="http://schemas.openxmlformats.org/drawingml/2006/main" xmlns:r="http://schemas.openxmlformats.org/officeDocument/2006/relationships" xmlns:p="http://schemas.openxmlformats.org/presentationml/2006/main">
+  <p:cSld>
+    <p:spTree>
+      <p:nvGrpSpPr>
+        <p:cNvPr id="1" name=""/>
+        <p:cNvGrpSpPr/>
+        <p:nvPr/>
+      </p:nvGrpSpPr>
+      <p:grpSpPr>
+        <a:xfrm>
+          <a:off x="0" y="0"/>
+          <a:ext cx="0" cy="0"/>
+          <a:chOff x="0" y="0"/>
+          <a:chExt cx="0" cy="0"/>
+        </a:xfrm>
+      </p:grpSpPr>
+      <p:sp>
+        <p:nvSpPr>
+          <p:cNvPr id="2" name="Title 1"/>
+          <p:cNvSpPr>
+            <a:spLocks noGrp="1"/>
+          </p:cNvSpPr>
+          <p:nvPr>
+            <p:ph type="title"/>
+          </p:nvPr>
+        </p:nvSpPr>
+        <p:spPr/>
+        <p:txBody>
+          <a:bodyPr>
+            <a:normAutofit fontScale="90000"/>
+          </a:bodyPr>
+          <a:lstStyle/>
+          <a:p>
+            <a:r>
+              <a:rPr lang="en-US" dirty="0"/>
               <a:t>Genetic algorithm - </a:t>
             </a:r>
             <a:r>
               <a:rPr lang="en-US" dirty="0" err="1"/>
               <a:t>Mutatie</a:t>
             </a:r>
-            <a:r>
-              <a:rPr lang="en-US" dirty="0"/>
-              <a:t/>
-            </a:r>
             <a:br>
               <a:rPr lang="en-US" dirty="0"/>
             </a:br>
@@ -4613,85 +4949,84 @@
           <a:lstStyle/>
           <a:p>
             <a:r>
-              <a:rPr lang="en-US" dirty="0" err="1" smtClean="0"/>
+              <a:rPr lang="en-US" dirty="0" err="1"/>
               <a:t>Mutatie</a:t>
             </a:r>
             <a:r>
-              <a:rPr lang="en-US" dirty="0" smtClean="0"/>
+              <a:rPr lang="en-US" dirty="0"/>
               <a:t> </a:t>
             </a:r>
             <a:r>
-              <a:rPr lang="en-US" dirty="0" err="1" smtClean="0"/>
+              <a:rPr lang="en-US" dirty="0" err="1"/>
               <a:t>binnen</a:t>
             </a:r>
             <a:r>
-              <a:rPr lang="en-US" dirty="0" smtClean="0"/>
+              <a:rPr lang="en-US" dirty="0"/>
               <a:t> de </a:t>
             </a:r>
             <a:r>
-              <a:rPr lang="en-US" dirty="0" err="1" smtClean="0"/>
+              <a:rPr lang="en-US" dirty="0" err="1"/>
               <a:t>ouder</a:t>
             </a:r>
-            <a:endParaRPr lang="en-US" dirty="0" smtClean="0"/>
-          </a:p>
-          <a:p>
-            <a:r>
-              <a:rPr lang="en-US" dirty="0" err="1" smtClean="0"/>
+            <a:endParaRPr lang="en-US" dirty="0"/>
+          </a:p>
+          <a:p>
+            <a:r>
+              <a:rPr lang="en-US" dirty="0" err="1"/>
               <a:t>Neem</a:t>
             </a:r>
             <a:r>
-              <a:rPr lang="en-US" dirty="0" smtClean="0"/>
+              <a:rPr lang="en-US" dirty="0"/>
               <a:t> </a:t>
             </a:r>
             <a:r>
-              <a:rPr lang="en-US" dirty="0" err="1" smtClean="0"/>
+              <a:rPr lang="en-US" dirty="0" err="1"/>
               <a:t>een</a:t>
             </a:r>
             <a:r>
-              <a:rPr lang="en-US" dirty="0" smtClean="0"/>
+              <a:rPr lang="en-US" dirty="0"/>
               <a:t> rooster</a:t>
             </a:r>
           </a:p>
           <a:p>
             <a:r>
-              <a:rPr lang="en-US" dirty="0" err="1" smtClean="0"/>
+              <a:rPr lang="en-US" dirty="0" err="1"/>
               <a:t>Wissel</a:t>
             </a:r>
             <a:r>
-              <a:rPr lang="en-US" dirty="0" smtClean="0"/>
+              <a:rPr lang="en-US" dirty="0"/>
               <a:t> twee </a:t>
             </a:r>
             <a:r>
-              <a:rPr lang="en-US" dirty="0" err="1" smtClean="0"/>
+              <a:rPr lang="en-US" dirty="0" err="1"/>
               <a:t>vakken</a:t>
             </a:r>
             <a:r>
-              <a:rPr lang="en-US" dirty="0" smtClean="0"/>
+              <a:rPr lang="en-US" dirty="0"/>
               <a:t> </a:t>
             </a:r>
             <a:r>
-              <a:rPr lang="en-US" dirty="0" err="1" smtClean="0"/>
+              <a:rPr lang="en-US" dirty="0" err="1"/>
               <a:t>willekeurig</a:t>
             </a:r>
             <a:r>
-              <a:rPr lang="en-US" dirty="0" smtClean="0"/>
+              <a:rPr lang="en-US" dirty="0"/>
               <a:t> </a:t>
             </a:r>
             <a:r>
-              <a:rPr lang="en-US" dirty="0" err="1" smtClean="0"/>
+              <a:rPr lang="en-US" dirty="0" err="1"/>
               <a:t>om</a:t>
             </a:r>
-            <a:endParaRPr lang="en-US" dirty="0" smtClean="0"/>
+            <a:endParaRPr lang="en-US" dirty="0"/>
           </a:p>
           <a:p>
             <a:pPr marL="530352" lvl="1" indent="0">
               <a:buNone/>
             </a:pPr>
             <a:r>
-              <a:rPr lang="en-US" dirty="0" smtClean="0"/>
+              <a:rPr lang="en-US" dirty="0"/>
               <a:t> </a:t>
             </a:r>
-            <a:endParaRPr lang="en-US" dirty="0"/>
           </a:p>
         </p:txBody>
       </p:sp>
@@ -4732,7 +5067,7 @@
 </p:sld>
 </file>
 
-<file path=ppt/slides/slide8.xml><?xml version="1.0" encoding="utf-8"?>
+<file path=ppt/slides/slide9.xml><?xml version="1.0" encoding="utf-8"?>
 <p:sld xmlns:a="http://schemas.openxmlformats.org/drawingml/2006/main" xmlns:r="http://schemas.openxmlformats.org/officeDocument/2006/relationships" xmlns:p="http://schemas.openxmlformats.org/presentationml/2006/main">
   <p:cSld>
     <p:spTree>
@@ -4767,16 +5102,12 @@
           <a:lstStyle/>
           <a:p>
             <a:r>
-              <a:rPr lang="en-US" dirty="0" smtClean="0"/>
+              <a:rPr lang="en-US" dirty="0"/>
               <a:t>Genetic algorithm - </a:t>
             </a:r>
             <a:r>
               <a:rPr lang="en-US" dirty="0" err="1"/>
               <a:t>Recombinatie</a:t>
-            </a:r>
-            <a:r>
-              <a:rPr lang="en-US" dirty="0"/>
-              <a:t/>
             </a:r>
             <a:br>
               <a:rPr lang="en-US" dirty="0"/>
@@ -4803,51 +5134,27 @@
         </p:spPr>
         <p:txBody>
           <a:bodyPr>
-            <a:normAutofit fontScale="85000" lnSpcReduction="10000"/>
+            <a:normAutofit fontScale="92500" lnSpcReduction="20000"/>
           </a:bodyPr>
           <a:lstStyle/>
           <a:p>
             <a:r>
-              <a:rPr lang="nl-NL" dirty="0" smtClean="0"/>
-              <a:t>selecteer </a:t>
-            </a:r>
-            <a:r>
               <a:rPr lang="nl-NL" dirty="0"/>
-              <a:t>een random aantal </a:t>
-            </a:r>
-            <a:r>
-              <a:rPr lang="nl-NL" dirty="0" smtClean="0"/>
-              <a:t>activiteiten van ouder-1</a:t>
+              <a:t>selecteer een random aantal activiteiten van ouder-1</a:t>
             </a:r>
           </a:p>
           <a:p>
             <a:pPr lvl="0"/>
             <a:r>
-              <a:rPr lang="nl-NL" dirty="0" smtClean="0"/>
-              <a:t>Kopieer </a:t>
-            </a:r>
-            <a:r>
               <a:rPr lang="nl-NL" dirty="0"/>
-              <a:t>deze random </a:t>
-            </a:r>
-            <a:r>
-              <a:rPr lang="nl-NL" dirty="0" smtClean="0"/>
-              <a:t>activiteiten naar </a:t>
+              <a:t>Kopieer deze random activiteiten naar een nieuw kind-rooster op precies hetzelfde </a:t>
+            </a:r>
+            <a:r>
+              <a:rPr lang="nl-NL" dirty="0" err="1"/>
+              <a:t>zaalslot</a:t>
             </a:r>
             <a:r>
               <a:rPr lang="nl-NL" dirty="0"/>
-              <a:t>een nieuw kind-</a:t>
-            </a:r>
-            <a:r>
-              <a:rPr lang="nl-NL" dirty="0" smtClean="0"/>
-              <a:t>rooster op precies hetzelfde </a:t>
-            </a:r>
-            <a:r>
-              <a:rPr lang="nl-NL" dirty="0" err="1" smtClean="0"/>
-              <a:t>zaalslot</a:t>
-            </a:r>
-            <a:r>
-              <a:rPr lang="nl-NL" dirty="0" smtClean="0"/>
               <a:t> (tijd en zaal)</a:t>
             </a:r>
             <a:endParaRPr lang="en-US" dirty="0"/>
@@ -4856,47 +5163,15 @@
             <a:pPr lvl="0"/>
             <a:r>
               <a:rPr lang="nl-NL" dirty="0"/>
-              <a:t>Bij ouder</a:t>
-            </a:r>
-            <a:r>
-              <a:rPr lang="nl-NL" dirty="0" smtClean="0"/>
-              <a:t>-2 </a:t>
-            </a:r>
+              <a:t>Bij ouder-2 verwijder alle activiteiten die al zijn geplaatst door ouder-1</a:t>
+            </a:r>
+            <a:endParaRPr lang="en-US" dirty="0"/>
+          </a:p>
+          <a:p>
+            <a:pPr lvl="0"/>
             <a:r>
               <a:rPr lang="nl-NL" dirty="0"/>
-              <a:t>verwijder alle </a:t>
-            </a:r>
-            <a:r>
-              <a:rPr lang="nl-NL" dirty="0" smtClean="0"/>
-              <a:t>activiteiten die </a:t>
-            </a:r>
-            <a:r>
-              <a:rPr lang="nl-NL" dirty="0"/>
-              <a:t>al zijn geplaatst door </a:t>
-            </a:r>
-            <a:r>
-              <a:rPr lang="nl-NL" dirty="0" smtClean="0"/>
-              <a:t>ouder-</a:t>
-            </a:r>
-            <a:r>
-              <a:rPr lang="nl-NL" dirty="0"/>
-              <a:t>1</a:t>
-            </a:r>
-            <a:endParaRPr lang="en-US" dirty="0"/>
-          </a:p>
-          <a:p>
-            <a:pPr lvl="0"/>
-            <a:r>
-              <a:rPr lang="nl-NL" dirty="0"/>
-              <a:t>Plaats de overgebleven </a:t>
-            </a:r>
-            <a:r>
-              <a:rPr lang="nl-NL" dirty="0" smtClean="0"/>
-              <a:t>activiteiten van rooster-2 </a:t>
-            </a:r>
-            <a:r>
-              <a:rPr lang="nl-NL" dirty="0"/>
-              <a:t>in het kind-rooster, als er </a:t>
+              <a:t>Plaats de overgebleven activiteiten van rooster-2 in het kind-rooster, als er </a:t>
             </a:r>
             <a:r>
               <a:rPr lang="nl-NL" dirty="0" err="1"/>
@@ -4928,19 +5203,7 @@
             <a:pPr lvl="0"/>
             <a:r>
               <a:rPr lang="nl-NL" dirty="0"/>
-              <a:t>Herhaal de stappen, maar begin dan met ouder</a:t>
-            </a:r>
-            <a:r>
-              <a:rPr lang="nl-NL" dirty="0" smtClean="0"/>
-              <a:t>-r2 in plaats </a:t>
-            </a:r>
-            <a:r>
-              <a:rPr lang="nl-NL" dirty="0"/>
-              <a:t>van ouder</a:t>
-            </a:r>
-            <a:r>
-              <a:rPr lang="nl-NL" dirty="0" smtClean="0"/>
-              <a:t>-1</a:t>
+              <a:t>Herhaal de stappen, maar begin dan met ouder-r2 in plaats van ouder-1</a:t>
             </a:r>
             <a:endParaRPr lang="en-US" dirty="0"/>
           </a:p>
@@ -4978,192 +5241,6 @@
     <p:extLst>
       <p:ext uri="{BB962C8B-B14F-4D97-AF65-F5344CB8AC3E}">
         <p14:creationId xmlns:p14="http://schemas.microsoft.com/office/powerpoint/2010/main" val="3954526477"/>
-      </p:ext>
-    </p:extLst>
-  </p:cSld>
-  <p:clrMapOvr>
-    <a:masterClrMapping/>
-  </p:clrMapOvr>
-</p:sld>
-</file>
-
-<file path=ppt/slides/slide9.xml><?xml version="1.0" encoding="utf-8"?>
-<p:sld xmlns:a="http://schemas.openxmlformats.org/drawingml/2006/main" xmlns:r="http://schemas.openxmlformats.org/officeDocument/2006/relationships" xmlns:p="http://schemas.openxmlformats.org/presentationml/2006/main">
-  <p:cSld>
-    <p:spTree>
-      <p:nvGrpSpPr>
-        <p:cNvPr id="1" name=""/>
-        <p:cNvGrpSpPr/>
-        <p:nvPr/>
-      </p:nvGrpSpPr>
-      <p:grpSpPr>
-        <a:xfrm>
-          <a:off x="0" y="0"/>
-          <a:ext cx="0" cy="0"/>
-          <a:chOff x="0" y="0"/>
-          <a:chExt cx="0" cy="0"/>
-        </a:xfrm>
-      </p:grpSpPr>
-      <p:sp>
-        <p:nvSpPr>
-          <p:cNvPr id="2" name="Title 1"/>
-          <p:cNvSpPr>
-            <a:spLocks noGrp="1"/>
-          </p:cNvSpPr>
-          <p:nvPr>
-            <p:ph type="title"/>
-          </p:nvPr>
-        </p:nvSpPr>
-        <p:spPr/>
-        <p:txBody>
-          <a:bodyPr>
-            <a:normAutofit fontScale="90000"/>
-          </a:bodyPr>
-          <a:lstStyle/>
-          <a:p>
-            <a:r>
-              <a:rPr lang="en-US" dirty="0" smtClean="0"/>
-              <a:t>Genetic algorithm – </a:t>
-            </a:r>
-            <a:r>
-              <a:rPr lang="en-US" dirty="0" err="1" smtClean="0"/>
-              <a:t>Mogelijke</a:t>
-            </a:r>
-            <a:r>
-              <a:rPr lang="en-US" dirty="0" smtClean="0"/>
-              <a:t> parameters</a:t>
-            </a:r>
-            <a:r>
-              <a:rPr lang="en-US" dirty="0"/>
-              <a:t/>
-            </a:r>
-            <a:br>
-              <a:rPr lang="en-US" dirty="0"/>
-            </a:br>
-            <a:endParaRPr lang="en-US" dirty="0"/>
-          </a:p>
-        </p:txBody>
-      </p:sp>
-      <p:sp>
-        <p:nvSpPr>
-          <p:cNvPr id="3" name="Content Placeholder 2"/>
-          <p:cNvSpPr>
-            <a:spLocks noGrp="1"/>
-          </p:cNvSpPr>
-          <p:nvPr>
-            <p:ph idx="1"/>
-          </p:nvPr>
-        </p:nvSpPr>
-        <p:spPr/>
-        <p:txBody>
-          <a:bodyPr>
-            <a:normAutofit/>
-          </a:bodyPr>
-          <a:lstStyle/>
-          <a:p>
-            <a:r>
-              <a:rPr lang="en-US" dirty="0" smtClean="0"/>
-              <a:t>Stop </a:t>
-            </a:r>
-            <a:r>
-              <a:rPr lang="en-US" dirty="0" err="1" smtClean="0"/>
-              <a:t>conditie</a:t>
-            </a:r>
-            <a:r>
-              <a:rPr lang="en-US" dirty="0" smtClean="0"/>
-              <a:t>: </a:t>
-            </a:r>
-            <a:r>
-              <a:rPr lang="en-US" dirty="0" err="1" smtClean="0"/>
-              <a:t>hoeveel</a:t>
-            </a:r>
-            <a:r>
-              <a:rPr lang="en-US" dirty="0" smtClean="0"/>
-              <a:t> </a:t>
-            </a:r>
-            <a:r>
-              <a:rPr lang="en-US" dirty="0" err="1" smtClean="0"/>
-              <a:t>iteraties</a:t>
-            </a:r>
-            <a:endParaRPr lang="en-US" dirty="0" smtClean="0"/>
-          </a:p>
-          <a:p>
-            <a:r>
-              <a:rPr lang="en-US" dirty="0" err="1" smtClean="0"/>
-              <a:t>Kans</a:t>
-            </a:r>
-            <a:r>
-              <a:rPr lang="en-US" dirty="0" smtClean="0"/>
-              <a:t> op </a:t>
-            </a:r>
-            <a:r>
-              <a:rPr lang="en-US" dirty="0" err="1" smtClean="0"/>
-              <a:t>mutatie</a:t>
-            </a:r>
-            <a:r>
-              <a:rPr lang="en-US" dirty="0" smtClean="0"/>
-              <a:t> of </a:t>
-            </a:r>
-            <a:r>
-              <a:rPr lang="en-US" dirty="0" err="1" smtClean="0"/>
-              <a:t>recombinatie</a:t>
-            </a:r>
-            <a:endParaRPr lang="en-US" dirty="0" smtClean="0"/>
-          </a:p>
-          <a:p>
-            <a:r>
-              <a:rPr lang="en-US" dirty="0" err="1" smtClean="0"/>
-              <a:t>Mutatie</a:t>
-            </a:r>
-            <a:r>
-              <a:rPr lang="en-US" dirty="0" smtClean="0"/>
-              <a:t>: </a:t>
-            </a:r>
-            <a:r>
-              <a:rPr lang="en-US" dirty="0" err="1" smtClean="0"/>
-              <a:t>hoeveel</a:t>
-            </a:r>
-            <a:r>
-              <a:rPr lang="en-US" dirty="0" smtClean="0"/>
-              <a:t> </a:t>
-            </a:r>
-            <a:r>
-              <a:rPr lang="en-US" dirty="0" err="1" smtClean="0"/>
-              <a:t>activiteiten</a:t>
-            </a:r>
-            <a:r>
-              <a:rPr lang="en-US" dirty="0" smtClean="0"/>
-              <a:t> </a:t>
-            </a:r>
-            <a:r>
-              <a:rPr lang="en-US" dirty="0" err="1" smtClean="0"/>
-              <a:t>wissel</a:t>
-            </a:r>
-            <a:r>
-              <a:rPr lang="en-US" dirty="0" smtClean="0"/>
-              <a:t> je van </a:t>
-            </a:r>
-            <a:r>
-              <a:rPr lang="en-US" dirty="0" err="1" smtClean="0"/>
-              <a:t>plaats</a:t>
-            </a:r>
-            <a:endParaRPr lang="en-US" dirty="0" smtClean="0"/>
-          </a:p>
-          <a:p>
-            <a:pPr marL="0" indent="0">
-              <a:buNone/>
-            </a:pPr>
-            <a:endParaRPr lang="en-US" dirty="0" smtClean="0"/>
-          </a:p>
-          <a:p>
-            <a:endParaRPr lang="en-US" dirty="0" smtClean="0"/>
-          </a:p>
-        </p:txBody>
-      </p:sp>
-    </p:spTree>
-    <p:extLst>
-      <p:ext uri="{BB962C8B-B14F-4D97-AF65-F5344CB8AC3E}">
-        <p14:creationId xmlns:p14="http://schemas.microsoft.com/office/powerpoint/2010/main" val="2885184303"/>
       </p:ext>
     </p:extLst>
   </p:cSld>
@@ -5447,7 +5524,7 @@
   <a:extraClrSchemeLst/>
   <a:extLst>
     <a:ext uri="{05A4C25C-085E-4340-85A3-A5531E510DB2}">
-      <thm15:themeFamily xmlns:thm15="http://schemas.microsoft.com/office/thememl/2012/main" xmlns="" name="Crop" id="{EC9488ED-E761-4D60-9AC4-764D1FE2C171}" vid="{CE19780C-D67D-4C13-9DE9-A52BC3BA51B4}"/>
+      <thm15:themeFamily xmlns:thm15="http://schemas.microsoft.com/office/thememl/2012/main" name="Crop" id="{EC9488ED-E761-4D60-9AC4-764D1FE2C171}" vid="{CE19780C-D67D-4C13-9DE9-A52BC3BA51B4}"/>
     </a:ext>
   </a:extLst>
 </a:theme>

--- a/Presentaties/Week4/Lectures & Lesroosters toestandsruimte en grenzen.pptx
+++ b/Presentaties/Week4/Lectures & Lesroosters toestandsruimte en grenzen.pptx
@@ -5,16 +5,8 @@
     <p:sldMasterId id="2147483660" r:id="rId1"/>
   </p:sldMasterIdLst>
   <p:sldIdLst>
-    <p:sldId id="257" r:id="rId2"/>
-    <p:sldId id="262" r:id="rId3"/>
-    <p:sldId id="260" r:id="rId4"/>
-    <p:sldId id="261" r:id="rId5"/>
-    <p:sldId id="264" r:id="rId6"/>
-    <p:sldId id="269" r:id="rId7"/>
-    <p:sldId id="265" r:id="rId8"/>
-    <p:sldId id="266" r:id="rId9"/>
-    <p:sldId id="267" r:id="rId10"/>
-    <p:sldId id="268" r:id="rId11"/>
+    <p:sldId id="267" r:id="rId2"/>
+    <p:sldId id="268" r:id="rId3"/>
   </p:sldIdLst>
   <p:sldSz cx="12192000" cy="6858000"/>
   <p:notesSz cx="6858000" cy="9144000"/>
@@ -115,7 +107,7 @@
   </p:defaultTextStyle>
   <p:extLst>
     <p:ext uri="{EFAFB233-063F-42B5-8137-9DF3F51BA10A}">
-      <p15:sldGuideLst xmlns:p15="http://schemas.microsoft.com/office/powerpoint/2012/main">
+      <p15:sldGuideLst xmlns:p15="http://schemas.microsoft.com/office/powerpoint/2012/main" xmlns="">
         <p15:guide id="1" orient="horz" pos="2160">
           <p15:clr>
             <a:srgbClr val="A4A3A4"/>
@@ -292,7 +284,7 @@
           <a:p>
             <a:fld id="{B2E4F3CE-5921-4ADD-9964-2DE7A47474AF}" type="datetimeFigureOut">
               <a:rPr lang="nl-NL" smtClean="0"/>
-              <a:t>4-5-2018</a:t>
+              <a:t>25/05/18</a:t>
             </a:fld>
             <a:endParaRPr lang="nl-NL"/>
           </a:p>
@@ -500,7 +492,7 @@
           <p:cNvPr id="10" name="Picture 9" descr="A group of people in a room&#10;&#10;Description generated with very high confidence">
             <a:extLst>
               <a:ext uri="{FF2B5EF4-FFF2-40B4-BE49-F238E27FC236}">
-                <a16:creationId xmlns:a16="http://schemas.microsoft.com/office/drawing/2014/main" id="{8A636BD5-65AA-4211-BE9A-C3728CA22021}"/>
+                <a16:creationId xmlns:a16="http://schemas.microsoft.com/office/drawing/2014/main" xmlns="" id="{8A636BD5-65AA-4211-BE9A-C3728CA22021}"/>
               </a:ext>
             </a:extLst>
           </p:cNvPr>
@@ -541,7 +533,7 @@
           <p:cNvPr id="12" name="Picture 11" descr="A group of people in a room&#10;&#10;Description generated with very high confidence">
             <a:extLst>
               <a:ext uri="{FF2B5EF4-FFF2-40B4-BE49-F238E27FC236}">
-                <a16:creationId xmlns:a16="http://schemas.microsoft.com/office/drawing/2014/main" id="{FCCAA0F4-9C7B-4984-8F70-FA270D007429}"/>
+                <a16:creationId xmlns:a16="http://schemas.microsoft.com/office/drawing/2014/main" xmlns="" id="{FCCAA0F4-9C7B-4984-8F70-FA270D007429}"/>
               </a:ext>
             </a:extLst>
           </p:cNvPr>
@@ -612,7 +604,7 @@
           <p:cNvPr id="2" name="Title 1">
             <a:extLst>
               <a:ext uri="{FF2B5EF4-FFF2-40B4-BE49-F238E27FC236}">
-                <a16:creationId xmlns:a16="http://schemas.microsoft.com/office/drawing/2014/main" id="{6FC13C6F-2E16-4E4C-84CC-D4DAFCB2700D}"/>
+                <a16:creationId xmlns:a16="http://schemas.microsoft.com/office/drawing/2014/main" xmlns="" id="{6FC13C6F-2E16-4E4C-84CC-D4DAFCB2700D}"/>
               </a:ext>
             </a:extLst>
           </p:cNvPr>
@@ -650,7 +642,7 @@
           <p:cNvPr id="3" name="Subtitle 2">
             <a:extLst>
               <a:ext uri="{FF2B5EF4-FFF2-40B4-BE49-F238E27FC236}">
-                <a16:creationId xmlns:a16="http://schemas.microsoft.com/office/drawing/2014/main" id="{453CFFDF-F98C-4C73-86C1-B63C7BFD4C39}"/>
+                <a16:creationId xmlns:a16="http://schemas.microsoft.com/office/drawing/2014/main" xmlns="" id="{453CFFDF-F98C-4C73-86C1-B63C7BFD4C39}"/>
               </a:ext>
             </a:extLst>
           </p:cNvPr>
@@ -721,7 +713,7 @@
           <p:cNvPr id="4" name="Date Placeholder 3">
             <a:extLst>
               <a:ext uri="{FF2B5EF4-FFF2-40B4-BE49-F238E27FC236}">
-                <a16:creationId xmlns:a16="http://schemas.microsoft.com/office/drawing/2014/main" id="{CFA081B8-BD76-443C-93F5-08182166D8D0}"/>
+                <a16:creationId xmlns:a16="http://schemas.microsoft.com/office/drawing/2014/main" xmlns="" id="{CFA081B8-BD76-443C-93F5-08182166D8D0}"/>
               </a:ext>
             </a:extLst>
           </p:cNvPr>
@@ -739,7 +731,7 @@
           <a:p>
             <a:fld id="{B2E4F3CE-5921-4ADD-9964-2DE7A47474AF}" type="datetimeFigureOut">
               <a:rPr lang="nl-NL" smtClean="0"/>
-              <a:t>4-5-2018</a:t>
+              <a:t>25/05/18</a:t>
             </a:fld>
             <a:endParaRPr lang="nl-NL"/>
           </a:p>
@@ -750,7 +742,7 @@
           <p:cNvPr id="5" name="Footer Placeholder 4">
             <a:extLst>
               <a:ext uri="{FF2B5EF4-FFF2-40B4-BE49-F238E27FC236}">
-                <a16:creationId xmlns:a16="http://schemas.microsoft.com/office/drawing/2014/main" id="{B372371A-431A-4C4A-B2D5-5DB4CE736915}"/>
+                <a16:creationId xmlns:a16="http://schemas.microsoft.com/office/drawing/2014/main" xmlns="" id="{B372371A-431A-4C4A-B2D5-5DB4CE736915}"/>
               </a:ext>
             </a:extLst>
           </p:cNvPr>
@@ -775,7 +767,7 @@
           <p:cNvPr id="6" name="Slide Number Placeholder 5">
             <a:extLst>
               <a:ext uri="{FF2B5EF4-FFF2-40B4-BE49-F238E27FC236}">
-                <a16:creationId xmlns:a16="http://schemas.microsoft.com/office/drawing/2014/main" id="{4440A448-9C23-42D3-B380-8BFAE71DF757}"/>
+                <a16:creationId xmlns:a16="http://schemas.microsoft.com/office/drawing/2014/main" xmlns="" id="{4440A448-9C23-42D3-B380-8BFAE71DF757}"/>
               </a:ext>
             </a:extLst>
           </p:cNvPr>
@@ -938,7 +930,7 @@
           <a:p>
             <a:fld id="{B2E4F3CE-5921-4ADD-9964-2DE7A47474AF}" type="datetimeFigureOut">
               <a:rPr lang="nl-NL" smtClean="0"/>
-              <a:t>4-5-2018</a:t>
+              <a:t>25/05/18</a:t>
             </a:fld>
             <a:endParaRPr lang="nl-NL"/>
           </a:p>
@@ -1209,7 +1201,7 @@
           <a:p>
             <a:fld id="{B2E4F3CE-5921-4ADD-9964-2DE7A47474AF}" type="datetimeFigureOut">
               <a:rPr lang="nl-NL" smtClean="0"/>
-              <a:t>4-5-2018</a:t>
+              <a:t>25/05/18</a:t>
             </a:fld>
             <a:endParaRPr lang="nl-NL"/>
           </a:p>
@@ -1344,7 +1336,7 @@
           <p:cNvPr id="9" name="Picture 8" descr="A group of people in a room&#10;&#10;Description generated with very high confidence">
             <a:extLst>
               <a:ext uri="{FF2B5EF4-FFF2-40B4-BE49-F238E27FC236}">
-                <a16:creationId xmlns:a16="http://schemas.microsoft.com/office/drawing/2014/main" id="{1100C0BB-10D3-488D-AF46-8E80E778FCC2}"/>
+                <a16:creationId xmlns:a16="http://schemas.microsoft.com/office/drawing/2014/main" xmlns="" id="{1100C0BB-10D3-488D-AF46-8E80E778FCC2}"/>
               </a:ext>
             </a:extLst>
           </p:cNvPr>
@@ -1644,7 +1636,7 @@
           <a:p>
             <a:fld id="{B2E4F3CE-5921-4ADD-9964-2DE7A47474AF}" type="datetimeFigureOut">
               <a:rPr lang="nl-NL" smtClean="0"/>
-              <a:t>4-5-2018</a:t>
+              <a:t>25/05/18</a:t>
             </a:fld>
             <a:endParaRPr lang="nl-NL"/>
           </a:p>
@@ -2121,7 +2113,7 @@
           <a:p>
             <a:fld id="{B2E4F3CE-5921-4ADD-9964-2DE7A47474AF}" type="datetimeFigureOut">
               <a:rPr lang="nl-NL" smtClean="0"/>
-              <a:t>4-5-2018</a:t>
+              <a:t>25/05/18</a:t>
             </a:fld>
             <a:endParaRPr lang="nl-NL"/>
           </a:p>
@@ -2239,7 +2231,7 @@
           <a:p>
             <a:fld id="{B2E4F3CE-5921-4ADD-9964-2DE7A47474AF}" type="datetimeFigureOut">
               <a:rPr lang="nl-NL" smtClean="0"/>
-              <a:t>4-5-2018</a:t>
+              <a:t>25/05/18</a:t>
             </a:fld>
             <a:endParaRPr lang="nl-NL"/>
           </a:p>
@@ -2334,7 +2326,7 @@
           <a:p>
             <a:fld id="{B2E4F3CE-5921-4ADD-9964-2DE7A47474AF}" type="datetimeFigureOut">
               <a:rPr lang="nl-NL" smtClean="0"/>
-              <a:t>4-5-2018</a:t>
+              <a:t>25/05/18</a:t>
             </a:fld>
             <a:endParaRPr lang="nl-NL"/>
           </a:p>
@@ -2509,7 +2501,7 @@
           <a:p>
             <a:fld id="{B2E4F3CE-5921-4ADD-9964-2DE7A47474AF}" type="datetimeFigureOut">
               <a:rPr lang="nl-NL" smtClean="0"/>
-              <a:t>4-5-2018</a:t>
+              <a:t>25/05/18</a:t>
             </a:fld>
             <a:endParaRPr lang="nl-NL"/>
           </a:p>
@@ -2689,7 +2681,7 @@
           <a:p>
             <a:fld id="{B2E4F3CE-5921-4ADD-9964-2DE7A47474AF}" type="datetimeFigureOut">
               <a:rPr lang="nl-NL" smtClean="0"/>
-              <a:t>4-5-2018</a:t>
+              <a:t>25/05/18</a:t>
             </a:fld>
             <a:endParaRPr lang="nl-NL"/>
           </a:p>
@@ -2899,7 +2891,7 @@
           <a:p>
             <a:fld id="{B2E4F3CE-5921-4ADD-9964-2DE7A47474AF}" type="datetimeFigureOut">
               <a:rPr lang="nl-NL" smtClean="0"/>
-              <a:t>4-5-2018</a:t>
+              <a:t>25/05/18</a:t>
             </a:fld>
             <a:endParaRPr lang="nl-NL"/>
           </a:p>
@@ -3022,7 +3014,7 @@
           <p:cNvPr id="8" name="Picture 7" descr="A group of people in a room&#10;&#10;Description generated with very high confidence">
             <a:extLst>
               <a:ext uri="{FF2B5EF4-FFF2-40B4-BE49-F238E27FC236}">
-                <a16:creationId xmlns:a16="http://schemas.microsoft.com/office/drawing/2014/main" id="{E8DF0BB6-DCAB-4E9C-8305-3C25099E8419}"/>
+                <a16:creationId xmlns:a16="http://schemas.microsoft.com/office/drawing/2014/main" xmlns="" id="{E8DF0BB6-DCAB-4E9C-8305-3C25099E8419}"/>
               </a:ext>
             </a:extLst>
           </p:cNvPr>
@@ -3387,7 +3379,7 @@
   </p:txStyles>
   <p:extLst mod="1">
     <p:ext uri="{27BBF7A9-308A-43DC-89C8-2F10F3537804}">
-      <p15:sldGuideLst xmlns:p15="http://schemas.microsoft.com/office/powerpoint/2012/main">
+      <p15:sldGuideLst xmlns:p15="http://schemas.microsoft.com/office/powerpoint/2012/main" xmlns="">
         <p15:guide id="3" orient="horz" pos="1368">
           <p15:clr>
             <a:srgbClr val="F26B43"/>
@@ -3453,13 +3445,7 @@
       </p:grpSpPr>
       <p:sp>
         <p:nvSpPr>
-          <p:cNvPr id="2" name="Title 1">
-            <a:extLst>
-              <a:ext uri="{FF2B5EF4-FFF2-40B4-BE49-F238E27FC236}">
-                <a16:creationId xmlns:a16="http://schemas.microsoft.com/office/drawing/2014/main" id="{DFB35624-C45A-4417-8484-F487F43C3428}"/>
-              </a:ext>
-            </a:extLst>
-          </p:cNvPr>
+          <p:cNvPr id="2" name="Title 1"/>
           <p:cNvSpPr>
             <a:spLocks noGrp="1"/>
           </p:cNvSpPr>
@@ -3469,236 +3455,191 @@
         </p:nvSpPr>
         <p:spPr/>
         <p:txBody>
-          <a:bodyPr/>
+          <a:bodyPr>
+            <a:normAutofit fontScale="90000"/>
+          </a:bodyPr>
           <a:lstStyle/>
           <a:p>
             <a:r>
-              <a:rPr lang="nl-NL" dirty="0"/>
-              <a:t>Lectures &amp; Lesroosters</a:t>
-            </a:r>
-          </a:p>
-        </p:txBody>
-      </p:sp>
-      <p:sp>
-        <p:nvSpPr>
-          <p:cNvPr id="3" name="Text Placeholder 2">
-            <a:extLst>
-              <a:ext uri="{FF2B5EF4-FFF2-40B4-BE49-F238E27FC236}">
-                <a16:creationId xmlns:a16="http://schemas.microsoft.com/office/drawing/2014/main" id="{F477C6E4-8C06-4C8A-8A0C-C1EDED58155D}"/>
-              </a:ext>
-            </a:extLst>
-          </p:cNvPr>
-          <p:cNvSpPr>
-            <a:spLocks noGrp="1"/>
-          </p:cNvSpPr>
-          <p:nvPr>
-            <p:ph type="body" idx="1"/>
-          </p:nvPr>
-        </p:nvSpPr>
-        <p:spPr/>
-        <p:txBody>
-          <a:bodyPr/>
+              <a:rPr lang="en-US" dirty="0"/>
+              <a:t>Genetic </a:t>
+            </a:r>
+            <a:r>
+              <a:rPr lang="en-US"/>
+              <a:t>algorithm </a:t>
+            </a:r>
+            <a:r>
+              <a:rPr lang="en-US" dirty="0"/>
+              <a:t/>
+            </a:r>
+            <a:br>
+              <a:rPr lang="en-US" dirty="0"/>
+            </a:br>
+            <a:endParaRPr lang="en-US" dirty="0"/>
+          </a:p>
+        </p:txBody>
+      </p:sp>
+      <p:sp>
+        <p:nvSpPr>
+          <p:cNvPr id="3" name="Content Placeholder 2"/>
+          <p:cNvSpPr>
+            <a:spLocks noGrp="1"/>
+          </p:cNvSpPr>
+          <p:nvPr>
+            <p:ph idx="1"/>
+          </p:nvPr>
+        </p:nvSpPr>
+        <p:spPr>
+          <a:xfrm>
+            <a:off x="1371599" y="1897039"/>
+            <a:ext cx="10042187" cy="3970361"/>
+          </a:xfrm>
+        </p:spPr>
+        <p:txBody>
+          <a:bodyPr>
+            <a:normAutofit/>
+          </a:bodyPr>
           <a:lstStyle/>
           <a:p>
             <a:r>
-              <a:rPr lang="nl-NL" dirty="0"/>
-              <a:t>Kenneth, Linsey en Nadja</a:t>
-            </a:r>
-          </a:p>
-        </p:txBody>
-      </p:sp>
+              <a:rPr lang="en-US" dirty="0" err="1" smtClean="0"/>
+              <a:t>Combineer</a:t>
+            </a:r>
+            <a:r>
+              <a:rPr lang="en-US" dirty="0" smtClean="0"/>
+              <a:t> de </a:t>
+            </a:r>
+            <a:r>
+              <a:rPr lang="en-US" dirty="0" err="1" smtClean="0"/>
+              <a:t>activiteiten</a:t>
+            </a:r>
+            <a:r>
+              <a:rPr lang="en-US" dirty="0" smtClean="0"/>
+              <a:t> van ouder1 en ouder2 </a:t>
+            </a:r>
+            <a:r>
+              <a:rPr lang="en-US" dirty="0" err="1" smtClean="0"/>
+              <a:t>om</a:t>
+            </a:r>
+            <a:r>
+              <a:rPr lang="en-US" dirty="0" smtClean="0"/>
+              <a:t> </a:t>
+            </a:r>
+            <a:r>
+              <a:rPr lang="en-US" dirty="0" err="1" smtClean="0"/>
+              <a:t>een</a:t>
+            </a:r>
+            <a:r>
+              <a:rPr lang="en-US" dirty="0" smtClean="0"/>
+              <a:t> kind-rooster </a:t>
+            </a:r>
+            <a:r>
+              <a:rPr lang="en-US" dirty="0" err="1" smtClean="0"/>
+              <a:t>te</a:t>
+            </a:r>
+            <a:r>
+              <a:rPr lang="en-US" dirty="0" smtClean="0"/>
+              <a:t> </a:t>
+            </a:r>
+            <a:r>
+              <a:rPr lang="en-US" dirty="0" err="1" smtClean="0"/>
+              <a:t>maken</a:t>
+            </a:r>
+            <a:endParaRPr lang="en-US" dirty="0" smtClean="0"/>
+          </a:p>
+          <a:p>
+            <a:r>
+              <a:rPr lang="en-US" dirty="0" err="1" smtClean="0"/>
+              <a:t>Mogelijkheid</a:t>
+            </a:r>
+            <a:r>
+              <a:rPr lang="en-US" dirty="0" smtClean="0"/>
+              <a:t> tot </a:t>
+            </a:r>
+            <a:r>
+              <a:rPr lang="en-US" dirty="0" err="1" smtClean="0"/>
+              <a:t>mutatie</a:t>
+            </a:r>
+            <a:endParaRPr lang="en-US" dirty="0" smtClean="0"/>
+          </a:p>
+          <a:p>
+            <a:r>
+              <a:rPr lang="en-US" dirty="0" err="1" smtClean="0"/>
+              <a:t>Activiteitconflicten</a:t>
+            </a:r>
+            <a:r>
+              <a:rPr lang="en-US" dirty="0" smtClean="0"/>
+              <a:t> </a:t>
+            </a:r>
+            <a:r>
+              <a:rPr lang="en-US" dirty="0" err="1" smtClean="0"/>
+              <a:t>worden</a:t>
+            </a:r>
+            <a:r>
+              <a:rPr lang="en-US" dirty="0" smtClean="0"/>
+              <a:t> </a:t>
+            </a:r>
+            <a:r>
+              <a:rPr lang="en-US" dirty="0" err="1" smtClean="0"/>
+              <a:t>opgelost</a:t>
+            </a:r>
+            <a:r>
+              <a:rPr lang="en-US" dirty="0" smtClean="0"/>
+              <a:t> </a:t>
+            </a:r>
+            <a:r>
+              <a:rPr lang="en-US" dirty="0" smtClean="0"/>
+              <a:t>via </a:t>
+            </a:r>
+            <a:r>
+              <a:rPr lang="en-US" dirty="0" err="1" smtClean="0"/>
+              <a:t>zaalgrootte</a:t>
+            </a:r>
+            <a:endParaRPr lang="nl-NL" dirty="0"/>
+          </a:p>
+        </p:txBody>
+      </p:sp>
+      <p:pic>
+        <p:nvPicPr>
+          <p:cNvPr id="4" name="Picture 3"/>
+          <p:cNvPicPr>
+            <a:picLocks noChangeAspect="1"/>
+          </p:cNvPicPr>
+          <p:nvPr/>
+        </p:nvPicPr>
+        <p:blipFill>
+          <a:blip r:embed="rId2"/>
+          <a:stretch>
+            <a:fillRect/>
+          </a:stretch>
+        </p:blipFill>
+        <p:spPr>
+          <a:xfrm>
+            <a:off x="1375064" y="4547110"/>
+            <a:ext cx="9457652" cy="1586749"/>
+          </a:xfrm>
+          <a:prstGeom prst="rect">
+            <a:avLst/>
+          </a:prstGeom>
+        </p:spPr>
+      </p:pic>
     </p:spTree>
     <p:extLst>
       <p:ext uri="{BB962C8B-B14F-4D97-AF65-F5344CB8AC3E}">
-        <p14:creationId xmlns:p14="http://schemas.microsoft.com/office/powerpoint/2010/main" val="3557933096"/>
+        <p14:creationId xmlns:p14="http://schemas.microsoft.com/office/powerpoint/2010/main" val="3954526477"/>
       </p:ext>
     </p:extLst>
   </p:cSld>
   <p:clrMapOvr>
     <a:masterClrMapping/>
   </p:clrMapOvr>
-</p:sld>
-</file>
-
-<file path=ppt/slides/slide10.xml><?xml version="1.0" encoding="utf-8"?>
-<p:sld xmlns:a="http://schemas.openxmlformats.org/drawingml/2006/main" xmlns:r="http://schemas.openxmlformats.org/officeDocument/2006/relationships" xmlns:p="http://schemas.openxmlformats.org/presentationml/2006/main">
-  <p:cSld>
-    <p:spTree>
-      <p:nvGrpSpPr>
-        <p:cNvPr id="1" name=""/>
-        <p:cNvGrpSpPr/>
-        <p:nvPr/>
-      </p:nvGrpSpPr>
-      <p:grpSpPr>
-        <a:xfrm>
-          <a:off x="0" y="0"/>
-          <a:ext cx="0" cy="0"/>
-          <a:chOff x="0" y="0"/>
-          <a:chExt cx="0" cy="0"/>
-        </a:xfrm>
-      </p:grpSpPr>
-      <p:sp>
-        <p:nvSpPr>
-          <p:cNvPr id="2" name="Title 1"/>
-          <p:cNvSpPr>
-            <a:spLocks noGrp="1"/>
-          </p:cNvSpPr>
-          <p:nvPr>
-            <p:ph type="title"/>
-          </p:nvPr>
-        </p:nvSpPr>
-        <p:spPr/>
-        <p:txBody>
-          <a:bodyPr>
-            <a:normAutofit fontScale="90000"/>
-          </a:bodyPr>
-          <a:lstStyle/>
-          <a:p>
-            <a:r>
-              <a:rPr lang="en-US" dirty="0"/>
-              <a:t>Genetic algorithm – </a:t>
-            </a:r>
-            <a:r>
-              <a:rPr lang="en-US" dirty="0" err="1"/>
-              <a:t>Mogelijke</a:t>
-            </a:r>
-            <a:r>
-              <a:rPr lang="en-US" dirty="0"/>
-              <a:t> parameters</a:t>
-            </a:r>
-            <a:br>
-              <a:rPr lang="en-US" dirty="0"/>
-            </a:br>
-            <a:endParaRPr lang="en-US" dirty="0"/>
-          </a:p>
-        </p:txBody>
-      </p:sp>
-      <p:sp>
-        <p:nvSpPr>
-          <p:cNvPr id="3" name="Content Placeholder 2"/>
-          <p:cNvSpPr>
-            <a:spLocks noGrp="1"/>
-          </p:cNvSpPr>
-          <p:nvPr>
-            <p:ph idx="1"/>
-          </p:nvPr>
-        </p:nvSpPr>
-        <p:spPr/>
-        <p:txBody>
-          <a:bodyPr>
-            <a:normAutofit/>
-          </a:bodyPr>
-          <a:lstStyle/>
-          <a:p>
-            <a:r>
-              <a:rPr lang="en-US" dirty="0"/>
-              <a:t>Stop </a:t>
-            </a:r>
-            <a:r>
-              <a:rPr lang="en-US" dirty="0" err="1"/>
-              <a:t>conditie</a:t>
-            </a:r>
-            <a:r>
-              <a:rPr lang="en-US" dirty="0"/>
-              <a:t>: </a:t>
-            </a:r>
-            <a:r>
-              <a:rPr lang="en-US" dirty="0" err="1"/>
-              <a:t>hoeveel</a:t>
-            </a:r>
-            <a:r>
-              <a:rPr lang="en-US" dirty="0"/>
-              <a:t> </a:t>
-            </a:r>
-            <a:r>
-              <a:rPr lang="en-US" dirty="0" err="1"/>
-              <a:t>iteraties</a:t>
-            </a:r>
-            <a:endParaRPr lang="en-US" dirty="0"/>
-          </a:p>
-          <a:p>
-            <a:r>
-              <a:rPr lang="en-US" dirty="0" err="1"/>
-              <a:t>Kans</a:t>
-            </a:r>
-            <a:r>
-              <a:rPr lang="en-US" dirty="0"/>
-              <a:t> op </a:t>
-            </a:r>
-            <a:r>
-              <a:rPr lang="en-US" dirty="0" err="1"/>
-              <a:t>mutatie</a:t>
-            </a:r>
-            <a:r>
-              <a:rPr lang="en-US" dirty="0"/>
-              <a:t> of </a:t>
-            </a:r>
-            <a:r>
-              <a:rPr lang="en-US" dirty="0" err="1"/>
-              <a:t>recombinatie</a:t>
-            </a:r>
-            <a:endParaRPr lang="en-US" dirty="0"/>
-          </a:p>
-          <a:p>
-            <a:r>
-              <a:rPr lang="en-US" dirty="0" err="1"/>
-              <a:t>Mutatie</a:t>
-            </a:r>
-            <a:r>
-              <a:rPr lang="en-US" dirty="0"/>
-              <a:t>: </a:t>
-            </a:r>
-            <a:r>
-              <a:rPr lang="en-US" dirty="0" err="1"/>
-              <a:t>hoeveel</a:t>
-            </a:r>
-            <a:r>
-              <a:rPr lang="en-US" dirty="0"/>
-              <a:t> </a:t>
-            </a:r>
-            <a:r>
-              <a:rPr lang="en-US" dirty="0" err="1"/>
-              <a:t>activiteiten</a:t>
-            </a:r>
-            <a:r>
-              <a:rPr lang="en-US" dirty="0"/>
-              <a:t> </a:t>
-            </a:r>
-            <a:r>
-              <a:rPr lang="en-US" dirty="0" err="1"/>
-              <a:t>wissel</a:t>
-            </a:r>
-            <a:r>
-              <a:rPr lang="en-US" dirty="0"/>
-              <a:t> je van </a:t>
-            </a:r>
-            <a:r>
-              <a:rPr lang="en-US" dirty="0" err="1"/>
-              <a:t>plaats</a:t>
-            </a:r>
-            <a:endParaRPr lang="en-US" dirty="0"/>
-          </a:p>
-          <a:p>
-            <a:pPr marL="0" indent="0">
-              <a:buNone/>
-            </a:pPr>
-            <a:endParaRPr lang="en-US" dirty="0"/>
-          </a:p>
-          <a:p>
-            <a:endParaRPr lang="en-US" dirty="0"/>
-          </a:p>
-        </p:txBody>
-      </p:sp>
-    </p:spTree>
-    <p:extLst>
-      <p:ext uri="{BB962C8B-B14F-4D97-AF65-F5344CB8AC3E}">
-        <p14:creationId xmlns:p14="http://schemas.microsoft.com/office/powerpoint/2010/main" val="2885184303"/>
-      </p:ext>
-    </p:extLst>
-  </p:cSld>
-  <p:clrMapOvr>
-    <a:masterClrMapping/>
-  </p:clrMapOvr>
+  <p:timing>
+    <p:tnLst>
+      <p:par>
+        <p:cTn xmlns:p14="http://schemas.microsoft.com/office/powerpoint/2010/main" id="1" dur="indefinite" restart="never" nodeType="tmRoot"/>
+      </p:par>
+    </p:tnLst>
+  </p:timing>
 </p:sld>
 </file>
 
@@ -3721,7 +3662,7 @@
       </p:grpSpPr>
       <p:sp>
         <p:nvSpPr>
-          <p:cNvPr id="2" name="Titel 1"/>
+          <p:cNvPr id="2" name="Title 1"/>
           <p:cNvSpPr>
             <a:spLocks noGrp="1"/>
           </p:cNvSpPr>
@@ -3730,548 +3671,6 @@
           </p:nvPr>
         </p:nvSpPr>
         <p:spPr/>
-        <p:txBody>
-          <a:bodyPr/>
-          <a:lstStyle/>
-          <a:p>
-            <a:r>
-              <a:rPr lang="nl-NL" dirty="0"/>
-              <a:t>Toestandsruimte</a:t>
-            </a:r>
-          </a:p>
-        </p:txBody>
-      </p:sp>
-      <mc:AlternateContent xmlns:mc="http://schemas.openxmlformats.org/markup-compatibility/2006" xmlns:a14="http://schemas.microsoft.com/office/drawing/2010/main">
-        <mc:Choice Requires="a14">
-          <p:sp>
-            <p:nvSpPr>
-              <p:cNvPr id="3" name="Tijdelijke aanduiding voor inhoud 2"/>
-              <p:cNvSpPr>
-                <a:spLocks noGrp="1"/>
-              </p:cNvSpPr>
-              <p:nvPr>
-                <p:ph idx="1"/>
-              </p:nvPr>
-            </p:nvSpPr>
-            <p:spPr/>
-            <p:txBody>
-              <a:bodyPr/>
-              <a:lstStyle/>
-              <a:p>
-                <a:r>
-                  <a:rPr lang="nl-NL" dirty="0"/>
-                  <a:t>145 zaalsloten: 5 (dagen) * 4 (tijdsloten) * 7 (zalen) + 5 (avondsloten) </a:t>
-                </a:r>
-              </a:p>
-              <a:p>
-                <a:r>
-                  <a:rPr lang="nl-NL" dirty="0"/>
-                  <a:t>129 activiteiten</a:t>
-                </a:r>
-              </a:p>
-              <a:p>
-                <a:endParaRPr lang="nl-NL" dirty="0"/>
-              </a:p>
-              <a:p>
-                <a14:m>
-                  <m:oMath xmlns:m="http://schemas.openxmlformats.org/officeDocument/2006/math">
-                    <m:f>
-                      <m:fPr>
-                        <m:ctrlPr>
-                          <a:rPr lang="nl-NL" b="0" i="1" smtClean="0">
-                            <a:latin typeface="Cambria Math" panose="02040503050406030204" pitchFamily="18" charset="0"/>
-                          </a:rPr>
-                        </m:ctrlPr>
-                      </m:fPr>
-                      <m:num>
-                        <m:r>
-                          <a:rPr lang="nl-NL" b="0" i="1" smtClean="0">
-                            <a:latin typeface="Cambria Math" panose="02040503050406030204" pitchFamily="18" charset="0"/>
-                          </a:rPr>
-                          <m:t>145!</m:t>
-                        </m:r>
-                      </m:num>
-                      <m:den>
-                        <m:r>
-                          <a:rPr lang="nl-NL" b="0" i="1" smtClean="0">
-                            <a:latin typeface="Cambria Math" panose="02040503050406030204" pitchFamily="18" charset="0"/>
-                          </a:rPr>
-                          <m:t>129!∗6!</m:t>
-                        </m:r>
-                      </m:den>
-                    </m:f>
-                    <m:r>
-                      <a:rPr lang="nl-NL" b="0" i="1" smtClean="0">
-                        <a:latin typeface="Cambria Math" panose="02040503050406030204" pitchFamily="18" charset="0"/>
-                      </a:rPr>
-                      <m:t> </m:t>
-                    </m:r>
-                  </m:oMath>
-                </a14:m>
-                <a:r>
-                  <a:rPr lang="nl-NL" dirty="0"/>
-                  <a:t> = </a:t>
-                </a:r>
-                <a14:m>
-                  <m:oMath xmlns:m="http://schemas.openxmlformats.org/officeDocument/2006/math">
-                    <m:d>
-                      <m:dPr>
-                        <m:ctrlPr>
-                          <a:rPr lang="nl-NL" i="1" smtClean="0">
-                            <a:latin typeface="Cambria Math" panose="02040503050406030204" pitchFamily="18" charset="0"/>
-                          </a:rPr>
-                        </m:ctrlPr>
-                      </m:dPr>
-                      <m:e>
-                        <m:f>
-                          <m:fPr>
-                            <m:type m:val="noBar"/>
-                            <m:ctrlPr>
-                              <a:rPr lang="nl-NL" i="1" smtClean="0">
-                                <a:latin typeface="Cambria Math" panose="02040503050406030204" pitchFamily="18" charset="0"/>
-                              </a:rPr>
-                            </m:ctrlPr>
-                          </m:fPr>
-                          <m:num>
-                            <m:r>
-                              <a:rPr lang="nl-NL" b="0" i="1" smtClean="0">
-                                <a:latin typeface="Cambria Math" panose="02040503050406030204" pitchFamily="18" charset="0"/>
-                              </a:rPr>
-                              <m:t>145</m:t>
-                            </m:r>
-                          </m:num>
-                          <m:den>
-                            <m:r>
-                              <a:rPr lang="nl-NL" b="0" i="1" smtClean="0">
-                                <a:latin typeface="Cambria Math" panose="02040503050406030204" pitchFamily="18" charset="0"/>
-                              </a:rPr>
-                              <m:t>129</m:t>
-                            </m:r>
-                          </m:den>
-                        </m:f>
-                      </m:e>
-                    </m:d>
-                  </m:oMath>
-                </a14:m>
-                <a:r>
-                  <a:rPr lang="nl-NL" dirty="0"/>
-                  <a:t> = 7.7324047672×10</a:t>
-                </a:r>
-                <a:r>
-                  <a:rPr lang="nl-NL" baseline="30000" dirty="0"/>
-                  <a:t>20</a:t>
-                </a:r>
-                <a:endParaRPr lang="nl-NL" dirty="0"/>
-              </a:p>
-              <a:p>
-                <a:endParaRPr lang="nl-NL" dirty="0"/>
-              </a:p>
-            </p:txBody>
-          </p:sp>
-        </mc:Choice>
-        <mc:Fallback xmlns="">
-          <p:sp>
-            <p:nvSpPr>
-              <p:cNvPr id="3" name="Tijdelijke aanduiding voor inhoud 2"/>
-              <p:cNvSpPr>
-                <a:spLocks noGrp="1" noRot="1" noChangeAspect="1" noMove="1" noResize="1" noEditPoints="1" noAdjustHandles="1" noChangeArrowheads="1" noChangeShapeType="1" noTextEdit="1"/>
-              </p:cNvSpPr>
-              <p:nvPr>
-                <p:ph idx="1"/>
-              </p:nvPr>
-            </p:nvSpPr>
-            <p:spPr>
-              <a:blipFill>
-                <a:blip r:embed="rId2"/>
-                <a:stretch>
-                  <a:fillRect l="-889" t="-1840"/>
-                </a:stretch>
-              </a:blipFill>
-            </p:spPr>
-            <p:txBody>
-              <a:bodyPr/>
-              <a:lstStyle/>
-              <a:p>
-                <a:r>
-                  <a:rPr lang="nl-NL">
-                    <a:noFill/>
-                  </a:rPr>
-                  <a:t> </a:t>
-                </a:r>
-              </a:p>
-            </p:txBody>
-          </p:sp>
-        </mc:Fallback>
-      </mc:AlternateContent>
-    </p:spTree>
-    <p:extLst>
-      <p:ext uri="{BB962C8B-B14F-4D97-AF65-F5344CB8AC3E}">
-        <p14:creationId xmlns:p14="http://schemas.microsoft.com/office/powerpoint/2010/main" val="616593599"/>
-      </p:ext>
-    </p:extLst>
-  </p:cSld>
-  <p:clrMapOvr>
-    <a:masterClrMapping/>
-  </p:clrMapOvr>
-</p:sld>
-</file>
-
-<file path=ppt/slides/slide3.xml><?xml version="1.0" encoding="utf-8"?>
-<p:sld xmlns:a="http://schemas.openxmlformats.org/drawingml/2006/main" xmlns:r="http://schemas.openxmlformats.org/officeDocument/2006/relationships" xmlns:p="http://schemas.openxmlformats.org/presentationml/2006/main">
-  <p:cSld>
-    <p:spTree>
-      <p:nvGrpSpPr>
-        <p:cNvPr id="1" name=""/>
-        <p:cNvGrpSpPr/>
-        <p:nvPr/>
-      </p:nvGrpSpPr>
-      <p:grpSpPr>
-        <a:xfrm>
-          <a:off x="0" y="0"/>
-          <a:ext cx="0" cy="0"/>
-          <a:chOff x="0" y="0"/>
-          <a:chExt cx="0" cy="0"/>
-        </a:xfrm>
-      </p:grpSpPr>
-      <p:sp>
-        <p:nvSpPr>
-          <p:cNvPr id="2" name="Titel 1"/>
-          <p:cNvSpPr>
-            <a:spLocks noGrp="1"/>
-          </p:cNvSpPr>
-          <p:nvPr>
-            <p:ph type="title"/>
-          </p:nvPr>
-        </p:nvSpPr>
-        <p:spPr/>
-        <p:txBody>
-          <a:bodyPr/>
-          <a:lstStyle/>
-          <a:p>
-            <a:r>
-              <a:rPr lang="nl-NL" dirty="0"/>
-              <a:t>Grenzen</a:t>
-            </a:r>
-          </a:p>
-        </p:txBody>
-      </p:sp>
-      <p:sp>
-        <p:nvSpPr>
-          <p:cNvPr id="3" name="Tijdelijke aanduiding voor inhoud 2"/>
-          <p:cNvSpPr>
-            <a:spLocks noGrp="1"/>
-          </p:cNvSpPr>
-          <p:nvPr>
-            <p:ph idx="1"/>
-          </p:nvPr>
-        </p:nvSpPr>
-        <p:spPr>
-          <a:xfrm>
-            <a:off x="1371599" y="1700015"/>
-            <a:ext cx="10653624" cy="5157986"/>
-          </a:xfrm>
-        </p:spPr>
-        <p:txBody>
-          <a:bodyPr/>
-          <a:lstStyle/>
-          <a:p>
-            <a:r>
-              <a:rPr lang="nl-NL" dirty="0"/>
-              <a:t>Bovengrens</a:t>
-            </a:r>
-          </a:p>
-          <a:p>
-            <a:pPr marL="0" indent="0">
-              <a:buNone/>
-            </a:pPr>
-            <a:r>
-              <a:rPr lang="nl-NL" dirty="0"/>
-              <a:t>	</a:t>
-            </a:r>
-            <a:r>
-              <a:rPr lang="nl-NL" u="sng" dirty="0"/>
-              <a:t>theoretische bovengrens</a:t>
-            </a:r>
-          </a:p>
-          <a:p>
-            <a:pPr marL="0" indent="0">
-              <a:buNone/>
-            </a:pPr>
-            <a:r>
-              <a:rPr lang="nl-NL" dirty="0"/>
-              <a:t>		</a:t>
-            </a:r>
-            <a:r>
-              <a:rPr lang="nl-NL" b="1" dirty="0"/>
-              <a:t>1580</a:t>
-            </a:r>
-            <a:r>
-              <a:rPr lang="nl-NL" dirty="0"/>
-              <a:t> = 1000 (geldig rooster)</a:t>
-            </a:r>
-          </a:p>
-          <a:p>
-            <a:pPr marL="0" indent="0">
-              <a:buNone/>
-            </a:pPr>
-            <a:r>
-              <a:rPr lang="nl-NL" dirty="0"/>
-              <a:t>			+ 20 * 29 ( alle vakken die optimaal zijn verdeeld)</a:t>
-            </a:r>
-          </a:p>
-          <a:p>
-            <a:pPr marL="0" indent="0">
-              <a:buNone/>
-            </a:pPr>
-            <a:endParaRPr lang="nl-NL" dirty="0"/>
-          </a:p>
-          <a:p>
-            <a:pPr marL="0" indent="0">
-              <a:buNone/>
-            </a:pPr>
-            <a:r>
-              <a:rPr lang="nl-NL" dirty="0"/>
-              <a:t>	</a:t>
-            </a:r>
-            <a:r>
-              <a:rPr lang="nl-NL" u="sng" dirty="0"/>
-              <a:t>aangepaste bovengrens</a:t>
-            </a:r>
-            <a:r>
-              <a:rPr lang="nl-NL" dirty="0"/>
-              <a:t>	</a:t>
-            </a:r>
-          </a:p>
-          <a:p>
-            <a:pPr marL="0" indent="0">
-              <a:buNone/>
-            </a:pPr>
-            <a:r>
-              <a:rPr lang="nl-NL" dirty="0"/>
-              <a:t>		</a:t>
-            </a:r>
-            <a:r>
-              <a:rPr lang="nl-NL" b="1" dirty="0"/>
-              <a:t>1400</a:t>
-            </a:r>
-            <a:r>
-              <a:rPr lang="nl-NL" dirty="0"/>
-              <a:t> = 1000 (geldig rooster)</a:t>
-            </a:r>
-          </a:p>
-          <a:p>
-            <a:pPr marL="0" indent="0">
-              <a:buNone/>
-            </a:pPr>
-            <a:r>
-              <a:rPr lang="nl-NL" dirty="0"/>
-              <a:t>			+ 20 * 20 (optimale verdeling van vakken met 2, 3 of 4 					     activiteiten)</a:t>
-            </a:r>
-          </a:p>
-          <a:p>
-            <a:pPr marL="0" indent="0">
-              <a:buNone/>
-            </a:pPr>
-            <a:endParaRPr lang="nl-NL" dirty="0"/>
-          </a:p>
-        </p:txBody>
-      </p:sp>
-    </p:spTree>
-    <p:extLst>
-      <p:ext uri="{BB962C8B-B14F-4D97-AF65-F5344CB8AC3E}">
-        <p14:creationId xmlns:p14="http://schemas.microsoft.com/office/powerpoint/2010/main" val="919683196"/>
-      </p:ext>
-    </p:extLst>
-  </p:cSld>
-  <p:clrMapOvr>
-    <a:masterClrMapping/>
-  </p:clrMapOvr>
-</p:sld>
-</file>
-
-<file path=ppt/slides/slide4.xml><?xml version="1.0" encoding="utf-8"?>
-<p:sld xmlns:a="http://schemas.openxmlformats.org/drawingml/2006/main" xmlns:r="http://schemas.openxmlformats.org/officeDocument/2006/relationships" xmlns:p="http://schemas.openxmlformats.org/presentationml/2006/main">
-  <p:cSld>
-    <p:spTree>
-      <p:nvGrpSpPr>
-        <p:cNvPr id="1" name=""/>
-        <p:cNvGrpSpPr/>
-        <p:nvPr/>
-      </p:nvGrpSpPr>
-      <p:grpSpPr>
-        <a:xfrm>
-          <a:off x="0" y="0"/>
-          <a:ext cx="0" cy="0"/>
-          <a:chOff x="0" y="0"/>
-          <a:chExt cx="0" cy="0"/>
-        </a:xfrm>
-      </p:grpSpPr>
-      <p:sp>
-        <p:nvSpPr>
-          <p:cNvPr id="2" name="Titel 1"/>
-          <p:cNvSpPr>
-            <a:spLocks noGrp="1"/>
-          </p:cNvSpPr>
-          <p:nvPr>
-            <p:ph type="title"/>
-          </p:nvPr>
-        </p:nvSpPr>
-        <p:spPr/>
-        <p:txBody>
-          <a:bodyPr/>
-          <a:lstStyle/>
-          <a:p>
-            <a:r>
-              <a:rPr lang="nl-NL" dirty="0"/>
-              <a:t>Grenzen</a:t>
-            </a:r>
-          </a:p>
-        </p:txBody>
-      </p:sp>
-      <p:sp>
-        <p:nvSpPr>
-          <p:cNvPr id="3" name="Tijdelijke aanduiding voor inhoud 2"/>
-          <p:cNvSpPr>
-            <a:spLocks noGrp="1"/>
-          </p:cNvSpPr>
-          <p:nvPr>
-            <p:ph idx="1"/>
-          </p:nvPr>
-        </p:nvSpPr>
-        <p:spPr>
-          <a:xfrm>
-            <a:off x="1371599" y="1897039"/>
-            <a:ext cx="10360325" cy="3970361"/>
-          </a:xfrm>
-        </p:spPr>
-        <p:txBody>
-          <a:bodyPr/>
-          <a:lstStyle/>
-          <a:p>
-            <a:r>
-              <a:rPr lang="nl-NL" dirty="0"/>
-              <a:t>Ondergrens</a:t>
-            </a:r>
-          </a:p>
-          <a:p>
-            <a:pPr marL="0" indent="0">
-              <a:buNone/>
-            </a:pPr>
-            <a:r>
-              <a:rPr lang="nl-NL" dirty="0"/>
-              <a:t>	</a:t>
-            </a:r>
-            <a:r>
-              <a:rPr lang="nl-NL" u="sng" dirty="0"/>
-              <a:t>theoretische ondergrens</a:t>
-            </a:r>
-          </a:p>
-          <a:p>
-            <a:pPr marL="0" indent="0">
-              <a:buNone/>
-            </a:pPr>
-            <a:r>
-              <a:rPr lang="nl-NL" dirty="0"/>
-              <a:t>		</a:t>
-            </a:r>
-            <a:r>
-              <a:rPr lang="nl-NL" b="1" dirty="0"/>
-              <a:t>-4946 </a:t>
-            </a:r>
-            <a:r>
-              <a:rPr lang="nl-NL" dirty="0"/>
-              <a:t>= 1000 (geldig rooster)</a:t>
-            </a:r>
-          </a:p>
-          <a:p>
-            <a:pPr marL="0" indent="0">
-              <a:buNone/>
-            </a:pPr>
-            <a:r>
-              <a:rPr lang="nl-NL" dirty="0"/>
-              <a:t>			– 1000 (</a:t>
-            </a:r>
-            <a:r>
-              <a:rPr lang="nl-NL" dirty="0" err="1"/>
-              <a:t>vakspreiding</a:t>
-            </a:r>
-            <a:r>
-              <a:rPr lang="nl-NL" dirty="0"/>
-              <a:t>; alle activiteiten tijdens 1 tijdslot) </a:t>
-            </a:r>
-          </a:p>
-          <a:p>
-            <a:pPr marL="0" indent="0">
-              <a:buNone/>
-            </a:pPr>
-            <a:r>
-              <a:rPr lang="nl-NL" dirty="0"/>
-              <a:t>			– (6 – 1) * 609 (roosterconflicten; alle activiteiten tijden 1 						tijdslot)</a:t>
-            </a:r>
-          </a:p>
-          <a:p>
-            <a:pPr marL="0" indent="0">
-              <a:buNone/>
-            </a:pPr>
-            <a:r>
-              <a:rPr lang="nl-NL" dirty="0"/>
-              <a:t>			– 1901 (zaalconflict; alle activiteiten in kleinste zaal)</a:t>
-            </a:r>
-          </a:p>
-        </p:txBody>
-      </p:sp>
-    </p:spTree>
-    <p:extLst>
-      <p:ext uri="{BB962C8B-B14F-4D97-AF65-F5344CB8AC3E}">
-        <p14:creationId xmlns:p14="http://schemas.microsoft.com/office/powerpoint/2010/main" val="2900776467"/>
-      </p:ext>
-    </p:extLst>
-  </p:cSld>
-  <p:clrMapOvr>
-    <a:masterClrMapping/>
-  </p:clrMapOvr>
-</p:sld>
-</file>
-
-<file path=ppt/slides/slide5.xml><?xml version="1.0" encoding="utf-8"?>
-<p:sld xmlns:a="http://schemas.openxmlformats.org/drawingml/2006/main" xmlns:r="http://schemas.openxmlformats.org/officeDocument/2006/relationships" xmlns:p="http://schemas.openxmlformats.org/presentationml/2006/main">
-  <p:cSld>
-    <p:spTree>
-      <p:nvGrpSpPr>
-        <p:cNvPr id="1" name=""/>
-        <p:cNvGrpSpPr/>
-        <p:nvPr/>
-      </p:nvGrpSpPr>
-      <p:grpSpPr>
-        <a:xfrm>
-          <a:off x="0" y="0"/>
-          <a:ext cx="0" cy="0"/>
-          <a:chOff x="0" y="0"/>
-          <a:chExt cx="0" cy="0"/>
-        </a:xfrm>
-      </p:grpSpPr>
-      <p:sp>
-        <p:nvSpPr>
-          <p:cNvPr id="2" name="Title 1">
-            <a:extLst>
-              <a:ext uri="{FF2B5EF4-FFF2-40B4-BE49-F238E27FC236}">
-                <a16:creationId xmlns:a16="http://schemas.microsoft.com/office/drawing/2014/main" id="{0BF62A4E-B23F-4F14-A7B1-9B6EA711C2D0}"/>
-              </a:ext>
-            </a:extLst>
-          </p:cNvPr>
-          <p:cNvSpPr>
-            <a:spLocks noGrp="1"/>
-          </p:cNvSpPr>
-          <p:nvPr>
-            <p:ph type="title"/>
-          </p:nvPr>
-        </p:nvSpPr>
-        <p:spPr>
-          <a:xfrm>
-            <a:off x="1371600" y="685800"/>
-            <a:ext cx="3286897" cy="1014214"/>
-          </a:xfrm>
-        </p:spPr>
         <p:txBody>
           <a:bodyPr>
             <a:normAutofit fontScale="90000"/>
@@ -4279,344 +3678,8 @@
           <a:lstStyle/>
           <a:p>
             <a:r>
-              <a:rPr lang="nl-NL" dirty="0">
-                <a:solidFill>
-                  <a:srgbClr val="335B74"/>
-                </a:solidFill>
-              </a:rPr>
-              <a:t>Random</a:t>
-            </a:r>
-            <a:r>
-              <a:rPr lang="nl-NL" dirty="0"/>
-              <a:t> sampling</a:t>
-            </a:r>
-          </a:p>
-        </p:txBody>
-      </p:sp>
-      <p:sp>
-        <p:nvSpPr>
-          <p:cNvPr id="3" name="Content Placeholder 2">
-            <a:extLst>
-              <a:ext uri="{FF2B5EF4-FFF2-40B4-BE49-F238E27FC236}">
-                <a16:creationId xmlns:a16="http://schemas.microsoft.com/office/drawing/2014/main" id="{7B5F9899-C6DF-4605-B633-8CA4A52D1988}"/>
-              </a:ext>
-            </a:extLst>
-          </p:cNvPr>
-          <p:cNvSpPr>
-            <a:spLocks noGrp="1"/>
-          </p:cNvSpPr>
-          <p:nvPr>
-            <p:ph idx="1"/>
-          </p:nvPr>
-        </p:nvSpPr>
-        <p:spPr>
-          <a:xfrm>
-            <a:off x="1371600" y="1897039"/>
-            <a:ext cx="3286897" cy="3970361"/>
-          </a:xfrm>
-        </p:spPr>
-        <p:txBody>
-          <a:bodyPr>
-            <a:normAutofit fontScale="92500" lnSpcReduction="20000"/>
-          </a:bodyPr>
-          <a:lstStyle/>
-          <a:p>
-            <a:r>
-              <a:rPr lang="nl-NL" dirty="0"/>
-              <a:t>Geen bonuspunten</a:t>
-            </a:r>
-          </a:p>
-          <a:p>
-            <a:r>
-              <a:rPr lang="nl-NL" dirty="0"/>
-              <a:t>10.000 iteraties</a:t>
-            </a:r>
-          </a:p>
-          <a:p>
-            <a:r>
-              <a:rPr lang="nl-NL" dirty="0"/>
-              <a:t>Bins met breedte van 10</a:t>
-            </a:r>
-          </a:p>
-          <a:p>
-            <a:r>
-              <a:rPr lang="nl-NL" dirty="0"/>
-              <a:t>Gemiddelde: -388.62</a:t>
-            </a:r>
-          </a:p>
-          <a:p>
-            <a:r>
-              <a:rPr lang="nl-NL" dirty="0"/>
-              <a:t>Standaardafwijking: 94.66</a:t>
-            </a:r>
-          </a:p>
-          <a:p>
-            <a:r>
-              <a:rPr lang="nl-NL" dirty="0"/>
-              <a:t>Mediaan: -388</a:t>
-            </a:r>
-          </a:p>
-          <a:p>
-            <a:r>
-              <a:rPr lang="nl-NL" dirty="0"/>
-              <a:t>Maximum: -51</a:t>
-            </a:r>
-          </a:p>
-          <a:p>
-            <a:r>
-              <a:rPr lang="nl-NL" dirty="0"/>
-              <a:t>Minimum: -764</a:t>
-            </a:r>
-          </a:p>
-        </p:txBody>
-      </p:sp>
-      <p:pic>
-        <p:nvPicPr>
-          <p:cNvPr id="6" name="Picture 5">
-            <a:extLst>
-              <a:ext uri="{FF2B5EF4-FFF2-40B4-BE49-F238E27FC236}">
-                <a16:creationId xmlns:a16="http://schemas.microsoft.com/office/drawing/2014/main" id="{9A9C98F5-A81B-4CA9-92E7-3FCED1BDAD6B}"/>
-              </a:ext>
-            </a:extLst>
-          </p:cNvPr>
-          <p:cNvPicPr>
-            <a:picLocks noChangeAspect="1"/>
-          </p:cNvPicPr>
-          <p:nvPr/>
-        </p:nvPicPr>
-        <p:blipFill>
-          <a:blip r:embed="rId2">
-            <a:extLst>
-              <a:ext uri="{28A0092B-C50C-407E-A947-70E740481C1C}">
-                <a14:useLocalDpi xmlns:a14="http://schemas.microsoft.com/office/drawing/2010/main" val="0"/>
-              </a:ext>
-            </a:extLst>
-          </a:blip>
-          <a:stretch>
-            <a:fillRect/>
-          </a:stretch>
-        </p:blipFill>
-        <p:spPr>
-          <a:xfrm>
-            <a:off x="4760097" y="826615"/>
-            <a:ext cx="7286677" cy="5204769"/>
-          </a:xfrm>
-          <a:prstGeom prst="rect">
-            <a:avLst/>
-          </a:prstGeom>
-        </p:spPr>
-      </p:pic>
-    </p:spTree>
-    <p:extLst>
-      <p:ext uri="{BB962C8B-B14F-4D97-AF65-F5344CB8AC3E}">
-        <p14:creationId xmlns:p14="http://schemas.microsoft.com/office/powerpoint/2010/main" val="814962819"/>
-      </p:ext>
-    </p:extLst>
-  </p:cSld>
-  <p:clrMapOvr>
-    <a:masterClrMapping/>
-  </p:clrMapOvr>
-</p:sld>
-</file>
-
-<file path=ppt/slides/slide6.xml><?xml version="1.0" encoding="utf-8"?>
-<p:sld xmlns:a="http://schemas.openxmlformats.org/drawingml/2006/main" xmlns:r="http://schemas.openxmlformats.org/officeDocument/2006/relationships" xmlns:p="http://schemas.openxmlformats.org/presentationml/2006/main">
-  <p:cSld>
-    <p:spTree>
-      <p:nvGrpSpPr>
-        <p:cNvPr id="1" name=""/>
-        <p:cNvGrpSpPr/>
-        <p:nvPr/>
-      </p:nvGrpSpPr>
-      <p:grpSpPr>
-        <a:xfrm>
-          <a:off x="0" y="0"/>
-          <a:ext cx="0" cy="0"/>
-          <a:chOff x="0" y="0"/>
-          <a:chExt cx="0" cy="0"/>
-        </a:xfrm>
-      </p:grpSpPr>
-      <p:sp>
-        <p:nvSpPr>
-          <p:cNvPr id="2" name="Title 1">
-            <a:extLst>
-              <a:ext uri="{FF2B5EF4-FFF2-40B4-BE49-F238E27FC236}">
-                <a16:creationId xmlns:a16="http://schemas.microsoft.com/office/drawing/2014/main" id="{6B46E3DE-CADE-49FE-B25F-A92F95E9DD0C}"/>
-              </a:ext>
-            </a:extLst>
-          </p:cNvPr>
-          <p:cNvSpPr>
-            <a:spLocks noGrp="1"/>
-          </p:cNvSpPr>
-          <p:nvPr>
-            <p:ph type="title"/>
-          </p:nvPr>
-        </p:nvSpPr>
-        <p:spPr/>
-        <p:txBody>
-          <a:bodyPr/>
-          <a:lstStyle/>
-          <a:p>
-            <a:r>
-              <a:rPr lang="nl-NL" dirty="0"/>
-              <a:t>Algoritmes</a:t>
-            </a:r>
-          </a:p>
-        </p:txBody>
-      </p:sp>
-      <p:sp>
-        <p:nvSpPr>
-          <p:cNvPr id="3" name="Content Placeholder 2">
-            <a:extLst>
-              <a:ext uri="{FF2B5EF4-FFF2-40B4-BE49-F238E27FC236}">
-                <a16:creationId xmlns:a16="http://schemas.microsoft.com/office/drawing/2014/main" id="{4AB8BA1E-F4A5-469C-BEAB-D8E634BB9024}"/>
-              </a:ext>
-            </a:extLst>
-          </p:cNvPr>
-          <p:cNvSpPr>
-            <a:spLocks noGrp="1"/>
-          </p:cNvSpPr>
-          <p:nvPr>
-            <p:ph idx="1"/>
-          </p:nvPr>
-        </p:nvSpPr>
-        <p:spPr/>
-        <p:txBody>
-          <a:bodyPr>
-            <a:normAutofit fontScale="92500" lnSpcReduction="20000"/>
-          </a:bodyPr>
-          <a:lstStyle/>
-          <a:p>
-            <a:r>
-              <a:rPr lang="nl-NL" dirty="0"/>
-              <a:t>Constructive algoritme</a:t>
-            </a:r>
-          </a:p>
-          <a:p>
-            <a:pPr lvl="1"/>
-            <a:r>
-              <a:rPr lang="nl-NL" dirty="0"/>
-              <a:t>Depth-first:</a:t>
-            </a:r>
-          </a:p>
-          <a:p>
-            <a:pPr lvl="2"/>
-            <a:r>
-              <a:rPr lang="nl-NL" dirty="0"/>
-              <a:t>Nadeel: te grote toestandsruimte</a:t>
-            </a:r>
-          </a:p>
-          <a:p>
-            <a:pPr lvl="2"/>
-            <a:endParaRPr lang="nl-NL" dirty="0"/>
-          </a:p>
-          <a:p>
-            <a:r>
-              <a:rPr lang="nl-NL" dirty="0"/>
-              <a:t>Search algoritme</a:t>
-            </a:r>
-          </a:p>
-          <a:p>
-            <a:pPr lvl="1"/>
-            <a:r>
-              <a:rPr lang="nl-NL" dirty="0"/>
-              <a:t>Hill climbing:</a:t>
-            </a:r>
-          </a:p>
-          <a:p>
-            <a:pPr lvl="2"/>
-            <a:r>
-              <a:rPr lang="nl-NL" dirty="0"/>
-              <a:t>Nadeel: lokale optima</a:t>
-            </a:r>
-          </a:p>
-          <a:p>
-            <a:pPr lvl="1"/>
-            <a:r>
-              <a:rPr lang="nl-NL" dirty="0"/>
-              <a:t>Tabu search:</a:t>
-            </a:r>
-          </a:p>
-          <a:p>
-            <a:pPr lvl="2"/>
-            <a:r>
-              <a:rPr lang="nl-NL" dirty="0"/>
-              <a:t>Veel rekentijd en geheugengebruik</a:t>
-            </a:r>
-          </a:p>
-          <a:p>
-            <a:pPr lvl="1"/>
-            <a:r>
-              <a:rPr lang="nl-NL" dirty="0"/>
-              <a:t>Simulated annealing:</a:t>
-            </a:r>
-          </a:p>
-          <a:p>
-            <a:pPr lvl="2"/>
-            <a:r>
-              <a:rPr lang="nl-NL" dirty="0"/>
-              <a:t>Probabilistisch en goed voor grote toestandsruimte</a:t>
-            </a:r>
-          </a:p>
-          <a:p>
-            <a:pPr lvl="1"/>
-            <a:r>
-              <a:rPr lang="nl-NL" dirty="0"/>
-              <a:t>Genetic algorithm</a:t>
-            </a:r>
-          </a:p>
-        </p:txBody>
-      </p:sp>
-    </p:spTree>
-    <p:extLst>
-      <p:ext uri="{BB962C8B-B14F-4D97-AF65-F5344CB8AC3E}">
-        <p14:creationId xmlns:p14="http://schemas.microsoft.com/office/powerpoint/2010/main" val="3723205344"/>
-      </p:ext>
-    </p:extLst>
-  </p:cSld>
-  <p:clrMapOvr>
-    <a:masterClrMapping/>
-  </p:clrMapOvr>
-</p:sld>
-</file>
-
-<file path=ppt/slides/slide7.xml><?xml version="1.0" encoding="utf-8"?>
-<p:sld xmlns:a="http://schemas.openxmlformats.org/drawingml/2006/main" xmlns:r="http://schemas.openxmlformats.org/officeDocument/2006/relationships" xmlns:p="http://schemas.openxmlformats.org/presentationml/2006/main">
-  <p:cSld>
-    <p:spTree>
-      <p:nvGrpSpPr>
-        <p:cNvPr id="1" name=""/>
-        <p:cNvGrpSpPr/>
-        <p:nvPr/>
-      </p:nvGrpSpPr>
-      <p:grpSpPr>
-        <a:xfrm>
-          <a:off x="0" y="0"/>
-          <a:ext cx="0" cy="0"/>
-          <a:chOff x="0" y="0"/>
-          <a:chExt cx="0" cy="0"/>
-        </a:xfrm>
-      </p:grpSpPr>
-      <p:sp>
-        <p:nvSpPr>
-          <p:cNvPr id="2" name="Title 1"/>
-          <p:cNvSpPr>
-            <a:spLocks noGrp="1"/>
-          </p:cNvSpPr>
-          <p:nvPr>
-            <p:ph type="title"/>
-          </p:nvPr>
-        </p:nvSpPr>
-        <p:spPr/>
-        <p:txBody>
-          <a:bodyPr>
-            <a:normAutofit fontScale="90000"/>
-          </a:bodyPr>
-          <a:lstStyle/>
-          <a:p>
-            <a:r>
               <a:rPr lang="en-US" dirty="0"/>
-              <a:t>Genetic algorithm - Principe</a:t>
+              <a:t>Genetic algorithm </a:t>
             </a:r>
             <a:br>
               <a:rPr lang="en-US" dirty="0"/>
@@ -4635,581 +3698,113 @@
             <p:ph idx="1"/>
           </p:nvPr>
         </p:nvSpPr>
-        <p:spPr/>
-        <p:txBody>
-          <a:bodyPr/>
-          <a:lstStyle/>
-          <a:p>
-            <a:r>
-              <a:rPr lang="en-US" dirty="0" err="1"/>
-              <a:t>Neem</a:t>
-            </a:r>
-            <a:r>
-              <a:rPr lang="en-US" dirty="0"/>
-              <a:t> 2 </a:t>
-            </a:r>
-            <a:r>
-              <a:rPr lang="en-US" dirty="0" err="1"/>
-              <a:t>ouders</a:t>
-            </a:r>
-            <a:endParaRPr lang="en-US" dirty="0"/>
-          </a:p>
-          <a:p>
-            <a:r>
-              <a:rPr lang="en-US" dirty="0"/>
-              <a:t>Random </a:t>
-            </a:r>
-            <a:r>
-              <a:rPr lang="en-US" dirty="0" err="1"/>
-              <a:t>keuze</a:t>
-            </a:r>
-            <a:r>
-              <a:rPr lang="en-US" dirty="0"/>
-              <a:t> </a:t>
-            </a:r>
-            <a:r>
-              <a:rPr lang="en-US" dirty="0" err="1"/>
-              <a:t>tussen</a:t>
-            </a:r>
-            <a:r>
-              <a:rPr lang="en-US" dirty="0"/>
-              <a:t> </a:t>
-            </a:r>
-            <a:r>
-              <a:rPr lang="en-US" dirty="0" err="1"/>
-              <a:t>recombinatie</a:t>
-            </a:r>
-            <a:r>
-              <a:rPr lang="en-US" dirty="0"/>
-              <a:t> of </a:t>
-            </a:r>
-            <a:r>
-              <a:rPr lang="en-US" dirty="0" err="1"/>
-              <a:t>mutatie</a:t>
-            </a:r>
-            <a:endParaRPr lang="en-US" dirty="0"/>
-          </a:p>
-          <a:p>
-            <a:r>
-              <a:rPr lang="en-US" dirty="0" err="1"/>
-              <a:t>Oudesr</a:t>
-            </a:r>
-            <a:r>
-              <a:rPr lang="en-US" dirty="0"/>
-              <a:t> </a:t>
-            </a:r>
-            <a:r>
-              <a:rPr lang="en-US" dirty="0" err="1"/>
-              <a:t>krijgen</a:t>
-            </a:r>
-            <a:r>
-              <a:rPr lang="en-US" dirty="0"/>
-              <a:t> </a:t>
-            </a:r>
-            <a:r>
-              <a:rPr lang="en-US" dirty="0" err="1"/>
-              <a:t>zo</a:t>
-            </a:r>
-            <a:r>
-              <a:rPr lang="en-US" dirty="0"/>
-              <a:t> twee </a:t>
-            </a:r>
-            <a:r>
-              <a:rPr lang="en-US" dirty="0" err="1"/>
-              <a:t>kinderen</a:t>
-            </a:r>
-            <a:endParaRPr lang="en-US" dirty="0"/>
-          </a:p>
-          <a:p>
-            <a:r>
-              <a:rPr lang="en-US" dirty="0"/>
-              <a:t>2 </a:t>
-            </a:r>
-            <a:r>
-              <a:rPr lang="en-US" dirty="0" err="1"/>
-              <a:t>kinderen</a:t>
-            </a:r>
-            <a:r>
-              <a:rPr lang="en-US" dirty="0"/>
-              <a:t> en 2 </a:t>
-            </a:r>
-            <a:r>
-              <a:rPr lang="en-US" dirty="0" err="1"/>
-              <a:t>ouders</a:t>
-            </a:r>
-            <a:endParaRPr lang="en-US" dirty="0"/>
-          </a:p>
-          <a:p>
-            <a:r>
-              <a:rPr lang="en-US" dirty="0" err="1"/>
-              <a:t>Kies</a:t>
-            </a:r>
-            <a:r>
-              <a:rPr lang="en-US" dirty="0"/>
-              <a:t> de </a:t>
-            </a:r>
-            <a:r>
-              <a:rPr lang="en-US" dirty="0" err="1"/>
-              <a:t>beste</a:t>
-            </a:r>
-            <a:r>
-              <a:rPr lang="en-US" dirty="0"/>
-              <a:t> </a:t>
-            </a:r>
-            <a:r>
-              <a:rPr lang="en-US" dirty="0" err="1"/>
-              <a:t>om</a:t>
-            </a:r>
-            <a:r>
-              <a:rPr lang="en-US" dirty="0"/>
-              <a:t> 2 </a:t>
-            </a:r>
-            <a:r>
-              <a:rPr lang="en-US" dirty="0" err="1"/>
-              <a:t>om</a:t>
-            </a:r>
-            <a:r>
-              <a:rPr lang="en-US" dirty="0"/>
-              <a:t> </a:t>
-            </a:r>
-            <a:r>
-              <a:rPr lang="en-US" dirty="0" err="1"/>
-              <a:t>als</a:t>
-            </a:r>
-            <a:r>
-              <a:rPr lang="en-US" dirty="0"/>
-              <a:t> </a:t>
-            </a:r>
-            <a:r>
-              <a:rPr lang="en-US" dirty="0" err="1"/>
-              <a:t>ouder</a:t>
-            </a:r>
-            <a:r>
-              <a:rPr lang="en-US" dirty="0"/>
-              <a:t> </a:t>
-            </a:r>
-            <a:r>
-              <a:rPr lang="en-US" dirty="0" err="1"/>
-              <a:t>te</a:t>
-            </a:r>
-            <a:r>
-              <a:rPr lang="en-US" dirty="0"/>
-              <a:t> </a:t>
-            </a:r>
-            <a:r>
-              <a:rPr lang="en-US" dirty="0" err="1"/>
-              <a:t>dienen</a:t>
-            </a:r>
-            <a:r>
-              <a:rPr lang="en-US" dirty="0"/>
-              <a:t> </a:t>
-            </a:r>
-            <a:r>
-              <a:rPr lang="en-US" dirty="0" err="1"/>
-              <a:t>voor</a:t>
-            </a:r>
-            <a:r>
-              <a:rPr lang="en-US" dirty="0"/>
-              <a:t> de </a:t>
-            </a:r>
-            <a:r>
-              <a:rPr lang="en-US" dirty="0" err="1"/>
-              <a:t>volgende</a:t>
-            </a:r>
-            <a:r>
-              <a:rPr lang="en-US" dirty="0"/>
-              <a:t> </a:t>
-            </a:r>
-            <a:r>
-              <a:rPr lang="en-US" dirty="0" err="1"/>
-              <a:t>interatie</a:t>
-            </a:r>
-            <a:endParaRPr lang="en-US" dirty="0"/>
-          </a:p>
-          <a:p>
-            <a:r>
-              <a:rPr lang="en-US" dirty="0" err="1"/>
-              <a:t>Herhaal</a:t>
-            </a:r>
-            <a:r>
-              <a:rPr lang="en-US" dirty="0"/>
-              <a:t> </a:t>
-            </a:r>
-            <a:r>
-              <a:rPr lang="en-US" dirty="0" err="1"/>
-              <a:t>dit</a:t>
-            </a:r>
-            <a:r>
-              <a:rPr lang="en-US" dirty="0"/>
-              <a:t> </a:t>
-            </a:r>
-            <a:r>
-              <a:rPr lang="en-US" dirty="0" err="1"/>
-              <a:t>totdat</a:t>
-            </a:r>
-            <a:r>
-              <a:rPr lang="en-US" dirty="0"/>
-              <a:t> stop </a:t>
-            </a:r>
-            <a:r>
-              <a:rPr lang="en-US" dirty="0" err="1"/>
-              <a:t>conditie</a:t>
-            </a:r>
-            <a:r>
-              <a:rPr lang="en-US" dirty="0"/>
-              <a:t> is </a:t>
-            </a:r>
-            <a:r>
-              <a:rPr lang="en-US" dirty="0" err="1"/>
-              <a:t>bereikt</a:t>
-            </a:r>
-            <a:endParaRPr lang="en-US" dirty="0"/>
-          </a:p>
-          <a:p>
-            <a:pPr lvl="1"/>
-            <a:endParaRPr lang="en-US" dirty="0"/>
-          </a:p>
-        </p:txBody>
-      </p:sp>
-    </p:spTree>
-    <p:extLst>
-      <p:ext uri="{BB962C8B-B14F-4D97-AF65-F5344CB8AC3E}">
-        <p14:creationId xmlns:p14="http://schemas.microsoft.com/office/powerpoint/2010/main" val="4126143302"/>
-      </p:ext>
-    </p:extLst>
-  </p:cSld>
-  <p:clrMapOvr>
-    <a:masterClrMapping/>
-  </p:clrMapOvr>
-</p:sld>
-</file>
-
-<file path=ppt/slides/slide8.xml><?xml version="1.0" encoding="utf-8"?>
-<p:sld xmlns:a="http://schemas.openxmlformats.org/drawingml/2006/main" xmlns:r="http://schemas.openxmlformats.org/officeDocument/2006/relationships" xmlns:p="http://schemas.openxmlformats.org/presentationml/2006/main">
-  <p:cSld>
-    <p:spTree>
-      <p:nvGrpSpPr>
-        <p:cNvPr id="1" name=""/>
-        <p:cNvGrpSpPr/>
-        <p:nvPr/>
-      </p:nvGrpSpPr>
-      <p:grpSpPr>
-        <a:xfrm>
-          <a:off x="0" y="0"/>
-          <a:ext cx="0" cy="0"/>
-          <a:chOff x="0" y="0"/>
-          <a:chExt cx="0" cy="0"/>
-        </a:xfrm>
-      </p:grpSpPr>
-      <p:sp>
-        <p:nvSpPr>
-          <p:cNvPr id="2" name="Title 1"/>
-          <p:cNvSpPr>
-            <a:spLocks noGrp="1"/>
-          </p:cNvSpPr>
-          <p:nvPr>
-            <p:ph type="title"/>
-          </p:nvPr>
-        </p:nvSpPr>
-        <p:spPr/>
+        <p:spPr>
+          <a:xfrm>
+            <a:off x="1371599" y="1897039"/>
+            <a:ext cx="10042187" cy="3970361"/>
+          </a:xfrm>
+        </p:spPr>
         <p:txBody>
           <a:bodyPr>
-            <a:normAutofit fontScale="90000"/>
+            <a:normAutofit/>
           </a:bodyPr>
           <a:lstStyle/>
           <a:p>
             <a:r>
-              <a:rPr lang="en-US" dirty="0"/>
-              <a:t>Genetic algorithm - </a:t>
-            </a:r>
-            <a:r>
-              <a:rPr lang="en-US" dirty="0" err="1"/>
-              <a:t>Mutatie</a:t>
-            </a:r>
-            <a:br>
-              <a:rPr lang="en-US" dirty="0"/>
-            </a:br>
-            <a:endParaRPr lang="en-US" dirty="0"/>
-          </a:p>
-        </p:txBody>
-      </p:sp>
-      <p:sp>
-        <p:nvSpPr>
-          <p:cNvPr id="3" name="Content Placeholder 2"/>
-          <p:cNvSpPr>
-            <a:spLocks noGrp="1"/>
-          </p:cNvSpPr>
-          <p:nvPr>
-            <p:ph idx="1"/>
-          </p:nvPr>
-        </p:nvSpPr>
-        <p:spPr/>
-        <p:txBody>
-          <a:bodyPr/>
-          <a:lstStyle/>
-          <a:p>
-            <a:r>
-              <a:rPr lang="en-US" dirty="0" err="1"/>
-              <a:t>Mutatie</a:t>
-            </a:r>
-            <a:r>
-              <a:rPr lang="en-US" dirty="0"/>
+              <a:rPr lang="en-US" dirty="0" err="1" smtClean="0"/>
+              <a:t>Combineer</a:t>
+            </a:r>
+            <a:r>
+              <a:rPr lang="en-US" dirty="0" smtClean="0"/>
+              <a:t> de </a:t>
+            </a:r>
+            <a:r>
+              <a:rPr lang="en-US" dirty="0" err="1" smtClean="0"/>
+              <a:t>activiteiten</a:t>
+            </a:r>
+            <a:r>
+              <a:rPr lang="en-US" dirty="0" smtClean="0"/>
+              <a:t> van ouder1 en ouder2 </a:t>
+            </a:r>
+            <a:r>
+              <a:rPr lang="en-US" dirty="0" err="1" smtClean="0"/>
+              <a:t>om</a:t>
+            </a:r>
+            <a:r>
+              <a:rPr lang="en-US" dirty="0" smtClean="0"/>
               <a:t> </a:t>
             </a:r>
             <a:r>
-              <a:rPr lang="en-US" dirty="0" err="1"/>
-              <a:t>binnen</a:t>
-            </a:r>
-            <a:r>
-              <a:rPr lang="en-US" dirty="0"/>
-              <a:t> de </a:t>
-            </a:r>
-            <a:r>
-              <a:rPr lang="en-US" dirty="0" err="1"/>
-              <a:t>ouder</a:t>
-            </a:r>
-            <a:endParaRPr lang="en-US" dirty="0"/>
-          </a:p>
-          <a:p>
-            <a:r>
-              <a:rPr lang="en-US" dirty="0" err="1"/>
-              <a:t>Neem</a:t>
-            </a:r>
-            <a:r>
-              <a:rPr lang="en-US" dirty="0"/>
+              <a:rPr lang="en-US" dirty="0" err="1" smtClean="0"/>
+              <a:t>een</a:t>
+            </a:r>
+            <a:r>
+              <a:rPr lang="en-US" dirty="0" smtClean="0"/>
+              <a:t> kind-rooster </a:t>
+            </a:r>
+            <a:r>
+              <a:rPr lang="en-US" dirty="0" err="1" smtClean="0"/>
+              <a:t>te</a:t>
+            </a:r>
+            <a:r>
+              <a:rPr lang="en-US" dirty="0" smtClean="0"/>
               <a:t> </a:t>
             </a:r>
             <a:r>
-              <a:rPr lang="en-US" dirty="0" err="1"/>
-              <a:t>een</a:t>
-            </a:r>
-            <a:r>
-              <a:rPr lang="en-US" dirty="0"/>
-              <a:t> rooster</a:t>
-            </a:r>
-          </a:p>
-          <a:p>
-            <a:r>
-              <a:rPr lang="en-US" dirty="0" err="1"/>
-              <a:t>Wissel</a:t>
-            </a:r>
-            <a:r>
-              <a:rPr lang="en-US" dirty="0"/>
-              <a:t> twee </a:t>
-            </a:r>
-            <a:r>
-              <a:rPr lang="en-US" dirty="0" err="1"/>
-              <a:t>vakken</a:t>
-            </a:r>
-            <a:r>
-              <a:rPr lang="en-US" dirty="0"/>
+              <a:rPr lang="en-US" dirty="0" err="1" smtClean="0"/>
+              <a:t>maken</a:t>
+            </a:r>
+            <a:endParaRPr lang="en-US" dirty="0" smtClean="0"/>
+          </a:p>
+          <a:p>
+            <a:r>
+              <a:rPr lang="en-US" dirty="0" err="1" smtClean="0"/>
+              <a:t>Mogelijkheid</a:t>
+            </a:r>
+            <a:r>
+              <a:rPr lang="en-US" dirty="0" smtClean="0"/>
+              <a:t> tot </a:t>
+            </a:r>
+            <a:r>
+              <a:rPr lang="en-US" dirty="0" err="1" smtClean="0"/>
+              <a:t>mutatie</a:t>
+            </a:r>
+            <a:endParaRPr lang="en-US" dirty="0" smtClean="0"/>
+          </a:p>
+          <a:p>
+            <a:r>
+              <a:rPr lang="en-US" dirty="0" err="1" smtClean="0"/>
+              <a:t>Activiteitconflicten</a:t>
+            </a:r>
+            <a:r>
+              <a:rPr lang="en-US" dirty="0" smtClean="0"/>
               <a:t> </a:t>
             </a:r>
             <a:r>
-              <a:rPr lang="en-US" dirty="0" err="1"/>
-              <a:t>willekeurig</a:t>
-            </a:r>
-            <a:r>
-              <a:rPr lang="en-US" dirty="0"/>
+              <a:rPr lang="en-US" dirty="0" err="1" smtClean="0"/>
+              <a:t>worden</a:t>
+            </a:r>
+            <a:r>
+              <a:rPr lang="en-US" dirty="0" smtClean="0"/>
               <a:t> </a:t>
             </a:r>
             <a:r>
-              <a:rPr lang="en-US" dirty="0" err="1"/>
-              <a:t>om</a:t>
-            </a:r>
-            <a:endParaRPr lang="en-US" dirty="0"/>
-          </a:p>
-          <a:p>
-            <a:pPr marL="530352" lvl="1" indent="0">
-              <a:buNone/>
-            </a:pPr>
-            <a:r>
-              <a:rPr lang="en-US" dirty="0"/>
+              <a:rPr lang="en-US" dirty="0" err="1" smtClean="0"/>
+              <a:t>opgelost</a:t>
+            </a:r>
+            <a:r>
+              <a:rPr lang="en-US" dirty="0" smtClean="0"/>
               <a:t> </a:t>
             </a:r>
-          </a:p>
-        </p:txBody>
-      </p:sp>
-      <p:pic>
-        <p:nvPicPr>
-          <p:cNvPr id="4" name="Picture 3"/>
-          <p:cNvPicPr>
-            <a:picLocks noChangeAspect="1"/>
-          </p:cNvPicPr>
-          <p:nvPr/>
-        </p:nvPicPr>
-        <p:blipFill>
-          <a:blip r:embed="rId2"/>
-          <a:stretch>
-            <a:fillRect/>
-          </a:stretch>
-        </p:blipFill>
-        <p:spPr>
-          <a:xfrm>
-            <a:off x="1358705" y="3804606"/>
-            <a:ext cx="4394200" cy="1663700"/>
-          </a:xfrm>
-          <a:prstGeom prst="rect">
-            <a:avLst/>
-          </a:prstGeom>
-        </p:spPr>
-      </p:pic>
-    </p:spTree>
-    <p:extLst>
-      <p:ext uri="{BB962C8B-B14F-4D97-AF65-F5344CB8AC3E}">
-        <p14:creationId xmlns:p14="http://schemas.microsoft.com/office/powerpoint/2010/main" val="1576132068"/>
-      </p:ext>
-    </p:extLst>
-  </p:cSld>
-  <p:clrMapOvr>
-    <a:masterClrMapping/>
-  </p:clrMapOvr>
-</p:sld>
-</file>
-
-<file path=ppt/slides/slide9.xml><?xml version="1.0" encoding="utf-8"?>
-<p:sld xmlns:a="http://schemas.openxmlformats.org/drawingml/2006/main" xmlns:r="http://schemas.openxmlformats.org/officeDocument/2006/relationships" xmlns:p="http://schemas.openxmlformats.org/presentationml/2006/main">
-  <p:cSld>
-    <p:spTree>
-      <p:nvGrpSpPr>
-        <p:cNvPr id="1" name=""/>
-        <p:cNvGrpSpPr/>
-        <p:nvPr/>
-      </p:nvGrpSpPr>
-      <p:grpSpPr>
-        <a:xfrm>
-          <a:off x="0" y="0"/>
-          <a:ext cx="0" cy="0"/>
-          <a:chOff x="0" y="0"/>
-          <a:chExt cx="0" cy="0"/>
-        </a:xfrm>
-      </p:grpSpPr>
-      <p:sp>
-        <p:nvSpPr>
-          <p:cNvPr id="2" name="Title 1"/>
-          <p:cNvSpPr>
-            <a:spLocks noGrp="1"/>
-          </p:cNvSpPr>
-          <p:nvPr>
-            <p:ph type="title"/>
-          </p:nvPr>
-        </p:nvSpPr>
-        <p:spPr/>
-        <p:txBody>
-          <a:bodyPr>
-            <a:normAutofit fontScale="90000"/>
-          </a:bodyPr>
-          <a:lstStyle/>
-          <a:p>
-            <a:r>
-              <a:rPr lang="en-US" dirty="0"/>
-              <a:t>Genetic algorithm - </a:t>
-            </a:r>
-            <a:r>
-              <a:rPr lang="en-US" dirty="0" err="1"/>
-              <a:t>Recombinatie</a:t>
-            </a:r>
-            <a:br>
-              <a:rPr lang="en-US" dirty="0"/>
-            </a:br>
-            <a:endParaRPr lang="en-US" dirty="0"/>
-          </a:p>
-        </p:txBody>
-      </p:sp>
-      <p:sp>
-        <p:nvSpPr>
-          <p:cNvPr id="3" name="Content Placeholder 2"/>
-          <p:cNvSpPr>
-            <a:spLocks noGrp="1"/>
-          </p:cNvSpPr>
-          <p:nvPr>
-            <p:ph idx="1"/>
-          </p:nvPr>
-        </p:nvSpPr>
-        <p:spPr>
-          <a:xfrm>
-            <a:off x="1371600" y="1897039"/>
-            <a:ext cx="6136916" cy="3970361"/>
-          </a:xfrm>
-        </p:spPr>
-        <p:txBody>
-          <a:bodyPr>
-            <a:normAutofit fontScale="92500" lnSpcReduction="20000"/>
-          </a:bodyPr>
-          <a:lstStyle/>
-          <a:p>
-            <a:r>
-              <a:rPr lang="nl-NL" dirty="0"/>
-              <a:t>selecteer een random aantal activiteiten van ouder-1</a:t>
-            </a:r>
-          </a:p>
-          <a:p>
-            <a:pPr lvl="0"/>
-            <a:r>
-              <a:rPr lang="nl-NL" dirty="0"/>
-              <a:t>Kopieer deze random activiteiten naar een nieuw kind-rooster op precies hetzelfde </a:t>
-            </a:r>
-            <a:r>
-              <a:rPr lang="nl-NL" dirty="0" err="1"/>
-              <a:t>zaalslot</a:t>
-            </a:r>
-            <a:r>
-              <a:rPr lang="nl-NL" dirty="0"/>
-              <a:t> (tijd en zaal)</a:t>
-            </a:r>
-            <a:endParaRPr lang="en-US" dirty="0"/>
-          </a:p>
-          <a:p>
-            <a:pPr lvl="0"/>
-            <a:r>
-              <a:rPr lang="nl-NL" dirty="0"/>
-              <a:t>Bij ouder-2 verwijder alle activiteiten die al zijn geplaatst door ouder-1</a:t>
-            </a:r>
-            <a:endParaRPr lang="en-US" dirty="0"/>
-          </a:p>
-          <a:p>
-            <a:pPr lvl="0"/>
-            <a:r>
-              <a:rPr lang="nl-NL" dirty="0"/>
-              <a:t>Plaats de overgebleven activiteiten van rooster-2 in het kind-rooster, als er </a:t>
-            </a:r>
-            <a:r>
-              <a:rPr lang="nl-NL" dirty="0" err="1"/>
-              <a:t>conflicts</a:t>
-            </a:r>
-            <a:r>
-              <a:rPr lang="nl-NL" dirty="0"/>
-              <a:t> zijn(er is al in activiteit geroosterd in het </a:t>
-            </a:r>
-            <a:r>
-              <a:rPr lang="nl-NL" dirty="0" err="1"/>
-              <a:t>zaalslot</a:t>
-            </a:r>
-            <a:r>
-              <a:rPr lang="nl-NL" dirty="0"/>
-              <a:t>) pak dan het dichtstbijzijnde vrije </a:t>
-            </a:r>
-            <a:r>
-              <a:rPr lang="nl-NL" dirty="0" err="1"/>
-              <a:t>zaalslot</a:t>
-            </a:r>
-            <a:r>
-              <a:rPr lang="nl-NL" dirty="0"/>
-              <a:t>. </a:t>
-            </a:r>
-            <a:endParaRPr lang="en-US" dirty="0"/>
-          </a:p>
-          <a:p>
-            <a:pPr lvl="0"/>
-            <a:r>
-              <a:rPr lang="nl-NL" dirty="0"/>
-              <a:t>Herhaal de stappen, maar begin dan met ouder-r2 in plaats van ouder-1</a:t>
-            </a:r>
-            <a:endParaRPr lang="en-US" dirty="0"/>
-          </a:p>
-          <a:p>
-            <a:pPr lvl="1"/>
-            <a:endParaRPr lang="en-US" dirty="0"/>
+            <a:r>
+              <a:rPr lang="en-US" dirty="0" smtClean="0"/>
+              <a:t>via </a:t>
+            </a:r>
+            <a:r>
+              <a:rPr lang="en-US" dirty="0" err="1" smtClean="0"/>
+              <a:t>zaalgrootte</a:t>
+            </a:r>
+            <a:endParaRPr lang="nl-NL" dirty="0"/>
           </a:p>
         </p:txBody>
       </p:sp>
@@ -5229,24 +3824,309 @@
         </p:blipFill>
         <p:spPr>
           <a:xfrm>
-            <a:off x="7832612" y="2128827"/>
-            <a:ext cx="4013009" cy="2373743"/>
+            <a:off x="1466751" y="3898677"/>
+            <a:ext cx="7493000" cy="609600"/>
           </a:xfrm>
           <a:prstGeom prst="rect">
             <a:avLst/>
           </a:prstGeom>
         </p:spPr>
       </p:pic>
+      <p:pic>
+        <p:nvPicPr>
+          <p:cNvPr id="6" name="Picture 5"/>
+          <p:cNvPicPr>
+            <a:picLocks noChangeAspect="1"/>
+          </p:cNvPicPr>
+          <p:nvPr/>
+        </p:nvPicPr>
+        <p:blipFill>
+          <a:blip r:embed="rId3"/>
+          <a:stretch>
+            <a:fillRect/>
+          </a:stretch>
+        </p:blipFill>
+        <p:spPr>
+          <a:xfrm>
+            <a:off x="1469538" y="5032498"/>
+            <a:ext cx="7518400" cy="342900"/>
+          </a:xfrm>
+          <a:prstGeom prst="rect">
+            <a:avLst/>
+          </a:prstGeom>
+        </p:spPr>
+      </p:pic>
+      <p:pic>
+        <p:nvPicPr>
+          <p:cNvPr id="7" name="Picture 6"/>
+          <p:cNvPicPr>
+            <a:picLocks noChangeAspect="1"/>
+          </p:cNvPicPr>
+          <p:nvPr/>
+        </p:nvPicPr>
+        <p:blipFill>
+          <a:blip r:embed="rId4"/>
+          <a:stretch>
+            <a:fillRect/>
+          </a:stretch>
+        </p:blipFill>
+        <p:spPr>
+          <a:xfrm>
+            <a:off x="1454051" y="5946383"/>
+            <a:ext cx="7505700" cy="342900"/>
+          </a:xfrm>
+          <a:prstGeom prst="rect">
+            <a:avLst/>
+          </a:prstGeom>
+        </p:spPr>
+      </p:pic>
+      <p:sp>
+        <p:nvSpPr>
+          <p:cNvPr id="8" name="Right Arrow 7"/>
+          <p:cNvSpPr/>
+          <p:nvPr/>
+        </p:nvSpPr>
+        <p:spPr>
+          <a:xfrm rot="5400000">
+            <a:off x="3092222" y="4672685"/>
+            <a:ext cx="397473" cy="170376"/>
+          </a:xfrm>
+          <a:prstGeom prst="rightArrow">
+            <a:avLst/>
+          </a:prstGeom>
+          <a:solidFill>
+            <a:schemeClr val="tx1"/>
+          </a:solidFill>
+          <a:ln>
+            <a:solidFill>
+              <a:schemeClr val="tx1"/>
+            </a:solidFill>
+          </a:ln>
+        </p:spPr>
+        <p:style>
+          <a:lnRef idx="1">
+            <a:schemeClr val="accent1"/>
+          </a:lnRef>
+          <a:fillRef idx="3">
+            <a:schemeClr val="accent1"/>
+          </a:fillRef>
+          <a:effectRef idx="2">
+            <a:schemeClr val="accent1"/>
+          </a:effectRef>
+          <a:fontRef idx="minor">
+            <a:schemeClr val="lt1"/>
+          </a:fontRef>
+        </p:style>
+        <p:txBody>
+          <a:bodyPr rtlCol="0" anchor="ctr"/>
+          <a:lstStyle/>
+          <a:p>
+            <a:pPr algn="ctr"/>
+            <a:endParaRPr lang="en-US"/>
+          </a:p>
+        </p:txBody>
+      </p:sp>
+      <p:sp>
+        <p:nvSpPr>
+          <p:cNvPr id="9" name="Right Arrow 8"/>
+          <p:cNvSpPr/>
+          <p:nvPr/>
+        </p:nvSpPr>
+        <p:spPr>
+          <a:xfrm rot="5400000">
+            <a:off x="5614112" y="4701169"/>
+            <a:ext cx="397473" cy="170376"/>
+          </a:xfrm>
+          <a:prstGeom prst="rightArrow">
+            <a:avLst/>
+          </a:prstGeom>
+          <a:solidFill>
+            <a:schemeClr val="tx1"/>
+          </a:solidFill>
+          <a:ln>
+            <a:solidFill>
+              <a:schemeClr val="tx1"/>
+            </a:solidFill>
+          </a:ln>
+        </p:spPr>
+        <p:style>
+          <a:lnRef idx="1">
+            <a:schemeClr val="accent1"/>
+          </a:lnRef>
+          <a:fillRef idx="3">
+            <a:schemeClr val="accent1"/>
+          </a:fillRef>
+          <a:effectRef idx="2">
+            <a:schemeClr val="accent1"/>
+          </a:effectRef>
+          <a:fontRef idx="minor">
+            <a:schemeClr val="lt1"/>
+          </a:fontRef>
+        </p:style>
+        <p:txBody>
+          <a:bodyPr rtlCol="0" anchor="ctr"/>
+          <a:lstStyle/>
+          <a:p>
+            <a:pPr algn="ctr"/>
+            <a:endParaRPr lang="en-US"/>
+          </a:p>
+        </p:txBody>
+      </p:sp>
+      <p:sp>
+        <p:nvSpPr>
+          <p:cNvPr id="10" name="Right Arrow 9"/>
+          <p:cNvSpPr/>
+          <p:nvPr/>
+        </p:nvSpPr>
+        <p:spPr>
+          <a:xfrm rot="16200000">
+            <a:off x="4406131" y="5584074"/>
+            <a:ext cx="397473" cy="170376"/>
+          </a:xfrm>
+          <a:prstGeom prst="rightArrow">
+            <a:avLst/>
+          </a:prstGeom>
+          <a:solidFill>
+            <a:schemeClr val="tx1"/>
+          </a:solidFill>
+          <a:ln>
+            <a:solidFill>
+              <a:schemeClr val="tx1"/>
+            </a:solidFill>
+          </a:ln>
+        </p:spPr>
+        <p:style>
+          <a:lnRef idx="1">
+            <a:schemeClr val="accent1"/>
+          </a:lnRef>
+          <a:fillRef idx="3">
+            <a:schemeClr val="accent1"/>
+          </a:fillRef>
+          <a:effectRef idx="2">
+            <a:schemeClr val="accent1"/>
+          </a:effectRef>
+          <a:fontRef idx="minor">
+            <a:schemeClr val="lt1"/>
+          </a:fontRef>
+        </p:style>
+        <p:txBody>
+          <a:bodyPr rtlCol="0" anchor="ctr"/>
+          <a:lstStyle/>
+          <a:p>
+            <a:pPr algn="ctr"/>
+            <a:endParaRPr lang="en-US"/>
+          </a:p>
+        </p:txBody>
+      </p:sp>
+      <p:sp>
+        <p:nvSpPr>
+          <p:cNvPr id="11" name="Right Arrow 10"/>
+          <p:cNvSpPr/>
+          <p:nvPr/>
+        </p:nvSpPr>
+        <p:spPr>
+          <a:xfrm rot="16200000">
+            <a:off x="6819610" y="5581578"/>
+            <a:ext cx="397473" cy="170376"/>
+          </a:xfrm>
+          <a:prstGeom prst="rightArrow">
+            <a:avLst/>
+          </a:prstGeom>
+          <a:solidFill>
+            <a:schemeClr val="tx1"/>
+          </a:solidFill>
+          <a:ln>
+            <a:solidFill>
+              <a:schemeClr val="tx1"/>
+            </a:solidFill>
+          </a:ln>
+        </p:spPr>
+        <p:style>
+          <a:lnRef idx="1">
+            <a:schemeClr val="accent1"/>
+          </a:lnRef>
+          <a:fillRef idx="3">
+            <a:schemeClr val="accent1"/>
+          </a:fillRef>
+          <a:effectRef idx="2">
+            <a:schemeClr val="accent1"/>
+          </a:effectRef>
+          <a:fontRef idx="minor">
+            <a:schemeClr val="lt1"/>
+          </a:fontRef>
+        </p:style>
+        <p:txBody>
+          <a:bodyPr rtlCol="0" anchor="ctr"/>
+          <a:lstStyle/>
+          <a:p>
+            <a:pPr algn="ctr"/>
+            <a:endParaRPr lang="en-US"/>
+          </a:p>
+        </p:txBody>
+      </p:sp>
+      <p:sp>
+        <p:nvSpPr>
+          <p:cNvPr id="12" name="Right Arrow 11"/>
+          <p:cNvSpPr/>
+          <p:nvPr/>
+        </p:nvSpPr>
+        <p:spPr>
+          <a:xfrm rot="16200000">
+            <a:off x="8105017" y="5550600"/>
+            <a:ext cx="397473" cy="170376"/>
+          </a:xfrm>
+          <a:prstGeom prst="rightArrow">
+            <a:avLst/>
+          </a:prstGeom>
+          <a:solidFill>
+            <a:schemeClr val="tx1"/>
+          </a:solidFill>
+          <a:ln>
+            <a:solidFill>
+              <a:schemeClr val="tx1"/>
+            </a:solidFill>
+          </a:ln>
+        </p:spPr>
+        <p:style>
+          <a:lnRef idx="1">
+            <a:schemeClr val="accent1"/>
+          </a:lnRef>
+          <a:fillRef idx="3">
+            <a:schemeClr val="accent1"/>
+          </a:fillRef>
+          <a:effectRef idx="2">
+            <a:schemeClr val="accent1"/>
+          </a:effectRef>
+          <a:fontRef idx="minor">
+            <a:schemeClr val="lt1"/>
+          </a:fontRef>
+        </p:style>
+        <p:txBody>
+          <a:bodyPr rtlCol="0" anchor="ctr"/>
+          <a:lstStyle/>
+          <a:p>
+            <a:pPr algn="ctr"/>
+            <a:endParaRPr lang="en-US"/>
+          </a:p>
+        </p:txBody>
+      </p:sp>
     </p:spTree>
     <p:extLst>
       <p:ext uri="{BB962C8B-B14F-4D97-AF65-F5344CB8AC3E}">
-        <p14:creationId xmlns:p14="http://schemas.microsoft.com/office/powerpoint/2010/main" val="3954526477"/>
+        <p14:creationId xmlns:p14="http://schemas.microsoft.com/office/powerpoint/2010/main" val="104879066"/>
       </p:ext>
     </p:extLst>
   </p:cSld>
   <p:clrMapOvr>
     <a:masterClrMapping/>
   </p:clrMapOvr>
+  <p:timing>
+    <p:tnLst>
+      <p:par>
+        <p:cTn xmlns:p14="http://schemas.microsoft.com/office/powerpoint/2010/main" id="1" dur="indefinite" restart="never" nodeType="tmRoot"/>
+      </p:par>
+    </p:tnLst>
+  </p:timing>
 </p:sld>
 </file>
 
@@ -5524,7 +4404,7 @@
   <a:extraClrSchemeLst/>
   <a:extLst>
     <a:ext uri="{05A4C25C-085E-4340-85A3-A5531E510DB2}">
-      <thm15:themeFamily xmlns:thm15="http://schemas.microsoft.com/office/thememl/2012/main" name="Crop" id="{EC9488ED-E761-4D60-9AC4-764D1FE2C171}" vid="{CE19780C-D67D-4C13-9DE9-A52BC3BA51B4}"/>
+      <thm15:themeFamily xmlns:thm15="http://schemas.microsoft.com/office/thememl/2012/main" xmlns="" name="Crop" id="{EC9488ED-E761-4D60-9AC4-764D1FE2C171}" vid="{CE19780C-D67D-4C13-9DE9-A52BC3BA51B4}"/>
     </a:ext>
   </a:extLst>
 </a:theme>
